--- a/lectures/week3/lecture 3/slides/week3_lecture3.pptx
+++ b/lectures/week3/lecture 3/slides/week3_lecture3.pptx
@@ -4,6 +4,9 @@
   <p:sldMasterIdLst>
     <p:sldMasterId id="2147483665" r:id="rId1"/>
   </p:sldMasterIdLst>
+  <p:notesMasterIdLst>
+    <p:notesMasterId r:id="rId19"/>
+  </p:notesMasterIdLst>
   <p:sldIdLst>
     <p:sldId id="256" r:id="rId2"/>
     <p:sldId id="258" r:id="rId3"/>
@@ -13,12 +16,15 @@
     <p:sldId id="298" r:id="rId7"/>
     <p:sldId id="262" r:id="rId8"/>
     <p:sldId id="263" r:id="rId9"/>
-    <p:sldId id="299" r:id="rId10"/>
-    <p:sldId id="288" r:id="rId11"/>
-    <p:sldId id="271" r:id="rId12"/>
-    <p:sldId id="276" r:id="rId13"/>
-    <p:sldId id="281" r:id="rId14"/>
-    <p:sldId id="290" r:id="rId15"/>
+    <p:sldId id="335" r:id="rId10"/>
+    <p:sldId id="354" r:id="rId11"/>
+    <p:sldId id="350" r:id="rId12"/>
+    <p:sldId id="299" r:id="rId13"/>
+    <p:sldId id="288" r:id="rId14"/>
+    <p:sldId id="271" r:id="rId15"/>
+    <p:sldId id="276" r:id="rId16"/>
+    <p:sldId id="281" r:id="rId17"/>
+    <p:sldId id="290" r:id="rId18"/>
   </p:sldIdLst>
   <p:sldSz cx="12192000" cy="6858000"/>
   <p:notesSz cx="6858000" cy="9144000"/>
@@ -123,6 +129,524 @@
     </p:ext>
   </p:extLst>
 </p:presentation>
+</file>
+
+<file path=ppt/notesMasters/notesMaster1.xml><?xml version="1.0" encoding="utf-8"?>
+<p:notesMaster xmlns:a="http://schemas.openxmlformats.org/drawingml/2006/main" xmlns:r="http://schemas.openxmlformats.org/officeDocument/2006/relationships" xmlns:p="http://schemas.openxmlformats.org/presentationml/2006/main">
+  <p:cSld>
+    <p:bg>
+      <p:bgRef idx="1001">
+        <a:schemeClr val="bg1"/>
+      </p:bgRef>
+    </p:bg>
+    <p:spTree>
+      <p:nvGrpSpPr>
+        <p:cNvPr id="1" name=""/>
+        <p:cNvGrpSpPr/>
+        <p:nvPr/>
+      </p:nvGrpSpPr>
+      <p:grpSpPr>
+        <a:xfrm>
+          <a:off x="0" y="0"/>
+          <a:ext cx="0" cy="0"/>
+          <a:chOff x="0" y="0"/>
+          <a:chExt cx="0" cy="0"/>
+        </a:xfrm>
+      </p:grpSpPr>
+      <p:sp>
+        <p:nvSpPr>
+          <p:cNvPr id="2" name="Header Placeholder 1"/>
+          <p:cNvSpPr>
+            <a:spLocks noGrp="1"/>
+          </p:cNvSpPr>
+          <p:nvPr>
+            <p:ph type="hdr" sz="quarter"/>
+          </p:nvPr>
+        </p:nvSpPr>
+        <p:spPr>
+          <a:xfrm>
+            <a:off x="0" y="0"/>
+            <a:ext cx="2971800" cy="458788"/>
+          </a:xfrm>
+          <a:prstGeom prst="rect">
+            <a:avLst/>
+          </a:prstGeom>
+        </p:spPr>
+        <p:txBody>
+          <a:bodyPr vert="horz" lIns="91440" tIns="45720" rIns="91440" bIns="45720" rtlCol="0"/>
+          <a:lstStyle>
+            <a:lvl1pPr algn="l">
+              <a:defRPr sz="1200"/>
+            </a:lvl1pPr>
+          </a:lstStyle>
+          <a:p>
+            <a:endParaRPr lang="en-CA"/>
+          </a:p>
+        </p:txBody>
+      </p:sp>
+      <p:sp>
+        <p:nvSpPr>
+          <p:cNvPr id="3" name="Date Placeholder 2"/>
+          <p:cNvSpPr>
+            <a:spLocks noGrp="1"/>
+          </p:cNvSpPr>
+          <p:nvPr>
+            <p:ph type="dt" idx="1"/>
+          </p:nvPr>
+        </p:nvSpPr>
+        <p:spPr>
+          <a:xfrm>
+            <a:off x="3884613" y="0"/>
+            <a:ext cx="2971800" cy="458788"/>
+          </a:xfrm>
+          <a:prstGeom prst="rect">
+            <a:avLst/>
+          </a:prstGeom>
+        </p:spPr>
+        <p:txBody>
+          <a:bodyPr vert="horz" lIns="91440" tIns="45720" rIns="91440" bIns="45720" rtlCol="0"/>
+          <a:lstStyle>
+            <a:lvl1pPr algn="r">
+              <a:defRPr sz="1200"/>
+            </a:lvl1pPr>
+          </a:lstStyle>
+          <a:p>
+            <a:fld id="{964ECA81-C6C1-42E2-A889-FFD5EDB760B0}" type="datetimeFigureOut">
+              <a:rPr lang="en-CA" smtClean="0"/>
+              <a:t>2023-01-26</a:t>
+            </a:fld>
+            <a:endParaRPr lang="en-CA"/>
+          </a:p>
+        </p:txBody>
+      </p:sp>
+      <p:sp>
+        <p:nvSpPr>
+          <p:cNvPr id="4" name="Slide Image Placeholder 3"/>
+          <p:cNvSpPr>
+            <a:spLocks noGrp="1" noRot="1" noChangeAspect="1"/>
+          </p:cNvSpPr>
+          <p:nvPr>
+            <p:ph type="sldImg" idx="2"/>
+          </p:nvPr>
+        </p:nvSpPr>
+        <p:spPr>
+          <a:xfrm>
+            <a:off x="685800" y="1143000"/>
+            <a:ext cx="5486400" cy="3086100"/>
+          </a:xfrm>
+          <a:prstGeom prst="rect">
+            <a:avLst/>
+          </a:prstGeom>
+          <a:noFill/>
+          <a:ln w="12700">
+            <a:solidFill>
+              <a:prstClr val="black"/>
+            </a:solidFill>
+          </a:ln>
+        </p:spPr>
+        <p:txBody>
+          <a:bodyPr vert="horz" lIns="91440" tIns="45720" rIns="91440" bIns="45720" rtlCol="0" anchor="ctr"/>
+          <a:lstStyle/>
+          <a:p>
+            <a:endParaRPr lang="en-CA"/>
+          </a:p>
+        </p:txBody>
+      </p:sp>
+      <p:sp>
+        <p:nvSpPr>
+          <p:cNvPr id="5" name="Notes Placeholder 4"/>
+          <p:cNvSpPr>
+            <a:spLocks noGrp="1"/>
+          </p:cNvSpPr>
+          <p:nvPr>
+            <p:ph type="body" sz="quarter" idx="3"/>
+          </p:nvPr>
+        </p:nvSpPr>
+        <p:spPr>
+          <a:xfrm>
+            <a:off x="685800" y="4400550"/>
+            <a:ext cx="5486400" cy="3600450"/>
+          </a:xfrm>
+          <a:prstGeom prst="rect">
+            <a:avLst/>
+          </a:prstGeom>
+        </p:spPr>
+        <p:txBody>
+          <a:bodyPr vert="horz" lIns="91440" tIns="45720" rIns="91440" bIns="45720" rtlCol="0"/>
+          <a:lstStyle/>
+          <a:p>
+            <a:pPr lvl="0"/>
+            <a:r>
+              <a:rPr lang="en-US"/>
+              <a:t>Click to edit Master text styles</a:t>
+            </a:r>
+          </a:p>
+          <a:p>
+            <a:pPr lvl="1"/>
+            <a:r>
+              <a:rPr lang="en-US"/>
+              <a:t>Second level</a:t>
+            </a:r>
+          </a:p>
+          <a:p>
+            <a:pPr lvl="2"/>
+            <a:r>
+              <a:rPr lang="en-US"/>
+              <a:t>Third level</a:t>
+            </a:r>
+          </a:p>
+          <a:p>
+            <a:pPr lvl="3"/>
+            <a:r>
+              <a:rPr lang="en-US"/>
+              <a:t>Fourth level</a:t>
+            </a:r>
+          </a:p>
+          <a:p>
+            <a:pPr lvl="4"/>
+            <a:r>
+              <a:rPr lang="en-US"/>
+              <a:t>Fifth level</a:t>
+            </a:r>
+            <a:endParaRPr lang="en-CA"/>
+          </a:p>
+        </p:txBody>
+      </p:sp>
+      <p:sp>
+        <p:nvSpPr>
+          <p:cNvPr id="6" name="Footer Placeholder 5"/>
+          <p:cNvSpPr>
+            <a:spLocks noGrp="1"/>
+          </p:cNvSpPr>
+          <p:nvPr>
+            <p:ph type="ftr" sz="quarter" idx="4"/>
+          </p:nvPr>
+        </p:nvSpPr>
+        <p:spPr>
+          <a:xfrm>
+            <a:off x="0" y="8685213"/>
+            <a:ext cx="2971800" cy="458787"/>
+          </a:xfrm>
+          <a:prstGeom prst="rect">
+            <a:avLst/>
+          </a:prstGeom>
+        </p:spPr>
+        <p:txBody>
+          <a:bodyPr vert="horz" lIns="91440" tIns="45720" rIns="91440" bIns="45720" rtlCol="0" anchor="b"/>
+          <a:lstStyle>
+            <a:lvl1pPr algn="l">
+              <a:defRPr sz="1200"/>
+            </a:lvl1pPr>
+          </a:lstStyle>
+          <a:p>
+            <a:endParaRPr lang="en-CA"/>
+          </a:p>
+        </p:txBody>
+      </p:sp>
+      <p:sp>
+        <p:nvSpPr>
+          <p:cNvPr id="7" name="Slide Number Placeholder 6"/>
+          <p:cNvSpPr>
+            <a:spLocks noGrp="1"/>
+          </p:cNvSpPr>
+          <p:nvPr>
+            <p:ph type="sldNum" sz="quarter" idx="5"/>
+          </p:nvPr>
+        </p:nvSpPr>
+        <p:spPr>
+          <a:xfrm>
+            <a:off x="3884613" y="8685213"/>
+            <a:ext cx="2971800" cy="458787"/>
+          </a:xfrm>
+          <a:prstGeom prst="rect">
+            <a:avLst/>
+          </a:prstGeom>
+        </p:spPr>
+        <p:txBody>
+          <a:bodyPr vert="horz" lIns="91440" tIns="45720" rIns="91440" bIns="45720" rtlCol="0" anchor="b"/>
+          <a:lstStyle>
+            <a:lvl1pPr algn="r">
+              <a:defRPr sz="1200"/>
+            </a:lvl1pPr>
+          </a:lstStyle>
+          <a:p>
+            <a:fld id="{2CB3492B-D9F0-44D6-83ED-EE15B032B4D3}" type="slidenum">
+              <a:rPr lang="en-CA" smtClean="0"/>
+              <a:t>‹#›</a:t>
+            </a:fld>
+            <a:endParaRPr lang="en-CA"/>
+          </a:p>
+        </p:txBody>
+      </p:sp>
+    </p:spTree>
+    <p:extLst>
+      <p:ext uri="{BB962C8B-B14F-4D97-AF65-F5344CB8AC3E}">
+        <p14:creationId xmlns:p14="http://schemas.microsoft.com/office/powerpoint/2010/main" val="1002200328"/>
+      </p:ext>
+    </p:extLst>
+  </p:cSld>
+  <p:clrMap bg1="lt1" tx1="dk1" bg2="lt2" tx2="dk2" accent1="accent1" accent2="accent2" accent3="accent3" accent4="accent4" accent5="accent5" accent6="accent6" hlink="hlink" folHlink="folHlink"/>
+  <p:notesStyle>
+    <a:lvl1pPr marL="0" algn="l" defTabSz="914400" rtl="0" eaLnBrk="1" latinLnBrk="0" hangingPunct="1">
+      <a:defRPr sz="1200" kern="1200">
+        <a:solidFill>
+          <a:schemeClr val="tx1"/>
+        </a:solidFill>
+        <a:latin typeface="+mn-lt"/>
+        <a:ea typeface="+mn-ea"/>
+        <a:cs typeface="+mn-cs"/>
+      </a:defRPr>
+    </a:lvl1pPr>
+    <a:lvl2pPr marL="457200" algn="l" defTabSz="914400" rtl="0" eaLnBrk="1" latinLnBrk="0" hangingPunct="1">
+      <a:defRPr sz="1200" kern="1200">
+        <a:solidFill>
+          <a:schemeClr val="tx1"/>
+        </a:solidFill>
+        <a:latin typeface="+mn-lt"/>
+        <a:ea typeface="+mn-ea"/>
+        <a:cs typeface="+mn-cs"/>
+      </a:defRPr>
+    </a:lvl2pPr>
+    <a:lvl3pPr marL="914400" algn="l" defTabSz="914400" rtl="0" eaLnBrk="1" latinLnBrk="0" hangingPunct="1">
+      <a:defRPr sz="1200" kern="1200">
+        <a:solidFill>
+          <a:schemeClr val="tx1"/>
+        </a:solidFill>
+        <a:latin typeface="+mn-lt"/>
+        <a:ea typeface="+mn-ea"/>
+        <a:cs typeface="+mn-cs"/>
+      </a:defRPr>
+    </a:lvl3pPr>
+    <a:lvl4pPr marL="1371600" algn="l" defTabSz="914400" rtl="0" eaLnBrk="1" latinLnBrk="0" hangingPunct="1">
+      <a:defRPr sz="1200" kern="1200">
+        <a:solidFill>
+          <a:schemeClr val="tx1"/>
+        </a:solidFill>
+        <a:latin typeface="+mn-lt"/>
+        <a:ea typeface="+mn-ea"/>
+        <a:cs typeface="+mn-cs"/>
+      </a:defRPr>
+    </a:lvl4pPr>
+    <a:lvl5pPr marL="1828800" algn="l" defTabSz="914400" rtl="0" eaLnBrk="1" latinLnBrk="0" hangingPunct="1">
+      <a:defRPr sz="1200" kern="1200">
+        <a:solidFill>
+          <a:schemeClr val="tx1"/>
+        </a:solidFill>
+        <a:latin typeface="+mn-lt"/>
+        <a:ea typeface="+mn-ea"/>
+        <a:cs typeface="+mn-cs"/>
+      </a:defRPr>
+    </a:lvl5pPr>
+    <a:lvl6pPr marL="2286000" algn="l" defTabSz="914400" rtl="0" eaLnBrk="1" latinLnBrk="0" hangingPunct="1">
+      <a:defRPr sz="1200" kern="1200">
+        <a:solidFill>
+          <a:schemeClr val="tx1"/>
+        </a:solidFill>
+        <a:latin typeface="+mn-lt"/>
+        <a:ea typeface="+mn-ea"/>
+        <a:cs typeface="+mn-cs"/>
+      </a:defRPr>
+    </a:lvl6pPr>
+    <a:lvl7pPr marL="2743200" algn="l" defTabSz="914400" rtl="0" eaLnBrk="1" latinLnBrk="0" hangingPunct="1">
+      <a:defRPr sz="1200" kern="1200">
+        <a:solidFill>
+          <a:schemeClr val="tx1"/>
+        </a:solidFill>
+        <a:latin typeface="+mn-lt"/>
+        <a:ea typeface="+mn-ea"/>
+        <a:cs typeface="+mn-cs"/>
+      </a:defRPr>
+    </a:lvl7pPr>
+    <a:lvl8pPr marL="3200400" algn="l" defTabSz="914400" rtl="0" eaLnBrk="1" latinLnBrk="0" hangingPunct="1">
+      <a:defRPr sz="1200" kern="1200">
+        <a:solidFill>
+          <a:schemeClr val="tx1"/>
+        </a:solidFill>
+        <a:latin typeface="+mn-lt"/>
+        <a:ea typeface="+mn-ea"/>
+        <a:cs typeface="+mn-cs"/>
+      </a:defRPr>
+    </a:lvl8pPr>
+    <a:lvl9pPr marL="3657600" algn="l" defTabSz="914400" rtl="0" eaLnBrk="1" latinLnBrk="0" hangingPunct="1">
+      <a:defRPr sz="1200" kern="1200">
+        <a:solidFill>
+          <a:schemeClr val="tx1"/>
+        </a:solidFill>
+        <a:latin typeface="+mn-lt"/>
+        <a:ea typeface="+mn-ea"/>
+        <a:cs typeface="+mn-cs"/>
+      </a:defRPr>
+    </a:lvl9pPr>
+  </p:notesStyle>
+</p:notesMaster>
+</file>
+
+<file path=ppt/notesSlides/notesSlide1.xml><?xml version="1.0" encoding="utf-8"?>
+<p:notes xmlns:a="http://schemas.openxmlformats.org/drawingml/2006/main" xmlns:r="http://schemas.openxmlformats.org/officeDocument/2006/relationships" xmlns:p="http://schemas.openxmlformats.org/presentationml/2006/main">
+  <p:cSld>
+    <p:spTree>
+      <p:nvGrpSpPr>
+        <p:cNvPr id="1" name=""/>
+        <p:cNvGrpSpPr/>
+        <p:nvPr/>
+      </p:nvGrpSpPr>
+      <p:grpSpPr>
+        <a:xfrm>
+          <a:off x="0" y="0"/>
+          <a:ext cx="0" cy="0"/>
+          <a:chOff x="0" y="0"/>
+          <a:chExt cx="0" cy="0"/>
+        </a:xfrm>
+      </p:grpSpPr>
+      <p:sp>
+        <p:nvSpPr>
+          <p:cNvPr id="2" name="Slide Image Placeholder 1"/>
+          <p:cNvSpPr>
+            <a:spLocks noGrp="1" noRot="1" noChangeAspect="1"/>
+          </p:cNvSpPr>
+          <p:nvPr>
+            <p:ph type="sldImg"/>
+          </p:nvPr>
+        </p:nvSpPr>
+        <p:spPr/>
+      </p:sp>
+      <p:sp>
+        <p:nvSpPr>
+          <p:cNvPr id="3" name="Notes Placeholder 2"/>
+          <p:cNvSpPr>
+            <a:spLocks noGrp="1"/>
+          </p:cNvSpPr>
+          <p:nvPr>
+            <p:ph type="body" idx="1"/>
+          </p:nvPr>
+        </p:nvSpPr>
+        <p:spPr/>
+        <p:txBody>
+          <a:bodyPr/>
+          <a:lstStyle/>
+          <a:p>
+            <a:endParaRPr lang="en-US" dirty="0"/>
+          </a:p>
+        </p:txBody>
+      </p:sp>
+      <p:sp>
+        <p:nvSpPr>
+          <p:cNvPr id="4" name="Slide Number Placeholder 3"/>
+          <p:cNvSpPr>
+            <a:spLocks noGrp="1"/>
+          </p:cNvSpPr>
+          <p:nvPr>
+            <p:ph type="sldNum" sz="quarter" idx="5"/>
+          </p:nvPr>
+        </p:nvSpPr>
+        <p:spPr/>
+        <p:txBody>
+          <a:bodyPr/>
+          <a:lstStyle/>
+          <a:p>
+            <a:fld id="{C723D110-B33C-3E49-B5DC-7F1369944E63}" type="slidenum">
+              <a:rPr lang="en-US" smtClean="0"/>
+              <a:t>9</a:t>
+            </a:fld>
+            <a:endParaRPr lang="en-US"/>
+          </a:p>
+        </p:txBody>
+      </p:sp>
+    </p:spTree>
+    <p:extLst>
+      <p:ext uri="{BB962C8B-B14F-4D97-AF65-F5344CB8AC3E}">
+        <p14:creationId xmlns:p14="http://schemas.microsoft.com/office/powerpoint/2010/main" val="3778860378"/>
+      </p:ext>
+    </p:extLst>
+  </p:cSld>
+  <p:clrMapOvr>
+    <a:masterClrMapping/>
+  </p:clrMapOvr>
+</p:notes>
+</file>
+
+<file path=ppt/notesSlides/notesSlide2.xml><?xml version="1.0" encoding="utf-8"?>
+<p:notes xmlns:a="http://schemas.openxmlformats.org/drawingml/2006/main" xmlns:r="http://schemas.openxmlformats.org/officeDocument/2006/relationships" xmlns:p="http://schemas.openxmlformats.org/presentationml/2006/main">
+  <p:cSld>
+    <p:spTree>
+      <p:nvGrpSpPr>
+        <p:cNvPr id="1" name=""/>
+        <p:cNvGrpSpPr/>
+        <p:nvPr/>
+      </p:nvGrpSpPr>
+      <p:grpSpPr>
+        <a:xfrm>
+          <a:off x="0" y="0"/>
+          <a:ext cx="0" cy="0"/>
+          <a:chOff x="0" y="0"/>
+          <a:chExt cx="0" cy="0"/>
+        </a:xfrm>
+      </p:grpSpPr>
+      <p:sp>
+        <p:nvSpPr>
+          <p:cNvPr id="2" name="Slide Image Placeholder 1"/>
+          <p:cNvSpPr>
+            <a:spLocks noGrp="1" noRot="1" noChangeAspect="1"/>
+          </p:cNvSpPr>
+          <p:nvPr>
+            <p:ph type="sldImg"/>
+          </p:nvPr>
+        </p:nvSpPr>
+        <p:spPr/>
+      </p:sp>
+      <p:sp>
+        <p:nvSpPr>
+          <p:cNvPr id="3" name="Notes Placeholder 2"/>
+          <p:cNvSpPr>
+            <a:spLocks noGrp="1"/>
+          </p:cNvSpPr>
+          <p:nvPr>
+            <p:ph type="body" idx="1"/>
+          </p:nvPr>
+        </p:nvSpPr>
+        <p:spPr/>
+        <p:txBody>
+          <a:bodyPr/>
+          <a:lstStyle/>
+          <a:p>
+            <a:endParaRPr lang="en-US" dirty="0"/>
+          </a:p>
+        </p:txBody>
+      </p:sp>
+      <p:sp>
+        <p:nvSpPr>
+          <p:cNvPr id="4" name="Slide Number Placeholder 3"/>
+          <p:cNvSpPr>
+            <a:spLocks noGrp="1"/>
+          </p:cNvSpPr>
+          <p:nvPr>
+            <p:ph type="sldNum" sz="quarter" idx="5"/>
+          </p:nvPr>
+        </p:nvSpPr>
+        <p:spPr/>
+        <p:txBody>
+          <a:bodyPr/>
+          <a:lstStyle/>
+          <a:p>
+            <a:fld id="{C723D110-B33C-3E49-B5DC-7F1369944E63}" type="slidenum">
+              <a:rPr lang="en-US" smtClean="0"/>
+              <a:t>11</a:t>
+            </a:fld>
+            <a:endParaRPr lang="en-US"/>
+          </a:p>
+        </p:txBody>
+      </p:sp>
+    </p:spTree>
+    <p:extLst>
+      <p:ext uri="{BB962C8B-B14F-4D97-AF65-F5344CB8AC3E}">
+        <p14:creationId xmlns:p14="http://schemas.microsoft.com/office/powerpoint/2010/main" val="1232832388"/>
+      </p:ext>
+    </p:extLst>
+  </p:cSld>
+  <p:clrMapOvr>
+    <a:masterClrMapping/>
+  </p:clrMapOvr>
+</p:notes>
 </file>
 
 <file path=ppt/slideLayouts/slideLayout1.xml><?xml version="1.0" encoding="utf-8"?>
@@ -1481,10 +2005,10 @@
       </p:grpSpPr>
       <p:sp>
         <p:nvSpPr>
-          <p:cNvPr id="4" name="Title 3">
-            <a:extLst>
-              <a:ext uri="{FF2B5EF4-FFF2-40B4-BE49-F238E27FC236}">
-                <a16:creationId xmlns:a16="http://schemas.microsoft.com/office/drawing/2014/main" id="{0EB27ED3-99BE-43B6-86FA-80909274D493}"/>
+          <p:cNvPr id="2" name="Title 1">
+            <a:extLst>
+              <a:ext uri="{FF2B5EF4-FFF2-40B4-BE49-F238E27FC236}">
+                <a16:creationId xmlns:a16="http://schemas.microsoft.com/office/drawing/2014/main" id="{11C9D2E7-D7FA-BD42-ACB0-E49A37BBE33A}"/>
               </a:ext>
             </a:extLst>
           </p:cNvPr>
@@ -1503,19 +2027,26 @@
           <a:lstStyle/>
           <a:p>
             <a:r>
-              <a:rPr lang="en-US" b="1" dirty="0"/>
-              <a:t>Function Definitions</a:t>
-            </a:r>
-            <a:endParaRPr lang="en-US" dirty="0"/>
-          </a:p>
-        </p:txBody>
-      </p:sp>
-      <p:sp>
-        <p:nvSpPr>
-          <p:cNvPr id="2" name="Content Placeholder 1">
-            <a:extLst>
-              <a:ext uri="{FF2B5EF4-FFF2-40B4-BE49-F238E27FC236}">
-                <a16:creationId xmlns:a16="http://schemas.microsoft.com/office/drawing/2014/main" id="{54EE2BA1-F634-3F24-3A8A-6D8A5280BCFD}"/>
+              <a:rPr lang="en-US" dirty="0"/>
+              <a:t>Adding the </a:t>
+            </a:r>
+            <a:r>
+              <a:rPr lang="en-US" dirty="0" err="1"/>
+              <a:t>elif</a:t>
+            </a:r>
+            <a:r>
+              <a:rPr lang="en-US" dirty="0"/>
+              <a:t> (else if) statement</a:t>
+            </a:r>
+          </a:p>
+        </p:txBody>
+      </p:sp>
+      <p:sp>
+        <p:nvSpPr>
+          <p:cNvPr id="3" name="Content Placeholder 2">
+            <a:extLst>
+              <a:ext uri="{FF2B5EF4-FFF2-40B4-BE49-F238E27FC236}">
+                <a16:creationId xmlns:a16="http://schemas.microsoft.com/office/drawing/2014/main" id="{7B8DC257-2977-FB44-8C6E-197757F4948F}"/>
               </a:ext>
             </a:extLst>
           </p:cNvPr>
@@ -1528,307 +2059,926 @@
         </p:nvSpPr>
         <p:spPr/>
         <p:txBody>
-          <a:bodyPr/>
+          <a:bodyPr>
+            <a:normAutofit/>
+          </a:bodyPr>
           <a:lstStyle/>
           <a:p>
-            <a:endParaRPr lang="en-US"/>
-          </a:p>
-        </p:txBody>
-      </p:sp>
-      <p:sp>
-        <p:nvSpPr>
-          <p:cNvPr id="18" name="TextBox 17">
-            <a:extLst>
-              <a:ext uri="{FF2B5EF4-FFF2-40B4-BE49-F238E27FC236}">
-                <a16:creationId xmlns:a16="http://schemas.microsoft.com/office/drawing/2014/main" id="{2D8DCC0B-F25E-4FFA-9CB4-823A8DBF05C9}"/>
-              </a:ext>
-            </a:extLst>
-          </p:cNvPr>
-          <p:cNvSpPr txBox="1"/>
+            <a:r>
+              <a:rPr lang="en-US" dirty="0"/>
+              <a:t>The most general form of the if conditional statement is:</a:t>
+            </a:r>
+          </a:p>
+          <a:p>
+            <a:endParaRPr lang="en-US" dirty="0"/>
+          </a:p>
+        </p:txBody>
+      </p:sp>
+      <p:sp>
+        <p:nvSpPr>
+          <p:cNvPr id="9" name="Content Placeholder 2">
+            <a:extLst>
+              <a:ext uri="{FF2B5EF4-FFF2-40B4-BE49-F238E27FC236}">
+                <a16:creationId xmlns:a16="http://schemas.microsoft.com/office/drawing/2014/main" id="{5DA9660D-0E4D-AD45-BAD4-47E3C7FAEA74}"/>
+              </a:ext>
+            </a:extLst>
+          </p:cNvPr>
+          <p:cNvSpPr txBox="1">
+            <a:spLocks/>
+          </p:cNvSpPr>
           <p:nvPr/>
         </p:nvSpPr>
         <p:spPr>
           <a:xfrm>
-            <a:off x="244637" y="1742379"/>
-            <a:ext cx="7371347" cy="5693866"/>
+            <a:off x="4203214" y="2798224"/>
+            <a:ext cx="7988786" cy="3253447"/>
+          </a:xfrm>
+          <a:prstGeom prst="rect">
+            <a:avLst/>
+          </a:prstGeom>
+        </p:spPr>
+        <p:txBody>
+          <a:bodyPr vert="horz" lIns="91440" tIns="45720" rIns="91440" bIns="45720" rtlCol="0">
+            <a:normAutofit fontScale="92500"/>
+          </a:bodyPr>
+          <a:lstStyle>
+            <a:lvl1pPr marL="228600" indent="-228600" algn="l" defTabSz="914400" rtl="0" eaLnBrk="1" latinLnBrk="0" hangingPunct="1">
+              <a:lnSpc>
+                <a:spcPct val="90000"/>
+              </a:lnSpc>
+              <a:spcBef>
+                <a:spcPts val="1000"/>
+              </a:spcBef>
+              <a:buClr>
+                <a:srgbClr val="007EE5"/>
+              </a:buClr>
+              <a:buFont typeface="Wingdings" panose="05000000000000000000" pitchFamily="2" charset="2"/>
+              <a:buChar char="§"/>
+              <a:defRPr sz="2800" kern="1200">
+                <a:solidFill>
+                  <a:srgbClr val="FFFFFF"/>
+                </a:solidFill>
+                <a:latin typeface="+mn-lt"/>
+                <a:ea typeface="+mn-ea"/>
+                <a:cs typeface="+mn-cs"/>
+              </a:defRPr>
+            </a:lvl1pPr>
+            <a:lvl2pPr marL="685800" indent="-228600" algn="l" defTabSz="914400" rtl="0" eaLnBrk="1" latinLnBrk="0" hangingPunct="1">
+              <a:lnSpc>
+                <a:spcPct val="90000"/>
+              </a:lnSpc>
+              <a:spcBef>
+                <a:spcPts val="500"/>
+              </a:spcBef>
+              <a:buClr>
+                <a:srgbClr val="007EE5"/>
+              </a:buClr>
+              <a:buFont typeface="Wingdings" panose="05000000000000000000" pitchFamily="2" charset="2"/>
+              <a:buChar char="§"/>
+              <a:defRPr sz="2400" kern="1200">
+                <a:solidFill>
+                  <a:srgbClr val="FFFFFF"/>
+                </a:solidFill>
+                <a:latin typeface="+mn-lt"/>
+                <a:ea typeface="+mn-ea"/>
+                <a:cs typeface="+mn-cs"/>
+              </a:defRPr>
+            </a:lvl2pPr>
+            <a:lvl3pPr marL="1143000" indent="-228600" algn="l" defTabSz="914400" rtl="0" eaLnBrk="1" latinLnBrk="0" hangingPunct="1">
+              <a:lnSpc>
+                <a:spcPct val="90000"/>
+              </a:lnSpc>
+              <a:spcBef>
+                <a:spcPts val="500"/>
+              </a:spcBef>
+              <a:buClr>
+                <a:srgbClr val="007EE5"/>
+              </a:buClr>
+              <a:buFont typeface="Wingdings" panose="05000000000000000000" pitchFamily="2" charset="2"/>
+              <a:buChar char="§"/>
+              <a:defRPr sz="2000" kern="1200">
+                <a:solidFill>
+                  <a:srgbClr val="FFFFFF"/>
+                </a:solidFill>
+                <a:latin typeface="+mn-lt"/>
+                <a:ea typeface="+mn-ea"/>
+                <a:cs typeface="+mn-cs"/>
+              </a:defRPr>
+            </a:lvl3pPr>
+            <a:lvl4pPr marL="1600200" indent="-228600" algn="l" defTabSz="914400" rtl="0" eaLnBrk="1" latinLnBrk="0" hangingPunct="1">
+              <a:lnSpc>
+                <a:spcPct val="90000"/>
+              </a:lnSpc>
+              <a:spcBef>
+                <a:spcPts val="500"/>
+              </a:spcBef>
+              <a:buClr>
+                <a:srgbClr val="007EE5"/>
+              </a:buClr>
+              <a:buFont typeface="Wingdings" panose="05000000000000000000" pitchFamily="2" charset="2"/>
+              <a:buChar char="§"/>
+              <a:defRPr sz="1800" kern="1200">
+                <a:solidFill>
+                  <a:srgbClr val="FFFFFF"/>
+                </a:solidFill>
+                <a:latin typeface="+mn-lt"/>
+                <a:ea typeface="+mn-ea"/>
+                <a:cs typeface="+mn-cs"/>
+              </a:defRPr>
+            </a:lvl4pPr>
+            <a:lvl5pPr marL="2057400" indent="-228600" algn="l" defTabSz="914400" rtl="0" eaLnBrk="1" latinLnBrk="0" hangingPunct="1">
+              <a:lnSpc>
+                <a:spcPct val="90000"/>
+              </a:lnSpc>
+              <a:spcBef>
+                <a:spcPts val="500"/>
+              </a:spcBef>
+              <a:buClr>
+                <a:srgbClr val="007EE5"/>
+              </a:buClr>
+              <a:buFont typeface="Wingdings" panose="05000000000000000000" pitchFamily="2" charset="2"/>
+              <a:buChar char="§"/>
+              <a:defRPr sz="1800" kern="1200">
+                <a:solidFill>
+                  <a:srgbClr val="FFFFFF"/>
+                </a:solidFill>
+                <a:latin typeface="+mn-lt"/>
+                <a:ea typeface="+mn-ea"/>
+                <a:cs typeface="+mn-cs"/>
+              </a:defRPr>
+            </a:lvl5pPr>
+            <a:lvl6pPr marL="2514600" indent="-228600" algn="l" defTabSz="914400" rtl="0" eaLnBrk="1" latinLnBrk="0" hangingPunct="1">
+              <a:lnSpc>
+                <a:spcPct val="90000"/>
+              </a:lnSpc>
+              <a:spcBef>
+                <a:spcPts val="500"/>
+              </a:spcBef>
+              <a:buFont typeface="Arial" panose="020B0604020202020204" pitchFamily="34" charset="0"/>
+              <a:buChar char="•"/>
+              <a:defRPr sz="1800" kern="1200">
+                <a:solidFill>
+                  <a:schemeClr val="tx1"/>
+                </a:solidFill>
+                <a:latin typeface="+mn-lt"/>
+                <a:ea typeface="+mn-ea"/>
+                <a:cs typeface="+mn-cs"/>
+              </a:defRPr>
+            </a:lvl6pPr>
+            <a:lvl7pPr marL="2971800" indent="-228600" algn="l" defTabSz="914400" rtl="0" eaLnBrk="1" latinLnBrk="0" hangingPunct="1">
+              <a:lnSpc>
+                <a:spcPct val="90000"/>
+              </a:lnSpc>
+              <a:spcBef>
+                <a:spcPts val="500"/>
+              </a:spcBef>
+              <a:buFont typeface="Arial" panose="020B0604020202020204" pitchFamily="34" charset="0"/>
+              <a:buChar char="•"/>
+              <a:defRPr sz="1800" kern="1200">
+                <a:solidFill>
+                  <a:schemeClr val="tx1"/>
+                </a:solidFill>
+                <a:latin typeface="+mn-lt"/>
+                <a:ea typeface="+mn-ea"/>
+                <a:cs typeface="+mn-cs"/>
+              </a:defRPr>
+            </a:lvl7pPr>
+            <a:lvl8pPr marL="3429000" indent="-228600" algn="l" defTabSz="914400" rtl="0" eaLnBrk="1" latinLnBrk="0" hangingPunct="1">
+              <a:lnSpc>
+                <a:spcPct val="90000"/>
+              </a:lnSpc>
+              <a:spcBef>
+                <a:spcPts val="500"/>
+              </a:spcBef>
+              <a:buFont typeface="Arial" panose="020B0604020202020204" pitchFamily="34" charset="0"/>
+              <a:buChar char="•"/>
+              <a:defRPr sz="1800" kern="1200">
+                <a:solidFill>
+                  <a:schemeClr val="tx1"/>
+                </a:solidFill>
+                <a:latin typeface="+mn-lt"/>
+                <a:ea typeface="+mn-ea"/>
+                <a:cs typeface="+mn-cs"/>
+              </a:defRPr>
+            </a:lvl8pPr>
+            <a:lvl9pPr marL="3886200" indent="-228600" algn="l" defTabSz="914400" rtl="0" eaLnBrk="1" latinLnBrk="0" hangingPunct="1">
+              <a:lnSpc>
+                <a:spcPct val="90000"/>
+              </a:lnSpc>
+              <a:spcBef>
+                <a:spcPts val="500"/>
+              </a:spcBef>
+              <a:buFont typeface="Arial" panose="020B0604020202020204" pitchFamily="34" charset="0"/>
+              <a:buChar char="•"/>
+              <a:defRPr sz="1800" kern="1200">
+                <a:solidFill>
+                  <a:schemeClr val="tx1"/>
+                </a:solidFill>
+                <a:latin typeface="+mn-lt"/>
+                <a:ea typeface="+mn-ea"/>
+                <a:cs typeface="+mn-cs"/>
+              </a:defRPr>
+            </a:lvl9pPr>
+          </a:lstStyle>
+          <a:p>
+            <a:r>
+              <a:rPr lang="en-US" dirty="0"/>
+              <a:t>Note the colons (</a:t>
+            </a:r>
+            <a:r>
+              <a:rPr lang="en-US" dirty="0">
+                <a:sym typeface="Wingdings" pitchFamily="2" charset="2"/>
+              </a:rPr>
+              <a:t>:) and the indents!</a:t>
+            </a:r>
+            <a:endParaRPr lang="en-US" dirty="0"/>
+          </a:p>
+          <a:p>
+            <a:r>
+              <a:rPr lang="en-US" dirty="0"/>
+              <a:t>ONLY 1 body will be executed.  </a:t>
+            </a:r>
+          </a:p>
+          <a:p>
+            <a:pPr lvl="1"/>
+            <a:r>
+              <a:rPr lang="en-US" dirty="0">
+                <a:solidFill>
+                  <a:schemeClr val="accent6"/>
+                </a:solidFill>
+              </a:rPr>
+              <a:t>if</a:t>
+            </a:r>
+            <a:r>
+              <a:rPr lang="en-US" dirty="0"/>
+              <a:t> statement is True, execute body1, exits</a:t>
+            </a:r>
+            <a:r>
+              <a:rPr lang="en-US" dirty="0">
+                <a:solidFill>
+                  <a:schemeClr val="accent6"/>
+                </a:solidFill>
+              </a:rPr>
+              <a:t> if </a:t>
+            </a:r>
+            <a:r>
+              <a:rPr lang="en-US" dirty="0"/>
+              <a:t>structure</a:t>
+            </a:r>
+          </a:p>
+          <a:p>
+            <a:pPr lvl="1"/>
+            <a:r>
+              <a:rPr lang="en-US" dirty="0">
+                <a:solidFill>
+                  <a:schemeClr val="accent6"/>
+                </a:solidFill>
+              </a:rPr>
+              <a:t>if</a:t>
+            </a:r>
+            <a:r>
+              <a:rPr lang="en-US" dirty="0"/>
+              <a:t> statement is False, continue to </a:t>
+            </a:r>
+            <a:r>
+              <a:rPr lang="en-US" dirty="0" err="1">
+                <a:solidFill>
+                  <a:schemeClr val="accent6"/>
+                </a:solidFill>
+              </a:rPr>
+              <a:t>elif</a:t>
+            </a:r>
+            <a:r>
+              <a:rPr lang="en-US" dirty="0"/>
+              <a:t> statement</a:t>
+            </a:r>
+          </a:p>
+          <a:p>
+            <a:pPr lvl="1"/>
+            <a:r>
+              <a:rPr lang="en-US" dirty="0" err="1">
+                <a:solidFill>
+                  <a:schemeClr val="accent6"/>
+                </a:solidFill>
+              </a:rPr>
+              <a:t>elif</a:t>
+            </a:r>
+            <a:r>
+              <a:rPr lang="en-US" dirty="0"/>
+              <a:t> statement is True, execute </a:t>
+            </a:r>
+            <a:r>
+              <a:rPr lang="en-US" dirty="0" err="1">
+                <a:solidFill>
+                  <a:schemeClr val="accent6"/>
+                </a:solidFill>
+              </a:rPr>
+              <a:t>elif</a:t>
+            </a:r>
+            <a:r>
+              <a:rPr lang="en-US" dirty="0"/>
+              <a:t> body, exits </a:t>
+            </a:r>
+            <a:r>
+              <a:rPr lang="en-US" dirty="0">
+                <a:solidFill>
+                  <a:schemeClr val="accent6"/>
+                </a:solidFill>
+              </a:rPr>
+              <a:t>if</a:t>
+            </a:r>
+            <a:r>
+              <a:rPr lang="en-US" dirty="0"/>
+              <a:t> structure</a:t>
+            </a:r>
+          </a:p>
+          <a:p>
+            <a:pPr lvl="1"/>
+            <a:r>
+              <a:rPr lang="en-US" dirty="0" err="1">
+                <a:solidFill>
+                  <a:schemeClr val="accent6"/>
+                </a:solidFill>
+              </a:rPr>
+              <a:t>elif</a:t>
+            </a:r>
+            <a:r>
+              <a:rPr lang="en-US" dirty="0"/>
+              <a:t> statement is False, continue to next </a:t>
+            </a:r>
+            <a:r>
+              <a:rPr lang="en-US" dirty="0" err="1">
+                <a:solidFill>
+                  <a:schemeClr val="accent6"/>
+                </a:solidFill>
+              </a:rPr>
+              <a:t>elif</a:t>
+            </a:r>
+            <a:r>
+              <a:rPr lang="en-US" dirty="0"/>
+              <a:t> statement</a:t>
+            </a:r>
+          </a:p>
+          <a:p>
+            <a:pPr lvl="1"/>
+            <a:r>
+              <a:rPr lang="en-US" dirty="0"/>
+              <a:t>All </a:t>
+            </a:r>
+            <a:r>
+              <a:rPr lang="en-US" dirty="0">
+                <a:solidFill>
+                  <a:schemeClr val="accent6"/>
+                </a:solidFill>
+              </a:rPr>
+              <a:t>if</a:t>
+            </a:r>
+            <a:r>
+              <a:rPr lang="en-US" dirty="0"/>
+              <a:t>’s and </a:t>
+            </a:r>
+            <a:r>
+              <a:rPr lang="en-US" dirty="0" err="1">
+                <a:solidFill>
+                  <a:schemeClr val="accent6"/>
+                </a:solidFill>
+              </a:rPr>
+              <a:t>elif</a:t>
+            </a:r>
+            <a:r>
+              <a:rPr lang="en-US" dirty="0" err="1"/>
+              <a:t>’s</a:t>
+            </a:r>
+            <a:r>
+              <a:rPr lang="en-US" dirty="0"/>
+              <a:t> are False, execute </a:t>
+            </a:r>
+            <a:r>
+              <a:rPr lang="en-US" dirty="0">
+                <a:solidFill>
+                  <a:schemeClr val="accent6"/>
+                </a:solidFill>
+              </a:rPr>
+              <a:t>else</a:t>
+            </a:r>
+            <a:r>
+              <a:rPr lang="en-US" dirty="0"/>
+              <a:t> statement</a:t>
+            </a:r>
+          </a:p>
+          <a:p>
+            <a:endParaRPr lang="en-US" dirty="0"/>
+          </a:p>
+          <a:p>
+            <a:endParaRPr lang="en-US" dirty="0"/>
+          </a:p>
+        </p:txBody>
+      </p:sp>
+      <p:grpSp>
+        <p:nvGrpSpPr>
+          <p:cNvPr id="8" name="Group 7">
+            <a:extLst>
+              <a:ext uri="{FF2B5EF4-FFF2-40B4-BE49-F238E27FC236}">
+                <a16:creationId xmlns:a16="http://schemas.microsoft.com/office/drawing/2014/main" id="{B48B044D-82A5-C842-B4A7-2B3A4F0105CA}"/>
+              </a:ext>
+            </a:extLst>
+          </p:cNvPr>
+          <p:cNvGrpSpPr/>
+          <p:nvPr/>
+        </p:nvGrpSpPr>
+        <p:grpSpPr>
+          <a:xfrm>
+            <a:off x="838200" y="2200082"/>
+            <a:ext cx="4023732" cy="4633767"/>
+            <a:chOff x="1061782" y="2435246"/>
+            <a:chExt cx="5694218" cy="4633767"/>
+          </a:xfrm>
+        </p:grpSpPr>
+        <p:sp>
+          <p:nvSpPr>
+            <p:cNvPr id="4" name="TextBox 3">
+              <a:extLst>
+                <a:ext uri="{FF2B5EF4-FFF2-40B4-BE49-F238E27FC236}">
+                  <a16:creationId xmlns:a16="http://schemas.microsoft.com/office/drawing/2014/main" id="{B094D6D5-2255-7E4A-9C41-8E3471BCF41C}"/>
+                </a:ext>
+              </a:extLst>
+            </p:cNvPr>
+            <p:cNvSpPr txBox="1"/>
+            <p:nvPr/>
+          </p:nvSpPr>
+          <p:spPr>
+            <a:xfrm>
+              <a:off x="1061782" y="2435246"/>
+              <a:ext cx="5694218" cy="4524315"/>
+            </a:xfrm>
+            <a:prstGeom prst="rect">
+              <a:avLst/>
+            </a:prstGeom>
+            <a:noFill/>
+          </p:spPr>
+          <p:txBody>
+            <a:bodyPr wrap="square" rtlCol="0">
+              <a:spAutoFit/>
+            </a:bodyPr>
+            <a:lstStyle/>
+            <a:p>
+              <a:r>
+                <a:rPr lang="en-US" sz="3600" dirty="0">
+                  <a:solidFill>
+                    <a:schemeClr val="accent6">
+                      <a:lumMod val="75000"/>
+                    </a:schemeClr>
+                  </a:solidFill>
+                </a:rPr>
+                <a:t>if </a:t>
+              </a:r>
+              <a:r>
+                <a:rPr lang="en-US" sz="3600" dirty="0">
+                  <a:solidFill>
+                    <a:srgbClr val="00B050"/>
+                  </a:solidFill>
+                </a:rPr>
+                <a:t>condition1</a:t>
+              </a:r>
+              <a:r>
+                <a:rPr lang="en-US" sz="3600" dirty="0">
+                  <a:solidFill>
+                    <a:schemeClr val="accent6"/>
+                  </a:solidFill>
+                </a:rPr>
+                <a:t>:</a:t>
+              </a:r>
+            </a:p>
+            <a:p>
+              <a:r>
+                <a:rPr lang="en-US" sz="3600" dirty="0">
+                  <a:solidFill>
+                    <a:srgbClr val="00B050"/>
+                  </a:solidFill>
+                </a:rPr>
+                <a:t>	body1</a:t>
+              </a:r>
+            </a:p>
+            <a:p>
+              <a:r>
+                <a:rPr lang="en-US" sz="3600" dirty="0" err="1">
+                  <a:solidFill>
+                    <a:schemeClr val="accent6">
+                      <a:lumMod val="75000"/>
+                    </a:schemeClr>
+                  </a:solidFill>
+                </a:rPr>
+                <a:t>elif</a:t>
+              </a:r>
+              <a:r>
+                <a:rPr lang="en-US" sz="3600" dirty="0">
+                  <a:solidFill>
+                    <a:schemeClr val="accent6">
+                      <a:lumMod val="75000"/>
+                    </a:schemeClr>
+                  </a:solidFill>
+                </a:rPr>
+                <a:t> </a:t>
+              </a:r>
+              <a:r>
+                <a:rPr lang="en-US" sz="3600" dirty="0">
+                  <a:solidFill>
+                    <a:srgbClr val="00B050"/>
+                  </a:solidFill>
+                </a:rPr>
+                <a:t>condition2</a:t>
+              </a:r>
+              <a:r>
+                <a:rPr lang="en-US" sz="3600" dirty="0">
+                  <a:solidFill>
+                    <a:schemeClr val="accent6"/>
+                  </a:solidFill>
+                </a:rPr>
+                <a:t>:</a:t>
+              </a:r>
+            </a:p>
+            <a:p>
+              <a:r>
+                <a:rPr lang="en-US" sz="3600" dirty="0">
+                  <a:solidFill>
+                    <a:srgbClr val="00B050"/>
+                  </a:solidFill>
+                </a:rPr>
+                <a:t>	body2</a:t>
+              </a:r>
+            </a:p>
+            <a:p>
+              <a:r>
+                <a:rPr lang="en-US" sz="3600" dirty="0" err="1">
+                  <a:solidFill>
+                    <a:schemeClr val="accent6">
+                      <a:lumMod val="75000"/>
+                    </a:schemeClr>
+                  </a:solidFill>
+                </a:rPr>
+                <a:t>elif</a:t>
+              </a:r>
+              <a:r>
+                <a:rPr lang="en-US" sz="3600" dirty="0">
+                  <a:solidFill>
+                    <a:schemeClr val="accent6">
+                      <a:lumMod val="75000"/>
+                    </a:schemeClr>
+                  </a:solidFill>
+                </a:rPr>
+                <a:t> </a:t>
+              </a:r>
+              <a:r>
+                <a:rPr lang="en-US" sz="3600" dirty="0" err="1">
+                  <a:solidFill>
+                    <a:srgbClr val="00B050"/>
+                  </a:solidFill>
+                </a:rPr>
+                <a:t>conditionN</a:t>
+              </a:r>
+              <a:r>
+                <a:rPr lang="en-US" sz="3600" dirty="0">
+                  <a:solidFill>
+                    <a:schemeClr val="accent6"/>
+                  </a:solidFill>
+                </a:rPr>
+                <a:t>:</a:t>
+              </a:r>
+            </a:p>
+            <a:p>
+              <a:r>
+                <a:rPr lang="en-US" sz="3600" dirty="0">
+                  <a:solidFill>
+                    <a:srgbClr val="00B050"/>
+                  </a:solidFill>
+                </a:rPr>
+                <a:t>	</a:t>
+              </a:r>
+              <a:r>
+                <a:rPr lang="en-US" sz="3600" dirty="0" err="1">
+                  <a:solidFill>
+                    <a:srgbClr val="00B050"/>
+                  </a:solidFill>
+                </a:rPr>
+                <a:t>bodyN</a:t>
+              </a:r>
+              <a:endParaRPr lang="en-US" sz="3600" dirty="0">
+                <a:solidFill>
+                  <a:srgbClr val="00B050"/>
+                </a:solidFill>
+              </a:endParaRPr>
+            </a:p>
+            <a:p>
+              <a:r>
+                <a:rPr lang="en-US" sz="3600" dirty="0">
+                  <a:solidFill>
+                    <a:schemeClr val="accent6">
+                      <a:lumMod val="75000"/>
+                    </a:schemeClr>
+                  </a:solidFill>
+                </a:rPr>
+                <a:t>else</a:t>
+              </a:r>
+              <a:r>
+                <a:rPr lang="en-US" sz="3600" dirty="0">
+                  <a:solidFill>
+                    <a:schemeClr val="accent6"/>
+                  </a:solidFill>
+                </a:rPr>
+                <a:t>:</a:t>
+              </a:r>
+            </a:p>
+            <a:p>
+              <a:r>
+                <a:rPr lang="en-US" sz="3600" dirty="0">
+                  <a:solidFill>
+                    <a:srgbClr val="00B050"/>
+                  </a:solidFill>
+                </a:rPr>
+                <a:t>	</a:t>
+              </a:r>
+              <a:r>
+                <a:rPr lang="en-US" sz="3600" dirty="0" err="1">
+                  <a:solidFill>
+                    <a:srgbClr val="00B050"/>
+                  </a:solidFill>
+                </a:rPr>
+                <a:t>other_body</a:t>
+              </a:r>
+              <a:endParaRPr lang="en-US" sz="3600" dirty="0">
+                <a:solidFill>
+                  <a:srgbClr val="00B050"/>
+                </a:solidFill>
+              </a:endParaRPr>
+            </a:p>
+          </p:txBody>
+        </p:sp>
+        <p:pic>
+          <p:nvPicPr>
+            <p:cNvPr id="5" name="Graphic 4" descr="Arrow Right with solid fill">
+              <a:extLst>
+                <a:ext uri="{FF2B5EF4-FFF2-40B4-BE49-F238E27FC236}">
+                  <a16:creationId xmlns:a16="http://schemas.microsoft.com/office/drawing/2014/main" id="{16606925-A377-8C41-8246-26A9C87F56C2}"/>
+                </a:ext>
+              </a:extLst>
+            </p:cNvPr>
+            <p:cNvPicPr>
+              <a:picLocks noChangeAspect="1"/>
+            </p:cNvPicPr>
+            <p:nvPr/>
+          </p:nvPicPr>
+          <p:blipFill>
+            <a:blip r:embed="rId2">
+              <a:extLst>
+                <a:ext uri="{28A0092B-C50C-407E-A947-70E740481C1C}">
+                  <a14:useLocalDpi xmlns:a14="http://schemas.microsoft.com/office/drawing/2010/main" val="0"/>
+                </a:ext>
+                <a:ext uri="{96DAC541-7B7A-43D3-8B79-37D633B846F1}">
+                  <asvg:svgBlip xmlns:asvg="http://schemas.microsoft.com/office/drawing/2016/SVG/main" r:embed="rId3"/>
+                </a:ext>
+              </a:extLst>
+            </a:blip>
+            <a:stretch>
+              <a:fillRect/>
+            </a:stretch>
+          </p:blipFill>
+          <p:spPr>
+            <a:xfrm>
+              <a:off x="1061782" y="2844453"/>
+              <a:ext cx="914400" cy="914400"/>
+            </a:xfrm>
+            <a:prstGeom prst="rect">
+              <a:avLst/>
+            </a:prstGeom>
+          </p:spPr>
+        </p:pic>
+        <p:pic>
+          <p:nvPicPr>
+            <p:cNvPr id="6" name="Graphic 5" descr="Arrow Right with solid fill">
+              <a:extLst>
+                <a:ext uri="{FF2B5EF4-FFF2-40B4-BE49-F238E27FC236}">
+                  <a16:creationId xmlns:a16="http://schemas.microsoft.com/office/drawing/2014/main" id="{09713431-85CD-C84D-9FC0-3ECF32CCF0B3}"/>
+                </a:ext>
+              </a:extLst>
+            </p:cNvPr>
+            <p:cNvPicPr>
+              <a:picLocks noChangeAspect="1"/>
+            </p:cNvPicPr>
+            <p:nvPr/>
+          </p:nvPicPr>
+          <p:blipFill>
+            <a:blip r:embed="rId2">
+              <a:extLst>
+                <a:ext uri="{28A0092B-C50C-407E-A947-70E740481C1C}">
+                  <a14:useLocalDpi xmlns:a14="http://schemas.microsoft.com/office/drawing/2010/main" val="0"/>
+                </a:ext>
+                <a:ext uri="{96DAC541-7B7A-43D3-8B79-37D633B846F1}">
+                  <asvg:svgBlip xmlns:asvg="http://schemas.microsoft.com/office/drawing/2016/SVG/main" r:embed="rId3"/>
+                </a:ext>
+              </a:extLst>
+            </a:blip>
+            <a:stretch>
+              <a:fillRect/>
+            </a:stretch>
+          </p:blipFill>
+          <p:spPr>
+            <a:xfrm>
+              <a:off x="1061782" y="3959854"/>
+              <a:ext cx="914400" cy="914400"/>
+            </a:xfrm>
+            <a:prstGeom prst="rect">
+              <a:avLst/>
+            </a:prstGeom>
+          </p:spPr>
+        </p:pic>
+        <p:pic>
+          <p:nvPicPr>
+            <p:cNvPr id="10" name="Graphic 9" descr="Arrow Right with solid fill">
+              <a:extLst>
+                <a:ext uri="{FF2B5EF4-FFF2-40B4-BE49-F238E27FC236}">
+                  <a16:creationId xmlns:a16="http://schemas.microsoft.com/office/drawing/2014/main" id="{4EE7A2F9-CE5D-DF44-B5B8-46307D4B5ADE}"/>
+                </a:ext>
+              </a:extLst>
+            </p:cNvPr>
+            <p:cNvPicPr>
+              <a:picLocks noChangeAspect="1"/>
+            </p:cNvPicPr>
+            <p:nvPr/>
+          </p:nvPicPr>
+          <p:blipFill>
+            <a:blip r:embed="rId2">
+              <a:extLst>
+                <a:ext uri="{28A0092B-C50C-407E-A947-70E740481C1C}">
+                  <a14:useLocalDpi xmlns:a14="http://schemas.microsoft.com/office/drawing/2010/main" val="0"/>
+                </a:ext>
+                <a:ext uri="{96DAC541-7B7A-43D3-8B79-37D633B846F1}">
+                  <asvg:svgBlip xmlns:asvg="http://schemas.microsoft.com/office/drawing/2016/SVG/main" r:embed="rId3"/>
+                </a:ext>
+              </a:extLst>
+            </a:blip>
+            <a:stretch>
+              <a:fillRect/>
+            </a:stretch>
+          </p:blipFill>
+          <p:spPr>
+            <a:xfrm>
+              <a:off x="1061782" y="5079943"/>
+              <a:ext cx="914400" cy="914400"/>
+            </a:xfrm>
+            <a:prstGeom prst="rect">
+              <a:avLst/>
+            </a:prstGeom>
+          </p:spPr>
+        </p:pic>
+        <p:pic>
+          <p:nvPicPr>
+            <p:cNvPr id="11" name="Graphic 10" descr="Arrow Right with solid fill">
+              <a:extLst>
+                <a:ext uri="{FF2B5EF4-FFF2-40B4-BE49-F238E27FC236}">
+                  <a16:creationId xmlns:a16="http://schemas.microsoft.com/office/drawing/2014/main" id="{F512630E-9CE3-1540-AF8D-F1CEDE02BE0A}"/>
+                </a:ext>
+              </a:extLst>
+            </p:cNvPr>
+            <p:cNvPicPr>
+              <a:picLocks noChangeAspect="1"/>
+            </p:cNvPicPr>
+            <p:nvPr/>
+          </p:nvPicPr>
+          <p:blipFill>
+            <a:blip r:embed="rId2">
+              <a:extLst>
+                <a:ext uri="{28A0092B-C50C-407E-A947-70E740481C1C}">
+                  <a14:useLocalDpi xmlns:a14="http://schemas.microsoft.com/office/drawing/2010/main" val="0"/>
+                </a:ext>
+                <a:ext uri="{96DAC541-7B7A-43D3-8B79-37D633B846F1}">
+                  <asvg:svgBlip xmlns:asvg="http://schemas.microsoft.com/office/drawing/2016/SVG/main" r:embed="rId3"/>
+                </a:ext>
+              </a:extLst>
+            </a:blip>
+            <a:stretch>
+              <a:fillRect/>
+            </a:stretch>
+          </p:blipFill>
+          <p:spPr>
+            <a:xfrm>
+              <a:off x="1061782" y="6154613"/>
+              <a:ext cx="914400" cy="914400"/>
+            </a:xfrm>
+            <a:prstGeom prst="rect">
+              <a:avLst/>
+            </a:prstGeom>
+          </p:spPr>
+        </p:pic>
+      </p:grpSp>
+      <p:pic>
+        <p:nvPicPr>
+          <p:cNvPr id="12290" name="Picture 2" descr="29 Memorable Quotes From &amp;#39;Elf&amp;#39;">
+            <a:extLst>
+              <a:ext uri="{FF2B5EF4-FFF2-40B4-BE49-F238E27FC236}">
+                <a16:creationId xmlns:a16="http://schemas.microsoft.com/office/drawing/2014/main" id="{51112DD2-C895-EC46-A4D6-0C8D17FD8B06}"/>
+              </a:ext>
+            </a:extLst>
+          </p:cNvPr>
+          <p:cNvPicPr>
+            <a:picLocks noChangeAspect="1" noChangeArrowheads="1"/>
+          </p:cNvPicPr>
+          <p:nvPr/>
+        </p:nvPicPr>
+        <p:blipFill rotWithShape="1">
+          <a:blip r:embed="rId4">
+            <a:extLst>
+              <a:ext uri="{28A0092B-C50C-407E-A947-70E740481C1C}">
+                <a14:useLocalDpi xmlns:a14="http://schemas.microsoft.com/office/drawing/2010/main" val="0"/>
+              </a:ext>
+            </a:extLst>
+          </a:blip>
+          <a:srcRect l="34113" r="34876" b="52560"/>
+          <a:stretch/>
+        </p:blipFill>
+        <p:spPr bwMode="auto">
+          <a:xfrm>
+            <a:off x="10358306" y="927342"/>
+            <a:ext cx="1502409" cy="1470934"/>
           </a:xfrm>
           <a:prstGeom prst="rect">
             <a:avLst/>
           </a:prstGeom>
           <a:noFill/>
+          <a:extLst>
+            <a:ext uri="{909E8E84-426E-40DD-AFC4-6F175D3DCCD1}">
+              <a14:hiddenFill xmlns:a14="http://schemas.microsoft.com/office/drawing/2010/main">
+                <a:solidFill>
+                  <a:srgbClr val="FFFFFF"/>
+                </a:solidFill>
+              </a14:hiddenFill>
+            </a:ext>
+          </a:extLst>
         </p:spPr>
-        <p:txBody>
-          <a:bodyPr wrap="square" rtlCol="0">
-            <a:spAutoFit/>
-          </a:bodyPr>
+      </p:pic>
+      <p:sp>
+        <p:nvSpPr>
+          <p:cNvPr id="12" name="&quot;No&quot; Symbol 11">
+            <a:extLst>
+              <a:ext uri="{FF2B5EF4-FFF2-40B4-BE49-F238E27FC236}">
+                <a16:creationId xmlns:a16="http://schemas.microsoft.com/office/drawing/2014/main" id="{F1E70CB0-7FF4-7C49-920C-D75A7850DD31}"/>
+              </a:ext>
+            </a:extLst>
+          </p:cNvPr>
+          <p:cNvSpPr/>
+          <p:nvPr/>
+        </p:nvSpPr>
+        <p:spPr>
+          <a:xfrm>
+            <a:off x="10070314" y="662127"/>
+            <a:ext cx="2049147" cy="2049147"/>
+          </a:xfrm>
+          <a:prstGeom prst="noSmoking">
+            <a:avLst>
+              <a:gd name="adj" fmla="val 4034"/>
+            </a:avLst>
+          </a:prstGeom>
+          <a:solidFill>
+            <a:srgbClr val="FF0000"/>
+          </a:solidFill>
+          <a:ln>
+            <a:solidFill>
+              <a:srgbClr val="FF0000"/>
+            </a:solidFill>
+          </a:ln>
+        </p:spPr>
+        <p:style>
+          <a:lnRef idx="2">
+            <a:schemeClr val="accent1">
+              <a:shade val="50000"/>
+            </a:schemeClr>
+          </a:lnRef>
+          <a:fillRef idx="1">
+            <a:schemeClr val="accent1"/>
+          </a:fillRef>
+          <a:effectRef idx="0">
+            <a:schemeClr val="accent1"/>
+          </a:effectRef>
+          <a:fontRef idx="minor">
+            <a:schemeClr val="lt1"/>
+          </a:fontRef>
+        </p:style>
+        <p:txBody>
+          <a:bodyPr rtlCol="0" anchor="ctr"/>
           <a:lstStyle/>
           <a:p>
-            <a:r>
-              <a:rPr lang="en-US" sz="2800" b="1" dirty="0">
-                <a:solidFill>
-                  <a:srgbClr val="00B050"/>
-                </a:solidFill>
-                <a:latin typeface="Courier New" panose="02070309020205020404" pitchFamily="49" charset="0"/>
-                <a:cs typeface="Courier New" panose="02070309020205020404" pitchFamily="49" charset="0"/>
-              </a:rPr>
-              <a:t>d</a:t>
-            </a:r>
-            <a:r>
-              <a:rPr lang="en-US" sz="2800" b="1" dirty="0">
-                <a:solidFill>
-                  <a:srgbClr val="00FF00"/>
-                </a:solidFill>
-                <a:latin typeface="Courier New" panose="02070309020205020404" pitchFamily="49" charset="0"/>
-                <a:cs typeface="Courier New" panose="02070309020205020404" pitchFamily="49" charset="0"/>
-              </a:rPr>
-              <a:t>ef function_body(parameters):</a:t>
-            </a:r>
-          </a:p>
-          <a:p>
-            <a:r>
-              <a:rPr lang="en-US" sz="2800" b="1" dirty="0">
-                <a:solidFill>
-                  <a:schemeClr val="accent6"/>
-                </a:solidFill>
-                <a:latin typeface="Courier New" panose="02070309020205020404" pitchFamily="49" charset="0"/>
-                <a:cs typeface="Courier New" panose="02070309020205020404" pitchFamily="49" charset="0"/>
-              </a:rPr>
-              <a:t>    </a:t>
-            </a:r>
-          </a:p>
-          <a:p>
-            <a:r>
-              <a:rPr lang="en-US" sz="2800" b="1" dirty="0">
-                <a:solidFill>
-                  <a:schemeClr val="accent6"/>
-                </a:solidFill>
-                <a:latin typeface="Courier New" panose="02070309020205020404" pitchFamily="49" charset="0"/>
-                <a:cs typeface="Courier New" panose="02070309020205020404" pitchFamily="49" charset="0"/>
-              </a:rPr>
-              <a:t>	1. </a:t>
-            </a:r>
-            <a:r>
-              <a:rPr lang="en-US" sz="2800" b="1" dirty="0">
-                <a:solidFill>
-                  <a:srgbClr val="FF5050"/>
-                </a:solidFill>
-                <a:latin typeface="Courier New" panose="02070309020205020404" pitchFamily="49" charset="0"/>
-                <a:cs typeface="Courier New" panose="02070309020205020404" pitchFamily="49" charset="0"/>
-              </a:rPr>
-              <a:t>“““DOCSTRING””” (optional)</a:t>
-            </a:r>
-          </a:p>
-          <a:p>
-            <a:endParaRPr lang="en-US" sz="2800" b="1" dirty="0">
+            <a:pPr algn="ctr"/>
+            <a:endParaRPr lang="en-US">
               <a:solidFill>
-                <a:schemeClr val="accent6"/>
+                <a:schemeClr val="tx1"/>
               </a:solidFill>
-              <a:latin typeface="Courier New" panose="02070309020205020404" pitchFamily="49" charset="0"/>
-              <a:cs typeface="Courier New" panose="02070309020205020404" pitchFamily="49" charset="0"/>
             </a:endParaRPr>
-          </a:p>
-          <a:p>
-            <a:r>
-              <a:rPr lang="en-US" sz="2800" b="1" dirty="0">
-                <a:solidFill>
-                  <a:schemeClr val="accent6"/>
-                </a:solidFill>
-                <a:latin typeface="Courier New" panose="02070309020205020404" pitchFamily="49" charset="0"/>
-                <a:cs typeface="Courier New" panose="02070309020205020404" pitchFamily="49" charset="0"/>
-              </a:rPr>
-              <a:t>	2. </a:t>
-            </a:r>
-            <a:r>
-              <a:rPr lang="en-US" sz="2800" b="1" dirty="0">
-                <a:solidFill>
-                  <a:srgbClr val="FFFFFF"/>
-                </a:solidFill>
-                <a:latin typeface="Courier New" panose="02070309020205020404" pitchFamily="49" charset="0"/>
-                <a:cs typeface="Courier New" panose="02070309020205020404" pitchFamily="49" charset="0"/>
-              </a:rPr>
-              <a:t>Code the does the thing</a:t>
-            </a:r>
-          </a:p>
-          <a:p>
-            <a:endParaRPr lang="en-US" sz="2800" b="1" dirty="0">
-              <a:solidFill>
-                <a:schemeClr val="accent6"/>
-              </a:solidFill>
-              <a:latin typeface="Courier New" panose="02070309020205020404" pitchFamily="49" charset="0"/>
-              <a:cs typeface="Courier New" panose="02070309020205020404" pitchFamily="49" charset="0"/>
-            </a:endParaRPr>
-          </a:p>
-          <a:p>
-            <a:r>
-              <a:rPr lang="en-US" sz="2800" b="1" dirty="0">
-                <a:solidFill>
-                  <a:schemeClr val="accent6"/>
-                </a:solidFill>
-                <a:latin typeface="Courier New" panose="02070309020205020404" pitchFamily="49" charset="0"/>
-                <a:cs typeface="Courier New" panose="02070309020205020404" pitchFamily="49" charset="0"/>
-              </a:rPr>
-              <a:t>	3. </a:t>
-            </a:r>
-            <a:r>
-              <a:rPr lang="en-US" sz="2800" b="1" dirty="0">
-                <a:solidFill>
-                  <a:srgbClr val="00FF00"/>
-                </a:solidFill>
-                <a:latin typeface="Courier New" panose="02070309020205020404" pitchFamily="49" charset="0"/>
-                <a:cs typeface="Courier New" panose="02070309020205020404" pitchFamily="49" charset="0"/>
-              </a:rPr>
-              <a:t>return</a:t>
-            </a:r>
-            <a:r>
-              <a:rPr lang="en-US" sz="2800" b="1" dirty="0">
-                <a:solidFill>
-                  <a:schemeClr val="accent6"/>
-                </a:solidFill>
-                <a:latin typeface="Courier New" panose="02070309020205020404" pitchFamily="49" charset="0"/>
-                <a:cs typeface="Courier New" panose="02070309020205020404" pitchFamily="49" charset="0"/>
-              </a:rPr>
-              <a:t> [expression]</a:t>
-            </a:r>
-          </a:p>
-          <a:p>
-            <a:r>
-              <a:rPr lang="en-US" sz="2800" b="1" dirty="0">
-                <a:solidFill>
-                  <a:schemeClr val="accent6"/>
-                </a:solidFill>
-                <a:latin typeface="Courier New" panose="02070309020205020404" pitchFamily="49" charset="0"/>
-                <a:cs typeface="Courier New" panose="02070309020205020404" pitchFamily="49" charset="0"/>
-              </a:rPr>
-              <a:t>	   </a:t>
-            </a:r>
-            <a:r>
-              <a:rPr lang="en-US" sz="2800" b="1" dirty="0">
-                <a:solidFill>
-                  <a:srgbClr val="FFFFFF"/>
-                </a:solidFill>
-                <a:latin typeface="Courier New" panose="02070309020205020404" pitchFamily="49" charset="0"/>
-                <a:cs typeface="Courier New" panose="02070309020205020404" pitchFamily="49" charset="0"/>
-              </a:rPr>
-              <a:t>The </a:t>
-            </a:r>
-            <a:r>
-              <a:rPr lang="en-US" sz="2800" b="1" dirty="0">
-                <a:solidFill>
-                  <a:srgbClr val="00FF00"/>
-                </a:solidFill>
-                <a:latin typeface="Courier New" panose="02070309020205020404" pitchFamily="49" charset="0"/>
-                <a:cs typeface="Courier New" panose="02070309020205020404" pitchFamily="49" charset="0"/>
-              </a:rPr>
-              <a:t>return</a:t>
-            </a:r>
-            <a:r>
-              <a:rPr lang="en-US" sz="2800" b="1" dirty="0">
-                <a:solidFill>
-                  <a:srgbClr val="FFFFFF"/>
-                </a:solidFill>
-                <a:latin typeface="Courier New" panose="02070309020205020404" pitchFamily="49" charset="0"/>
-                <a:cs typeface="Courier New" panose="02070309020205020404" pitchFamily="49" charset="0"/>
-              </a:rPr>
-              <a:t> statement is 	   options and if it is not 	   included</a:t>
-            </a:r>
-            <a:r>
-              <a:rPr lang="en-US" sz="2800" b="1" dirty="0">
-                <a:solidFill>
-                  <a:schemeClr val="accent2"/>
-                </a:solidFill>
-                <a:latin typeface="Courier New" panose="02070309020205020404" pitchFamily="49" charset="0"/>
-                <a:cs typeface="Courier New" panose="02070309020205020404" pitchFamily="49" charset="0"/>
-              </a:rPr>
-              <a:t>,</a:t>
-            </a:r>
-            <a:r>
-              <a:rPr lang="en-US" sz="2800" b="1" dirty="0">
-                <a:solidFill>
-                  <a:srgbClr val="FFFFFF"/>
-                </a:solidFill>
-                <a:latin typeface="Courier New" panose="02070309020205020404" pitchFamily="49" charset="0"/>
-                <a:cs typeface="Courier New" panose="02070309020205020404" pitchFamily="49" charset="0"/>
-              </a:rPr>
-              <a:t> it</a:t>
-            </a:r>
-            <a:r>
-              <a:rPr lang="en-US" sz="2800" b="1" dirty="0">
-                <a:solidFill>
-                  <a:schemeClr val="accent2"/>
-                </a:solidFill>
-                <a:latin typeface="Courier New" panose="02070309020205020404" pitchFamily="49" charset="0"/>
-                <a:cs typeface="Courier New" panose="02070309020205020404" pitchFamily="49" charset="0"/>
-              </a:rPr>
-              <a:t>’</a:t>
-            </a:r>
-            <a:r>
-              <a:rPr lang="en-US" sz="2800" b="1" dirty="0">
-                <a:solidFill>
-                  <a:srgbClr val="FFFFFF"/>
-                </a:solidFill>
-                <a:latin typeface="Courier New" panose="02070309020205020404" pitchFamily="49" charset="0"/>
-                <a:cs typeface="Courier New" panose="02070309020205020404" pitchFamily="49" charset="0"/>
-              </a:rPr>
-              <a:t>s the same as  	   writing </a:t>
-            </a:r>
-            <a:r>
-              <a:rPr lang="en-US" sz="2800" b="1" dirty="0">
-                <a:solidFill>
-                  <a:srgbClr val="00FF00"/>
-                </a:solidFill>
-                <a:latin typeface="Courier New" panose="02070309020205020404" pitchFamily="49" charset="0"/>
-                <a:cs typeface="Courier New" panose="02070309020205020404" pitchFamily="49" charset="0"/>
-              </a:rPr>
-              <a:t>return</a:t>
-            </a:r>
-            <a:r>
-              <a:rPr lang="en-US" sz="2800" b="1" dirty="0">
-                <a:solidFill>
-                  <a:srgbClr val="00B050"/>
-                </a:solidFill>
-                <a:latin typeface="Courier New" panose="02070309020205020404" pitchFamily="49" charset="0"/>
-                <a:cs typeface="Courier New" panose="02070309020205020404" pitchFamily="49" charset="0"/>
-              </a:rPr>
-              <a:t> </a:t>
-            </a:r>
-            <a:r>
-              <a:rPr lang="en-US" sz="2800" b="1" dirty="0">
-                <a:solidFill>
-                  <a:schemeClr val="accent6"/>
-                </a:solidFill>
-                <a:latin typeface="Courier New" panose="02070309020205020404" pitchFamily="49" charset="0"/>
-                <a:cs typeface="Courier New" panose="02070309020205020404" pitchFamily="49" charset="0"/>
-              </a:rPr>
-              <a:t>None</a:t>
-            </a:r>
-          </a:p>
-          <a:p>
-            <a:endParaRPr lang="en-US" sz="2800" b="1" dirty="0">
-              <a:solidFill>
-                <a:schemeClr val="accent6"/>
-              </a:solidFill>
-              <a:latin typeface="Courier New" panose="02070309020205020404" pitchFamily="49" charset="0"/>
-              <a:cs typeface="Courier New" panose="02070309020205020404" pitchFamily="49" charset="0"/>
-            </a:endParaRPr>
-          </a:p>
-          <a:p>
-            <a:r>
-              <a:rPr lang="en-US" sz="2800" b="1" dirty="0">
-                <a:solidFill>
-                  <a:schemeClr val="accent6"/>
-                </a:solidFill>
-                <a:latin typeface="Courier New" panose="02070309020205020404" pitchFamily="49" charset="0"/>
-                <a:cs typeface="Courier New" panose="02070309020205020404" pitchFamily="49" charset="0"/>
-              </a:rPr>
-              <a:t>	   		</a:t>
-            </a:r>
           </a:p>
         </p:txBody>
       </p:sp>
     </p:spTree>
     <p:extLst>
       <p:ext uri="{BB962C8B-B14F-4D97-AF65-F5344CB8AC3E}">
-        <p14:creationId xmlns:p14="http://schemas.microsoft.com/office/powerpoint/2010/main" val="1454447246"/>
+        <p14:creationId xmlns:p14="http://schemas.microsoft.com/office/powerpoint/2010/main" val="2144855719"/>
       </p:ext>
     </p:extLst>
   </p:cSld>
@@ -1860,7 +3010,7 @@
           <p:cNvPr id="2" name="Title 1">
             <a:extLst>
               <a:ext uri="{FF2B5EF4-FFF2-40B4-BE49-F238E27FC236}">
-                <a16:creationId xmlns:a16="http://schemas.microsoft.com/office/drawing/2014/main" id="{7A767310-910C-4BA5-A20E-AB3697376448}"/>
+                <a16:creationId xmlns:a16="http://schemas.microsoft.com/office/drawing/2014/main" id="{B5FCE616-8301-CE4C-861F-244C5FBB788F}"/>
               </a:ext>
             </a:extLst>
           </p:cNvPr>
@@ -1880,214 +3030,17 @@
           <a:p>
             <a:r>
               <a:rPr lang="en-US" dirty="0"/>
-              <a:t>Calling Functions</a:t>
-            </a:r>
-          </a:p>
-        </p:txBody>
-      </p:sp>
-      <p:sp>
-        <p:nvSpPr>
-          <p:cNvPr id="4" name="Content Placeholder 3">
-            <a:extLst>
-              <a:ext uri="{FF2B5EF4-FFF2-40B4-BE49-F238E27FC236}">
-                <a16:creationId xmlns:a16="http://schemas.microsoft.com/office/drawing/2014/main" id="{236E29CA-6C02-44B9-BA97-A472C5522EAD}"/>
-              </a:ext>
-            </a:extLst>
-          </p:cNvPr>
-          <p:cNvSpPr>
-            <a:spLocks noGrp="1"/>
-          </p:cNvSpPr>
-          <p:nvPr>
-            <p:ph idx="1"/>
-          </p:nvPr>
-        </p:nvSpPr>
-        <p:spPr/>
-        <p:txBody>
-          <a:bodyPr>
-            <a:normAutofit/>
-          </a:bodyPr>
-          <a:lstStyle/>
-          <a:p>
-            <a:r>
-              <a:rPr lang="en-US" sz="3200" dirty="0"/>
-              <a:t>The general form of a function call</a:t>
-            </a:r>
-            <a:r>
-              <a:rPr lang="en-US" sz="3200" dirty="0">
-                <a:solidFill>
-                  <a:schemeClr val="accent1"/>
-                </a:solidFill>
-              </a:rPr>
-              <a:t>:</a:t>
-            </a:r>
-          </a:p>
-          <a:p>
-            <a:endParaRPr lang="en-US" sz="3200" dirty="0"/>
-          </a:p>
-          <a:p>
-            <a:endParaRPr lang="en-US" sz="3200" dirty="0"/>
-          </a:p>
-          <a:p>
-            <a:endParaRPr lang="en-US" sz="3200" dirty="0"/>
-          </a:p>
-          <a:p>
-            <a:r>
-              <a:rPr lang="en-US" sz="3200" dirty="0"/>
-              <a:t>Terminology</a:t>
-            </a:r>
-          </a:p>
-          <a:p>
-            <a:pPr lvl="1"/>
-            <a:r>
-              <a:rPr lang="en-US" i="1" dirty="0">
-                <a:solidFill>
-                  <a:schemeClr val="accent6"/>
-                </a:solidFill>
-              </a:rPr>
-              <a:t>argument</a:t>
-            </a:r>
-            <a:r>
-              <a:rPr lang="en-US" dirty="0">
-                <a:solidFill>
-                  <a:schemeClr val="accent2"/>
-                </a:solidFill>
-              </a:rPr>
-              <a:t>:</a:t>
-            </a:r>
-            <a:r>
-              <a:rPr lang="en-US" dirty="0"/>
-              <a:t> a value given to a function</a:t>
-            </a:r>
-            <a:r>
-              <a:rPr lang="en-US" dirty="0">
-                <a:solidFill>
-                  <a:schemeClr val="accent2"/>
-                </a:solidFill>
-              </a:rPr>
-              <a:t>.</a:t>
-            </a:r>
-          </a:p>
-          <a:p>
-            <a:pPr lvl="1"/>
-            <a:r>
-              <a:rPr lang="en-US" i="1" dirty="0">
-                <a:solidFill>
-                  <a:schemeClr val="accent6"/>
-                </a:solidFill>
-              </a:rPr>
-              <a:t>pass</a:t>
-            </a:r>
-            <a:r>
-              <a:rPr lang="en-US" dirty="0">
-                <a:solidFill>
-                  <a:schemeClr val="accent2"/>
-                </a:solidFill>
-              </a:rPr>
-              <a:t>:</a:t>
-            </a:r>
-            <a:r>
-              <a:rPr lang="en-US" dirty="0"/>
-              <a:t> to provide an argument to a function</a:t>
-            </a:r>
-            <a:r>
-              <a:rPr lang="en-US" dirty="0">
-                <a:solidFill>
-                  <a:schemeClr val="accent2"/>
-                </a:solidFill>
-              </a:rPr>
-              <a:t>.</a:t>
-            </a:r>
-          </a:p>
-          <a:p>
-            <a:pPr lvl="1"/>
-            <a:r>
-              <a:rPr lang="en-US" i="1" dirty="0">
-                <a:solidFill>
-                  <a:schemeClr val="accent6"/>
-                </a:solidFill>
-              </a:rPr>
-              <a:t>call</a:t>
-            </a:r>
-            <a:r>
-              <a:rPr lang="en-US" dirty="0">
-                <a:solidFill>
-                  <a:schemeClr val="accent2"/>
-                </a:solidFill>
-              </a:rPr>
-              <a:t>:</a:t>
-            </a:r>
-            <a:r>
-              <a:rPr lang="en-US" dirty="0"/>
-              <a:t> ask Python to execute a function </a:t>
-            </a:r>
-            <a:r>
-              <a:rPr lang="en-US" dirty="0">
-                <a:solidFill>
-                  <a:schemeClr val="accent6"/>
-                </a:solidFill>
-              </a:rPr>
-              <a:t>(</a:t>
-            </a:r>
-            <a:r>
-              <a:rPr lang="en-US" dirty="0"/>
-              <a:t>by name</a:t>
-            </a:r>
-            <a:r>
-              <a:rPr lang="en-US" dirty="0">
-                <a:solidFill>
-                  <a:schemeClr val="accent6"/>
-                </a:solidFill>
-              </a:rPr>
-              <a:t>)</a:t>
-            </a:r>
-            <a:r>
-              <a:rPr lang="en-US" dirty="0">
-                <a:solidFill>
-                  <a:schemeClr val="accent2"/>
-                </a:solidFill>
-              </a:rPr>
-              <a:t>.</a:t>
-            </a:r>
-          </a:p>
-          <a:p>
-            <a:pPr lvl="1"/>
-            <a:r>
-              <a:rPr lang="en-US" i="1" dirty="0">
-                <a:solidFill>
-                  <a:schemeClr val="accent6"/>
-                </a:solidFill>
-              </a:rPr>
-              <a:t>return</a:t>
-            </a:r>
-            <a:r>
-              <a:rPr lang="en-US" dirty="0">
-                <a:solidFill>
-                  <a:schemeClr val="accent2"/>
-                </a:solidFill>
-              </a:rPr>
-              <a:t>:</a:t>
-            </a:r>
-            <a:r>
-              <a:rPr lang="en-US" dirty="0"/>
-              <a:t> give a value back to where the function was called from</a:t>
-            </a:r>
-            <a:r>
-              <a:rPr lang="en-US" dirty="0">
-                <a:solidFill>
-                  <a:schemeClr val="accent2"/>
-                </a:solidFill>
-              </a:rPr>
-              <a:t>.</a:t>
-            </a:r>
-          </a:p>
-        </p:txBody>
-      </p:sp>
-      <p:sp>
-        <p:nvSpPr>
-          <p:cNvPr id="5" name="TextBox 4">
-            <a:extLst>
-              <a:ext uri="{FF2B5EF4-FFF2-40B4-BE49-F238E27FC236}">
-                <a16:creationId xmlns:a16="http://schemas.microsoft.com/office/drawing/2014/main" id="{3D0D1CD2-F639-4E50-AF59-FB755AA99606}"/>
+              <a:t>Making Choices</a:t>
+            </a:r>
+          </a:p>
+        </p:txBody>
+      </p:sp>
+      <p:sp>
+        <p:nvSpPr>
+          <p:cNvPr id="25" name="TextBox 24">
+            <a:extLst>
+              <a:ext uri="{FF2B5EF4-FFF2-40B4-BE49-F238E27FC236}">
+                <a16:creationId xmlns:a16="http://schemas.microsoft.com/office/drawing/2014/main" id="{22A6A1F5-2E35-6D45-AD1D-76EA7D492BEF}"/>
               </a:ext>
             </a:extLst>
           </p:cNvPr>
@@ -2096,46 +3049,43 @@
         </p:nvSpPr>
         <p:spPr>
           <a:xfrm>
-            <a:off x="1070811" y="2899611"/>
-            <a:ext cx="6840334" cy="646331"/>
+            <a:off x="6578603" y="5568118"/>
+            <a:ext cx="1803400" cy="400110"/>
           </a:xfrm>
           <a:prstGeom prst="rect">
             <a:avLst/>
           </a:prstGeom>
           <a:noFill/>
+          <a:ln>
+            <a:solidFill>
+              <a:srgbClr val="FFFFFF"/>
+            </a:solidFill>
+          </a:ln>
         </p:spPr>
         <p:txBody>
-          <a:bodyPr wrap="none" rtlCol="0">
+          <a:bodyPr wrap="square" rtlCol="0">
             <a:spAutoFit/>
           </a:bodyPr>
           <a:lstStyle/>
           <a:p>
-            <a:r>
-              <a:rPr lang="en-US" sz="3600" b="1" dirty="0">
-                <a:solidFill>
-                  <a:srgbClr val="00FF00"/>
-                </a:solidFill>
-                <a:latin typeface="Courier New"/>
-                <a:cs typeface="Courier New"/>
-              </a:rPr>
-              <a:t>function_name(arguments)</a:t>
-            </a:r>
-            <a:endParaRPr lang="en-US" sz="3600" dirty="0">
-              <a:solidFill>
-                <a:srgbClr val="00FF00"/>
-              </a:solidFill>
-              <a:latin typeface="Courier New"/>
-              <a:cs typeface="Courier New"/>
-            </a:endParaRPr>
-          </a:p>
-        </p:txBody>
-      </p:sp>
-      <p:sp>
-        <p:nvSpPr>
-          <p:cNvPr id="6" name="TextBox 5">
-            <a:extLst>
-              <a:ext uri="{FF2B5EF4-FFF2-40B4-BE49-F238E27FC236}">
-                <a16:creationId xmlns:a16="http://schemas.microsoft.com/office/drawing/2014/main" id="{745E91EA-16FE-42A1-BEE6-E4835774F3E9}"/>
+            <a:pPr algn="ctr"/>
+            <a:r>
+              <a:rPr lang="en-US" sz="2000" dirty="0">
+                <a:solidFill>
+                  <a:srgbClr val="FFFFFF"/>
+                </a:solidFill>
+              </a:rPr>
+              <a:t>statements</a:t>
+            </a:r>
+          </a:p>
+        </p:txBody>
+      </p:sp>
+      <p:sp>
+        <p:nvSpPr>
+          <p:cNvPr id="26" name="TextBox 25">
+            <a:extLst>
+              <a:ext uri="{FF2B5EF4-FFF2-40B4-BE49-F238E27FC236}">
+                <a16:creationId xmlns:a16="http://schemas.microsoft.com/office/drawing/2014/main" id="{5075C6E8-B4F8-3A43-9514-9889DC5BA4EF}"/>
               </a:ext>
             </a:extLst>
           </p:cNvPr>
@@ -2144,13 +3094,18 @@
         </p:nvSpPr>
         <p:spPr>
           <a:xfrm>
-            <a:off x="8702271" y="622896"/>
-            <a:ext cx="3333318" cy="4401205"/>
+            <a:off x="6582331" y="1059049"/>
+            <a:ext cx="1803400" cy="400110"/>
           </a:xfrm>
           <a:prstGeom prst="rect">
             <a:avLst/>
           </a:prstGeom>
           <a:noFill/>
+          <a:ln>
+            <a:solidFill>
+              <a:srgbClr val="FFFFFF"/>
+            </a:solidFill>
+          </a:ln>
         </p:spPr>
         <p:txBody>
           <a:bodyPr wrap="square" rtlCol="0">
@@ -2158,107 +3113,24 @@
           </a:bodyPr>
           <a:lstStyle/>
           <a:p>
-            <a:r>
-              <a:rPr lang="en-US" sz="2800" dirty="0">
-                <a:solidFill>
-                  <a:schemeClr val="accent6"/>
-                </a:solidFill>
-              </a:rPr>
-              <a:t>In </a:t>
-            </a:r>
-            <a:r>
-              <a:rPr lang="en-US" sz="2800" b="1" dirty="0">
-                <a:solidFill>
-                  <a:schemeClr val="accent1"/>
-                </a:solidFill>
-              </a:rPr>
-              <a:t>Python</a:t>
-            </a:r>
-            <a:r>
-              <a:rPr lang="en-US" sz="2800" dirty="0">
-                <a:solidFill>
-                  <a:schemeClr val="accent6"/>
-                </a:solidFill>
-              </a:rPr>
-              <a:t> names of variables and functions use low case and underscores</a:t>
-            </a:r>
-            <a:r>
-              <a:rPr lang="en-US" sz="2800" dirty="0">
-                <a:solidFill>
-                  <a:schemeClr val="accent1"/>
-                </a:solidFill>
-              </a:rPr>
-              <a:t>.</a:t>
-            </a:r>
-          </a:p>
-          <a:p>
-            <a:endParaRPr lang="en-US" sz="2800" dirty="0">
-              <a:solidFill>
-                <a:srgbClr val="FFFFFF"/>
-              </a:solidFill>
-            </a:endParaRPr>
-          </a:p>
-          <a:p>
-            <a:endParaRPr lang="en-US" sz="2800" dirty="0">
-              <a:solidFill>
-                <a:srgbClr val="FFFFFF"/>
-              </a:solidFill>
-            </a:endParaRPr>
-          </a:p>
-          <a:p>
-            <a:r>
-              <a:rPr lang="en-US" sz="2800" b="1" dirty="0">
-                <a:solidFill>
-                  <a:srgbClr val="00B050"/>
-                </a:solidFill>
-                <a:latin typeface="Courier New"/>
-                <a:cs typeface="Courier New"/>
-              </a:rPr>
-              <a:t>function_name</a:t>
-            </a:r>
-          </a:p>
-          <a:p>
-            <a:r>
-              <a:rPr lang="en-US" sz="2800" b="1" dirty="0">
-                <a:solidFill>
-                  <a:srgbClr val="FF0000"/>
-                </a:solidFill>
-                <a:latin typeface="Courier New"/>
-                <a:cs typeface="Courier New"/>
-              </a:rPr>
-              <a:t>Function_Name</a:t>
-            </a:r>
-            <a:endParaRPr lang="en-US" sz="2800" dirty="0">
-              <a:solidFill>
-                <a:srgbClr val="FF0000"/>
-              </a:solidFill>
-            </a:endParaRPr>
-          </a:p>
-          <a:p>
-            <a:r>
-              <a:rPr lang="en-US" sz="2800" b="1" dirty="0">
-                <a:solidFill>
-                  <a:srgbClr val="FF0000"/>
-                </a:solidFill>
-                <a:latin typeface="Courier New"/>
-                <a:cs typeface="Courier New"/>
-              </a:rPr>
-              <a:t>FunctionName</a:t>
-            </a:r>
-            <a:endParaRPr lang="en-US" sz="2800" dirty="0">
-              <a:solidFill>
-                <a:srgbClr val="FF0000"/>
-              </a:solidFill>
-            </a:endParaRPr>
-          </a:p>
-        </p:txBody>
-      </p:sp>
-      <p:sp>
-        <p:nvSpPr>
-          <p:cNvPr id="8" name="Arrow: Down 7">
-            <a:extLst>
-              <a:ext uri="{FF2B5EF4-FFF2-40B4-BE49-F238E27FC236}">
-                <a16:creationId xmlns:a16="http://schemas.microsoft.com/office/drawing/2014/main" id="{36FA454D-78F3-4652-8EFF-7C48FEBEB96A}"/>
+            <a:pPr algn="ctr"/>
+            <a:r>
+              <a:rPr lang="en-US" sz="2000" dirty="0">
+                <a:solidFill>
+                  <a:srgbClr val="FFFFFF"/>
+                </a:solidFill>
+              </a:rPr>
+              <a:t>statements</a:t>
+            </a:r>
+          </a:p>
+        </p:txBody>
+      </p:sp>
+      <p:sp>
+        <p:nvSpPr>
+          <p:cNvPr id="27" name="Rectangle 26">
+            <a:extLst>
+              <a:ext uri="{FF2B5EF4-FFF2-40B4-BE49-F238E27FC236}">
+                <a16:creationId xmlns:a16="http://schemas.microsoft.com/office/drawing/2014/main" id="{7B2D2B1D-F53B-B84C-8B2D-80AB8E5C5177}"/>
               </a:ext>
             </a:extLst>
           </p:cNvPr>
@@ -2266,13 +3138,21 @@
           <p:nvPr/>
         </p:nvSpPr>
         <p:spPr>
-          <a:xfrm>
-            <a:off x="9464842" y="2899611"/>
-            <a:ext cx="376991" cy="700839"/>
+          <a:xfrm rot="2700000">
+            <a:off x="7020682" y="2119963"/>
+            <a:ext cx="927255" cy="930398"/>
           </a:xfrm>
-          <a:prstGeom prst="downArrow">
+          <a:prstGeom prst="rect">
             <a:avLst/>
           </a:prstGeom>
+          <a:solidFill>
+            <a:srgbClr val="000000"/>
+          </a:solidFill>
+          <a:ln>
+            <a:solidFill>
+              <a:srgbClr val="FFFFFF"/>
+            </a:solidFill>
+          </a:ln>
         </p:spPr>
         <p:style>
           <a:lnRef idx="2">
@@ -2295,14 +3175,1231 @@
           <a:lstStyle/>
           <a:p>
             <a:pPr algn="ctr"/>
-            <a:endParaRPr lang="en-US" sz="2000"/>
+            <a:endParaRPr lang="en-US" dirty="0"/>
+          </a:p>
+        </p:txBody>
+      </p:sp>
+      <p:sp>
+        <p:nvSpPr>
+          <p:cNvPr id="28" name="TextBox 27">
+            <a:extLst>
+              <a:ext uri="{FF2B5EF4-FFF2-40B4-BE49-F238E27FC236}">
+                <a16:creationId xmlns:a16="http://schemas.microsoft.com/office/drawing/2014/main" id="{D87E2DD6-D7EF-294E-9B5E-0669ADDA08BE}"/>
+              </a:ext>
+            </a:extLst>
+          </p:cNvPr>
+          <p:cNvSpPr txBox="1"/>
+          <p:nvPr/>
+        </p:nvSpPr>
+        <p:spPr>
+          <a:xfrm>
+            <a:off x="6727832" y="2357358"/>
+            <a:ext cx="1512398" cy="400110"/>
+          </a:xfrm>
+          <a:prstGeom prst="rect">
+            <a:avLst/>
+          </a:prstGeom>
+          <a:noFill/>
+        </p:spPr>
+        <p:txBody>
+          <a:bodyPr wrap="square" rtlCol="0">
+            <a:spAutoFit/>
+          </a:bodyPr>
+          <a:lstStyle/>
+          <a:p>
+            <a:pPr algn="ctr"/>
+            <a:r>
+              <a:rPr lang="en-US" sz="2000" dirty="0">
+                <a:solidFill>
+                  <a:srgbClr val="FFFFFF"/>
+                </a:solidFill>
+              </a:rPr>
+              <a:t>condition</a:t>
+            </a:r>
+          </a:p>
+        </p:txBody>
+      </p:sp>
+      <p:sp>
+        <p:nvSpPr>
+          <p:cNvPr id="29" name="TextBox 28">
+            <a:extLst>
+              <a:ext uri="{FF2B5EF4-FFF2-40B4-BE49-F238E27FC236}">
+                <a16:creationId xmlns:a16="http://schemas.microsoft.com/office/drawing/2014/main" id="{A3552518-E90E-8A46-A142-F01E3236A3D1}"/>
+              </a:ext>
+            </a:extLst>
+          </p:cNvPr>
+          <p:cNvSpPr txBox="1"/>
+          <p:nvPr/>
+        </p:nvSpPr>
+        <p:spPr>
+          <a:xfrm>
+            <a:off x="9425362" y="3469532"/>
+            <a:ext cx="1442547" cy="400110"/>
+          </a:xfrm>
+          <a:prstGeom prst="rect">
+            <a:avLst/>
+          </a:prstGeom>
+          <a:noFill/>
+          <a:ln>
+            <a:solidFill>
+              <a:srgbClr val="FFFFFF"/>
+            </a:solidFill>
+          </a:ln>
+        </p:spPr>
+        <p:txBody>
+          <a:bodyPr wrap="square" rtlCol="0">
+            <a:spAutoFit/>
+          </a:bodyPr>
+          <a:lstStyle/>
+          <a:p>
+            <a:pPr algn="ctr"/>
+            <a:r>
+              <a:rPr lang="en-US" sz="2000" dirty="0">
+                <a:solidFill>
+                  <a:srgbClr val="FFFFFF"/>
+                </a:solidFill>
+              </a:rPr>
+              <a:t>statements</a:t>
+            </a:r>
+          </a:p>
+        </p:txBody>
+      </p:sp>
+      <p:cxnSp>
+        <p:nvCxnSpPr>
+          <p:cNvPr id="31" name="Elbow Connector 30">
+            <a:extLst>
+              <a:ext uri="{FF2B5EF4-FFF2-40B4-BE49-F238E27FC236}">
+                <a16:creationId xmlns:a16="http://schemas.microsoft.com/office/drawing/2014/main" id="{B2EA2159-824D-2D49-9E82-4C7240A1A0A6}"/>
+              </a:ext>
+            </a:extLst>
+          </p:cNvPr>
+          <p:cNvCxnSpPr>
+            <a:cxnSpLocks/>
+            <a:endCxn id="29" idx="0"/>
+          </p:cNvCxnSpPr>
+          <p:nvPr/>
+        </p:nvCxnSpPr>
+        <p:spPr>
+          <a:xfrm>
+            <a:off x="8122758" y="2584948"/>
+            <a:ext cx="2023878" cy="884584"/>
+          </a:xfrm>
+          <a:prstGeom prst="bentConnector2">
+            <a:avLst/>
+          </a:prstGeom>
+          <a:ln>
+            <a:solidFill>
+              <a:srgbClr val="00B050"/>
+            </a:solidFill>
+            <a:headEnd type="none" w="med" len="med"/>
+            <a:tailEnd type="arrow" w="med" len="med"/>
+          </a:ln>
+        </p:spPr>
+        <p:style>
+          <a:lnRef idx="3">
+            <a:schemeClr val="accent1"/>
+          </a:lnRef>
+          <a:fillRef idx="0">
+            <a:schemeClr val="accent1"/>
+          </a:fillRef>
+          <a:effectRef idx="2">
+            <a:schemeClr val="accent1"/>
+          </a:effectRef>
+          <a:fontRef idx="minor">
+            <a:schemeClr val="tx1"/>
+          </a:fontRef>
+        </p:style>
+      </p:cxnSp>
+      <p:cxnSp>
+        <p:nvCxnSpPr>
+          <p:cNvPr id="37" name="Straight Arrow Connector 36">
+            <a:extLst>
+              <a:ext uri="{FF2B5EF4-FFF2-40B4-BE49-F238E27FC236}">
+                <a16:creationId xmlns:a16="http://schemas.microsoft.com/office/drawing/2014/main" id="{57F86FB5-87B3-5842-847A-12B656AE313D}"/>
+              </a:ext>
+            </a:extLst>
+          </p:cNvPr>
+          <p:cNvCxnSpPr>
+            <a:cxnSpLocks/>
+            <a:stCxn id="26" idx="2"/>
+          </p:cNvCxnSpPr>
+          <p:nvPr/>
+        </p:nvCxnSpPr>
+        <p:spPr>
+          <a:xfrm>
+            <a:off x="7484031" y="1459159"/>
+            <a:ext cx="0" cy="471784"/>
+          </a:xfrm>
+          <a:prstGeom prst="straightConnector1">
+            <a:avLst/>
+          </a:prstGeom>
+          <a:ln>
+            <a:headEnd type="none" w="med" len="med"/>
+            <a:tailEnd type="arrow" w="med" len="med"/>
+          </a:ln>
+        </p:spPr>
+        <p:style>
+          <a:lnRef idx="3">
+            <a:schemeClr val="accent3"/>
+          </a:lnRef>
+          <a:fillRef idx="0">
+            <a:schemeClr val="accent3"/>
+          </a:fillRef>
+          <a:effectRef idx="2">
+            <a:schemeClr val="accent3"/>
+          </a:effectRef>
+          <a:fontRef idx="minor">
+            <a:schemeClr val="tx1"/>
+          </a:fontRef>
+        </p:style>
+      </p:cxnSp>
+      <p:cxnSp>
+        <p:nvCxnSpPr>
+          <p:cNvPr id="41" name="Straight Arrow Connector 40">
+            <a:extLst>
+              <a:ext uri="{FF2B5EF4-FFF2-40B4-BE49-F238E27FC236}">
+                <a16:creationId xmlns:a16="http://schemas.microsoft.com/office/drawing/2014/main" id="{1BEEEE5F-8CDF-5048-8F83-F3CDB82F4890}"/>
+              </a:ext>
+            </a:extLst>
+          </p:cNvPr>
+          <p:cNvCxnSpPr>
+            <a:cxnSpLocks/>
+            <a:endCxn id="25" idx="0"/>
+          </p:cNvCxnSpPr>
+          <p:nvPr/>
+        </p:nvCxnSpPr>
+        <p:spPr>
+          <a:xfrm flipH="1">
+            <a:off x="7480303" y="4949120"/>
+            <a:ext cx="3728" cy="618998"/>
+          </a:xfrm>
+          <a:prstGeom prst="straightConnector1">
+            <a:avLst/>
+          </a:prstGeom>
+          <a:ln>
+            <a:solidFill>
+              <a:srgbClr val="FF0000"/>
+            </a:solidFill>
+            <a:headEnd type="none" w="med" len="med"/>
+            <a:tailEnd type="arrow" w="med" len="med"/>
+          </a:ln>
+        </p:spPr>
+        <p:style>
+          <a:lnRef idx="3">
+            <a:schemeClr val="accent3"/>
+          </a:lnRef>
+          <a:fillRef idx="0">
+            <a:schemeClr val="accent3"/>
+          </a:fillRef>
+          <a:effectRef idx="2">
+            <a:schemeClr val="accent3"/>
+          </a:effectRef>
+          <a:fontRef idx="minor">
+            <a:schemeClr val="tx1"/>
+          </a:fontRef>
+        </p:style>
+      </p:cxnSp>
+      <p:cxnSp>
+        <p:nvCxnSpPr>
+          <p:cNvPr id="56" name="Straight Arrow Connector 55">
+            <a:extLst>
+              <a:ext uri="{FF2B5EF4-FFF2-40B4-BE49-F238E27FC236}">
+                <a16:creationId xmlns:a16="http://schemas.microsoft.com/office/drawing/2014/main" id="{92EDBB97-73DB-8340-A26B-F8D3DF4ADFF3}"/>
+              </a:ext>
+            </a:extLst>
+          </p:cNvPr>
+          <p:cNvCxnSpPr>
+            <a:cxnSpLocks/>
+          </p:cNvCxnSpPr>
+          <p:nvPr/>
+        </p:nvCxnSpPr>
+        <p:spPr>
+          <a:xfrm>
+            <a:off x="7461254" y="6029783"/>
+            <a:ext cx="0" cy="485317"/>
+          </a:xfrm>
+          <a:prstGeom prst="straightConnector1">
+            <a:avLst/>
+          </a:prstGeom>
+          <a:ln>
+            <a:headEnd type="none" w="med" len="med"/>
+            <a:tailEnd type="arrow" w="med" len="med"/>
+          </a:ln>
+        </p:spPr>
+        <p:style>
+          <a:lnRef idx="3">
+            <a:schemeClr val="accent3"/>
+          </a:lnRef>
+          <a:fillRef idx="0">
+            <a:schemeClr val="accent3"/>
+          </a:fillRef>
+          <a:effectRef idx="2">
+            <a:schemeClr val="accent3"/>
+          </a:effectRef>
+          <a:fontRef idx="minor">
+            <a:schemeClr val="tx1"/>
+          </a:fontRef>
+        </p:style>
+      </p:cxnSp>
+      <p:sp>
+        <p:nvSpPr>
+          <p:cNvPr id="59" name="object 12">
+            <a:extLst>
+              <a:ext uri="{FF2B5EF4-FFF2-40B4-BE49-F238E27FC236}">
+                <a16:creationId xmlns:a16="http://schemas.microsoft.com/office/drawing/2014/main" id="{FECEC483-DA95-7D49-8F86-D882FF7D6612}"/>
+              </a:ext>
+            </a:extLst>
+          </p:cNvPr>
+          <p:cNvSpPr/>
+          <p:nvPr/>
+        </p:nvSpPr>
+        <p:spPr>
+          <a:xfrm>
+            <a:off x="10791238" y="2557413"/>
+            <a:ext cx="412175" cy="3362102"/>
+          </a:xfrm>
+          <a:custGeom>
+            <a:avLst/>
+            <a:gdLst/>
+            <a:ahLst/>
+            <a:cxnLst/>
+            <a:rect l="l" t="t" r="r" b="b"/>
+            <a:pathLst>
+              <a:path w="327659" h="2672715">
+                <a:moveTo>
+                  <a:pt x="0" y="2672286"/>
+                </a:moveTo>
+                <a:lnTo>
+                  <a:pt x="40148" y="2671482"/>
+                </a:lnTo>
+                <a:lnTo>
+                  <a:pt x="93472" y="2667559"/>
+                </a:lnTo>
+                <a:lnTo>
+                  <a:pt x="135077" y="2660948"/>
+                </a:lnTo>
+                <a:lnTo>
+                  <a:pt x="168091" y="1364139"/>
+                </a:lnTo>
+                <a:lnTo>
+                  <a:pt x="169321" y="1360733"/>
+                </a:lnTo>
+                <a:lnTo>
+                  <a:pt x="208076" y="1346001"/>
+                </a:lnTo>
+                <a:lnTo>
+                  <a:pt x="252257" y="1339861"/>
+                </a:lnTo>
+                <a:lnTo>
+                  <a:pt x="307406" y="1336534"/>
+                </a:lnTo>
+                <a:lnTo>
+                  <a:pt x="327557" y="1336162"/>
+                </a:lnTo>
+                <a:lnTo>
+                  <a:pt x="307939" y="1335927"/>
+                </a:lnTo>
+                <a:lnTo>
+                  <a:pt x="252988" y="1332730"/>
+                </a:lnTo>
+                <a:lnTo>
+                  <a:pt x="207921" y="1326376"/>
+                </a:lnTo>
+                <a:lnTo>
+                  <a:pt x="168857" y="1310806"/>
+                </a:lnTo>
+                <a:lnTo>
+                  <a:pt x="168091" y="27978"/>
+                </a:lnTo>
+                <a:lnTo>
+                  <a:pt x="166860" y="24572"/>
+                </a:lnTo>
+                <a:lnTo>
+                  <a:pt x="128105" y="9839"/>
+                </a:lnTo>
+                <a:lnTo>
+                  <a:pt x="83924" y="3700"/>
+                </a:lnTo>
+                <a:lnTo>
+                  <a:pt x="28776" y="372"/>
+                </a:lnTo>
+                <a:lnTo>
+                  <a:pt x="8624" y="0"/>
+                </a:lnTo>
+              </a:path>
+            </a:pathLst>
+          </a:custGeom>
+          <a:ln w="9525">
+            <a:solidFill>
+              <a:srgbClr val="FFFFFF"/>
+            </a:solidFill>
+          </a:ln>
+        </p:spPr>
+        <p:txBody>
+          <a:bodyPr wrap="square" lIns="0" tIns="0" rIns="0" bIns="0" rtlCol="0"/>
+          <a:lstStyle/>
+          <a:p>
+            <a:endParaRPr>
+              <a:solidFill>
+                <a:srgbClr val="FFFFFF"/>
+              </a:solidFill>
+            </a:endParaRPr>
+          </a:p>
+        </p:txBody>
+      </p:sp>
+      <p:sp>
+        <p:nvSpPr>
+          <p:cNvPr id="60" name="object 15">
+            <a:extLst>
+              <a:ext uri="{FF2B5EF4-FFF2-40B4-BE49-F238E27FC236}">
+                <a16:creationId xmlns:a16="http://schemas.microsoft.com/office/drawing/2014/main" id="{C00452CF-8403-B34C-B018-BD5865938B18}"/>
+              </a:ext>
+            </a:extLst>
+          </p:cNvPr>
+          <p:cNvSpPr txBox="1"/>
+          <p:nvPr/>
+        </p:nvSpPr>
+        <p:spPr>
+          <a:xfrm>
+            <a:off x="11461745" y="2606382"/>
+            <a:ext cx="369332" cy="3122465"/>
+          </a:xfrm>
+          <a:prstGeom prst="rect">
+            <a:avLst/>
+          </a:prstGeom>
+          <a:ln>
+            <a:solidFill>
+              <a:srgbClr val="FFFFFF"/>
+            </a:solidFill>
+          </a:ln>
+        </p:spPr>
+        <p:txBody>
+          <a:bodyPr vert="vert270" wrap="square" lIns="0" tIns="0" rIns="0" bIns="0" rtlCol="0">
+            <a:spAutoFit/>
+          </a:bodyPr>
+          <a:lstStyle/>
+          <a:p>
+            <a:pPr marL="12700" algn="ctr">
+              <a:lnSpc>
+                <a:spcPct val="100000"/>
+              </a:lnSpc>
+            </a:pPr>
+            <a:r>
+              <a:rPr sz="2400" dirty="0">
+                <a:solidFill>
+                  <a:srgbClr val="FFFFFF"/>
+                </a:solidFill>
+                <a:latin typeface="Arial"/>
+                <a:cs typeface="Arial"/>
+              </a:rPr>
+              <a:t>C</a:t>
+            </a:r>
+            <a:r>
+              <a:rPr sz="2400" spc="-5" dirty="0">
+                <a:solidFill>
+                  <a:srgbClr val="FFFFFF"/>
+                </a:solidFill>
+                <a:latin typeface="Arial"/>
+                <a:cs typeface="Arial"/>
+              </a:rPr>
+              <a:t>ond</a:t>
+            </a:r>
+            <a:r>
+              <a:rPr sz="2400" dirty="0">
+                <a:solidFill>
+                  <a:srgbClr val="FFFFFF"/>
+                </a:solidFill>
+                <a:latin typeface="Arial"/>
+                <a:cs typeface="Arial"/>
+              </a:rPr>
+              <a:t>iti</a:t>
+            </a:r>
+            <a:r>
+              <a:rPr sz="2400" spc="-5" dirty="0">
+                <a:solidFill>
+                  <a:srgbClr val="FFFFFF"/>
+                </a:solidFill>
+                <a:latin typeface="Arial"/>
+                <a:cs typeface="Arial"/>
+              </a:rPr>
+              <a:t>ona</a:t>
+            </a:r>
+            <a:r>
+              <a:rPr sz="2400" dirty="0">
+                <a:solidFill>
+                  <a:srgbClr val="FFFFFF"/>
+                </a:solidFill>
+                <a:latin typeface="Arial"/>
+                <a:cs typeface="Arial"/>
+              </a:rPr>
+              <a:t>l</a:t>
+            </a:r>
+            <a:r>
+              <a:rPr sz="2400" spc="-5" dirty="0">
+                <a:solidFill>
+                  <a:srgbClr val="FFFFFF"/>
+                </a:solidFill>
+                <a:latin typeface="Arial"/>
+                <a:cs typeface="Arial"/>
+              </a:rPr>
+              <a:t> </a:t>
+            </a:r>
+            <a:r>
+              <a:rPr sz="2400" dirty="0">
+                <a:solidFill>
+                  <a:srgbClr val="FFFFFF"/>
+                </a:solidFill>
+                <a:latin typeface="Arial"/>
+                <a:cs typeface="Arial"/>
+              </a:rPr>
+              <a:t>str</a:t>
+            </a:r>
+            <a:r>
+              <a:rPr sz="2400" spc="-5" dirty="0">
+                <a:solidFill>
+                  <a:srgbClr val="FFFFFF"/>
+                </a:solidFill>
+                <a:latin typeface="Arial"/>
+                <a:cs typeface="Arial"/>
+              </a:rPr>
+              <a:t>u</a:t>
+            </a:r>
+            <a:r>
+              <a:rPr sz="2400" dirty="0">
+                <a:solidFill>
+                  <a:srgbClr val="FFFFFF"/>
+                </a:solidFill>
+                <a:latin typeface="Arial"/>
+                <a:cs typeface="Arial"/>
+              </a:rPr>
+              <a:t>ct</a:t>
+            </a:r>
+            <a:r>
+              <a:rPr sz="2400" spc="-5" dirty="0">
+                <a:solidFill>
+                  <a:srgbClr val="FFFFFF"/>
+                </a:solidFill>
+                <a:latin typeface="Arial"/>
+                <a:cs typeface="Arial"/>
+              </a:rPr>
+              <a:t>u</a:t>
+            </a:r>
+            <a:r>
+              <a:rPr sz="2400" dirty="0">
+                <a:solidFill>
+                  <a:srgbClr val="FFFFFF"/>
+                </a:solidFill>
+                <a:latin typeface="Arial"/>
+                <a:cs typeface="Arial"/>
+              </a:rPr>
+              <a:t>re</a:t>
+            </a:r>
+          </a:p>
+        </p:txBody>
+      </p:sp>
+      <p:cxnSp>
+        <p:nvCxnSpPr>
+          <p:cNvPr id="65" name="Straight Arrow Connector 64">
+            <a:extLst>
+              <a:ext uri="{FF2B5EF4-FFF2-40B4-BE49-F238E27FC236}">
+                <a16:creationId xmlns:a16="http://schemas.microsoft.com/office/drawing/2014/main" id="{ED06DEEF-8C68-0A4F-AD49-A1FF4F10B20D}"/>
+              </a:ext>
+            </a:extLst>
+          </p:cNvPr>
+          <p:cNvCxnSpPr>
+            <a:cxnSpLocks/>
+          </p:cNvCxnSpPr>
+          <p:nvPr/>
+        </p:nvCxnSpPr>
+        <p:spPr>
+          <a:xfrm>
+            <a:off x="7484031" y="580905"/>
+            <a:ext cx="0" cy="448051"/>
+          </a:xfrm>
+          <a:prstGeom prst="straightConnector1">
+            <a:avLst/>
+          </a:prstGeom>
+          <a:ln>
+            <a:headEnd type="none" w="med" len="med"/>
+            <a:tailEnd type="arrow" w="med" len="med"/>
+          </a:ln>
+        </p:spPr>
+        <p:style>
+          <a:lnRef idx="3">
+            <a:schemeClr val="accent3"/>
+          </a:lnRef>
+          <a:fillRef idx="0">
+            <a:schemeClr val="accent3"/>
+          </a:fillRef>
+          <a:effectRef idx="2">
+            <a:schemeClr val="accent3"/>
+          </a:effectRef>
+          <a:fontRef idx="minor">
+            <a:schemeClr val="tx1"/>
+          </a:fontRef>
+        </p:style>
+      </p:cxnSp>
+      <p:sp>
+        <p:nvSpPr>
+          <p:cNvPr id="72" name="TextBox 71">
+            <a:extLst>
+              <a:ext uri="{FF2B5EF4-FFF2-40B4-BE49-F238E27FC236}">
+                <a16:creationId xmlns:a16="http://schemas.microsoft.com/office/drawing/2014/main" id="{834BE723-387C-6742-B5F3-6EAE702ABBA0}"/>
+              </a:ext>
+            </a:extLst>
+          </p:cNvPr>
+          <p:cNvSpPr txBox="1"/>
+          <p:nvPr/>
+        </p:nvSpPr>
+        <p:spPr>
+          <a:xfrm>
+            <a:off x="8381090" y="2006072"/>
+            <a:ext cx="952500" cy="461665"/>
+          </a:xfrm>
+          <a:prstGeom prst="rect">
+            <a:avLst/>
+          </a:prstGeom>
+          <a:noFill/>
+        </p:spPr>
+        <p:txBody>
+          <a:bodyPr wrap="square" rtlCol="0">
+            <a:spAutoFit/>
+          </a:bodyPr>
+          <a:lstStyle/>
+          <a:p>
+            <a:pPr algn="ctr"/>
+            <a:r>
+              <a:rPr lang="en-US" sz="2400" dirty="0">
+                <a:solidFill>
+                  <a:srgbClr val="00B050"/>
+                </a:solidFill>
+              </a:rPr>
+              <a:t>True</a:t>
+            </a:r>
+          </a:p>
+        </p:txBody>
+      </p:sp>
+      <p:sp>
+        <p:nvSpPr>
+          <p:cNvPr id="73" name="TextBox 72">
+            <a:extLst>
+              <a:ext uri="{FF2B5EF4-FFF2-40B4-BE49-F238E27FC236}">
+                <a16:creationId xmlns:a16="http://schemas.microsoft.com/office/drawing/2014/main" id="{5BA179B0-68C8-EE48-AD66-76C40879441D}"/>
+              </a:ext>
+            </a:extLst>
+          </p:cNvPr>
+          <p:cNvSpPr txBox="1"/>
+          <p:nvPr/>
+        </p:nvSpPr>
+        <p:spPr>
+          <a:xfrm>
+            <a:off x="6427106" y="4949120"/>
+            <a:ext cx="952500" cy="461665"/>
+          </a:xfrm>
+          <a:prstGeom prst="rect">
+            <a:avLst/>
+          </a:prstGeom>
+          <a:noFill/>
+        </p:spPr>
+        <p:txBody>
+          <a:bodyPr wrap="square" rtlCol="0">
+            <a:spAutoFit/>
+          </a:bodyPr>
+          <a:lstStyle/>
+          <a:p>
+            <a:pPr algn="ctr"/>
+            <a:r>
+              <a:rPr lang="en-US" sz="2400" dirty="0">
+                <a:solidFill>
+                  <a:srgbClr val="FF0000"/>
+                </a:solidFill>
+              </a:rPr>
+              <a:t>False</a:t>
+            </a:r>
+          </a:p>
+        </p:txBody>
+      </p:sp>
+      <p:pic>
+        <p:nvPicPr>
+          <p:cNvPr id="74" name="Picture 73">
+            <a:extLst>
+              <a:ext uri="{FF2B5EF4-FFF2-40B4-BE49-F238E27FC236}">
+                <a16:creationId xmlns:a16="http://schemas.microsoft.com/office/drawing/2014/main" id="{B4792DBB-C7F4-5743-B03B-0F7BF2B57194}"/>
+              </a:ext>
+            </a:extLst>
+          </p:cNvPr>
+          <p:cNvPicPr>
+            <a:picLocks noChangeAspect="1"/>
+          </p:cNvPicPr>
+          <p:nvPr/>
+        </p:nvPicPr>
+        <p:blipFill>
+          <a:blip r:embed="rId3"/>
+          <a:stretch>
+            <a:fillRect/>
+          </a:stretch>
+        </p:blipFill>
+        <p:spPr>
+          <a:xfrm>
+            <a:off x="1127039" y="2584948"/>
+            <a:ext cx="2854780" cy="2854780"/>
+          </a:xfrm>
+          <a:prstGeom prst="rect">
+            <a:avLst/>
+          </a:prstGeom>
+        </p:spPr>
+      </p:pic>
+      <p:sp>
+        <p:nvSpPr>
+          <p:cNvPr id="30" name="Rectangle 29">
+            <a:extLst>
+              <a:ext uri="{FF2B5EF4-FFF2-40B4-BE49-F238E27FC236}">
+                <a16:creationId xmlns:a16="http://schemas.microsoft.com/office/drawing/2014/main" id="{FAFD1883-03BE-0E4E-A79C-2FA0736FB9FB}"/>
+              </a:ext>
+            </a:extLst>
+          </p:cNvPr>
+          <p:cNvSpPr/>
+          <p:nvPr/>
+        </p:nvSpPr>
+        <p:spPr>
+          <a:xfrm rot="2700000">
+            <a:off x="7020684" y="3874783"/>
+            <a:ext cx="927255" cy="930398"/>
+          </a:xfrm>
+          <a:prstGeom prst="rect">
+            <a:avLst/>
+          </a:prstGeom>
+          <a:solidFill>
+            <a:srgbClr val="000000"/>
+          </a:solidFill>
+          <a:ln>
+            <a:solidFill>
+              <a:srgbClr val="FFFFFF"/>
+            </a:solidFill>
+          </a:ln>
+        </p:spPr>
+        <p:style>
+          <a:lnRef idx="2">
+            <a:schemeClr val="accent1">
+              <a:shade val="50000"/>
+            </a:schemeClr>
+          </a:lnRef>
+          <a:fillRef idx="1">
+            <a:schemeClr val="accent1"/>
+          </a:fillRef>
+          <a:effectRef idx="0">
+            <a:schemeClr val="accent1"/>
+          </a:effectRef>
+          <a:fontRef idx="minor">
+            <a:schemeClr val="lt1"/>
+          </a:fontRef>
+        </p:style>
+        <p:txBody>
+          <a:bodyPr rtlCol="0" anchor="ctr"/>
+          <a:lstStyle/>
+          <a:p>
+            <a:pPr algn="ctr"/>
+            <a:endParaRPr lang="en-US" dirty="0"/>
+          </a:p>
+        </p:txBody>
+      </p:sp>
+      <p:sp>
+        <p:nvSpPr>
+          <p:cNvPr id="32" name="TextBox 31">
+            <a:extLst>
+              <a:ext uri="{FF2B5EF4-FFF2-40B4-BE49-F238E27FC236}">
+                <a16:creationId xmlns:a16="http://schemas.microsoft.com/office/drawing/2014/main" id="{D1C64F92-E500-CA44-A5AA-4FF9A89296E0}"/>
+              </a:ext>
+            </a:extLst>
+          </p:cNvPr>
+          <p:cNvSpPr txBox="1"/>
+          <p:nvPr/>
+        </p:nvSpPr>
+        <p:spPr>
+          <a:xfrm>
+            <a:off x="6727834" y="4112178"/>
+            <a:ext cx="1512398" cy="400110"/>
+          </a:xfrm>
+          <a:prstGeom prst="rect">
+            <a:avLst/>
+          </a:prstGeom>
+          <a:noFill/>
+        </p:spPr>
+        <p:txBody>
+          <a:bodyPr wrap="square" rtlCol="0">
+            <a:spAutoFit/>
+          </a:bodyPr>
+          <a:lstStyle/>
+          <a:p>
+            <a:pPr algn="ctr"/>
+            <a:r>
+              <a:rPr lang="en-US" sz="2000" dirty="0">
+                <a:solidFill>
+                  <a:srgbClr val="FFFFFF"/>
+                </a:solidFill>
+              </a:rPr>
+              <a:t>condition</a:t>
+            </a:r>
+          </a:p>
+        </p:txBody>
+      </p:sp>
+      <p:cxnSp>
+        <p:nvCxnSpPr>
+          <p:cNvPr id="33" name="Straight Arrow Connector 32">
+            <a:extLst>
+              <a:ext uri="{FF2B5EF4-FFF2-40B4-BE49-F238E27FC236}">
+                <a16:creationId xmlns:a16="http://schemas.microsoft.com/office/drawing/2014/main" id="{CC7F2F19-8B21-094B-8BB6-AA3539788C3A}"/>
+              </a:ext>
+            </a:extLst>
+          </p:cNvPr>
+          <p:cNvCxnSpPr>
+            <a:cxnSpLocks/>
+          </p:cNvCxnSpPr>
+          <p:nvPr/>
+        </p:nvCxnSpPr>
+        <p:spPr>
+          <a:xfrm>
+            <a:off x="7480307" y="3241942"/>
+            <a:ext cx="0" cy="454019"/>
+          </a:xfrm>
+          <a:prstGeom prst="straightConnector1">
+            <a:avLst/>
+          </a:prstGeom>
+          <a:ln>
+            <a:solidFill>
+              <a:srgbClr val="FF0000"/>
+            </a:solidFill>
+            <a:headEnd type="none" w="med" len="med"/>
+            <a:tailEnd type="arrow" w="med" len="med"/>
+          </a:ln>
+        </p:spPr>
+        <p:style>
+          <a:lnRef idx="3">
+            <a:schemeClr val="accent3"/>
+          </a:lnRef>
+          <a:fillRef idx="0">
+            <a:schemeClr val="accent3"/>
+          </a:fillRef>
+          <a:effectRef idx="2">
+            <a:schemeClr val="accent3"/>
+          </a:effectRef>
+          <a:fontRef idx="minor">
+            <a:schemeClr val="tx1"/>
+          </a:fontRef>
+        </p:style>
+      </p:cxnSp>
+      <p:sp>
+        <p:nvSpPr>
+          <p:cNvPr id="34" name="TextBox 33">
+            <a:extLst>
+              <a:ext uri="{FF2B5EF4-FFF2-40B4-BE49-F238E27FC236}">
+                <a16:creationId xmlns:a16="http://schemas.microsoft.com/office/drawing/2014/main" id="{766FF104-D7EF-3740-BD73-6B31436D7E82}"/>
+              </a:ext>
+            </a:extLst>
+          </p:cNvPr>
+          <p:cNvSpPr txBox="1"/>
+          <p:nvPr/>
+        </p:nvSpPr>
+        <p:spPr>
+          <a:xfrm>
+            <a:off x="6347922" y="3234296"/>
+            <a:ext cx="952500" cy="461665"/>
+          </a:xfrm>
+          <a:prstGeom prst="rect">
+            <a:avLst/>
+          </a:prstGeom>
+          <a:noFill/>
+        </p:spPr>
+        <p:txBody>
+          <a:bodyPr wrap="square" rtlCol="0">
+            <a:spAutoFit/>
+          </a:bodyPr>
+          <a:lstStyle/>
+          <a:p>
+            <a:pPr algn="ctr"/>
+            <a:r>
+              <a:rPr lang="en-US" sz="2400" dirty="0">
+                <a:solidFill>
+                  <a:srgbClr val="FF0000"/>
+                </a:solidFill>
+              </a:rPr>
+              <a:t>False</a:t>
+            </a:r>
+          </a:p>
+        </p:txBody>
+      </p:sp>
+      <p:sp>
+        <p:nvSpPr>
+          <p:cNvPr id="38" name="TextBox 37">
+            <a:extLst>
+              <a:ext uri="{FF2B5EF4-FFF2-40B4-BE49-F238E27FC236}">
+                <a16:creationId xmlns:a16="http://schemas.microsoft.com/office/drawing/2014/main" id="{B4A72731-2BD0-0942-ABFA-9F3F5E0F4D5D}"/>
+              </a:ext>
+            </a:extLst>
+          </p:cNvPr>
+          <p:cNvSpPr txBox="1"/>
+          <p:nvPr/>
+        </p:nvSpPr>
+        <p:spPr>
+          <a:xfrm>
+            <a:off x="6267365" y="2164532"/>
+            <a:ext cx="412292" cy="584775"/>
+          </a:xfrm>
+          <a:prstGeom prst="rect">
+            <a:avLst/>
+          </a:prstGeom>
+          <a:noFill/>
+        </p:spPr>
+        <p:txBody>
+          <a:bodyPr wrap="none" rtlCol="0">
+            <a:spAutoFit/>
+          </a:bodyPr>
+          <a:lstStyle/>
+          <a:p>
+            <a:r>
+              <a:rPr lang="en-US" sz="3200" dirty="0">
+                <a:solidFill>
+                  <a:srgbClr val="FFFF00"/>
+                </a:solidFill>
+              </a:rPr>
+              <a:t>if</a:t>
+            </a:r>
+          </a:p>
+        </p:txBody>
+      </p:sp>
+      <p:sp>
+        <p:nvSpPr>
+          <p:cNvPr id="39" name="TextBox 38">
+            <a:extLst>
+              <a:ext uri="{FF2B5EF4-FFF2-40B4-BE49-F238E27FC236}">
+                <a16:creationId xmlns:a16="http://schemas.microsoft.com/office/drawing/2014/main" id="{B95EFCCB-D282-5C40-A3AC-A0076C29C3A6}"/>
+              </a:ext>
+            </a:extLst>
+          </p:cNvPr>
+          <p:cNvSpPr txBox="1"/>
+          <p:nvPr/>
+        </p:nvSpPr>
+        <p:spPr>
+          <a:xfrm>
+            <a:off x="5585126" y="5410785"/>
+            <a:ext cx="888385" cy="584775"/>
+          </a:xfrm>
+          <a:prstGeom prst="rect">
+            <a:avLst/>
+          </a:prstGeom>
+          <a:noFill/>
+        </p:spPr>
+        <p:txBody>
+          <a:bodyPr wrap="none" rtlCol="0">
+            <a:spAutoFit/>
+          </a:bodyPr>
+          <a:lstStyle/>
+          <a:p>
+            <a:r>
+              <a:rPr lang="en-US" sz="3200" dirty="0">
+                <a:solidFill>
+                  <a:srgbClr val="FFFF00"/>
+                </a:solidFill>
+              </a:rPr>
+              <a:t>else</a:t>
+            </a:r>
+          </a:p>
+        </p:txBody>
+      </p:sp>
+      <p:sp>
+        <p:nvSpPr>
+          <p:cNvPr id="57" name="TextBox 56">
+            <a:extLst>
+              <a:ext uri="{FF2B5EF4-FFF2-40B4-BE49-F238E27FC236}">
+                <a16:creationId xmlns:a16="http://schemas.microsoft.com/office/drawing/2014/main" id="{77275DD8-4DCD-D04B-9525-298933C36840}"/>
+              </a:ext>
+            </a:extLst>
+          </p:cNvPr>
+          <p:cNvSpPr txBox="1"/>
+          <p:nvPr/>
+        </p:nvSpPr>
+        <p:spPr>
+          <a:xfrm>
+            <a:off x="8093708" y="4800842"/>
+            <a:ext cx="1442547" cy="400110"/>
+          </a:xfrm>
+          <a:prstGeom prst="rect">
+            <a:avLst/>
+          </a:prstGeom>
+          <a:noFill/>
+          <a:ln>
+            <a:solidFill>
+              <a:srgbClr val="FFFFFF"/>
+            </a:solidFill>
+          </a:ln>
+        </p:spPr>
+        <p:txBody>
+          <a:bodyPr wrap="square" rtlCol="0">
+            <a:spAutoFit/>
+          </a:bodyPr>
+          <a:lstStyle/>
+          <a:p>
+            <a:pPr algn="ctr"/>
+            <a:r>
+              <a:rPr lang="en-US" sz="2000" dirty="0">
+                <a:solidFill>
+                  <a:srgbClr val="FFFFFF"/>
+                </a:solidFill>
+              </a:rPr>
+              <a:t>statements</a:t>
+            </a:r>
+          </a:p>
+        </p:txBody>
+      </p:sp>
+      <p:sp>
+        <p:nvSpPr>
+          <p:cNvPr id="49" name="Bent Up Arrow 48">
+            <a:extLst>
+              <a:ext uri="{FF2B5EF4-FFF2-40B4-BE49-F238E27FC236}">
+                <a16:creationId xmlns:a16="http://schemas.microsoft.com/office/drawing/2014/main" id="{CD76A2C7-E438-DF4B-81AB-E1335DAD5F01}"/>
+              </a:ext>
+            </a:extLst>
+          </p:cNvPr>
+          <p:cNvSpPr/>
+          <p:nvPr/>
+        </p:nvSpPr>
+        <p:spPr>
+          <a:xfrm rot="16200000" flipH="1">
+            <a:off x="7379969" y="3938607"/>
+            <a:ext cx="2870025" cy="2740168"/>
+          </a:xfrm>
+          <a:prstGeom prst="bentUpArrow">
+            <a:avLst>
+              <a:gd name="adj1" fmla="val 856"/>
+              <a:gd name="adj2" fmla="val 4534"/>
+              <a:gd name="adj3" fmla="val 4575"/>
+            </a:avLst>
+          </a:prstGeom>
+          <a:solidFill>
+            <a:srgbClr val="00B050"/>
+          </a:solidFill>
+          <a:ln>
+            <a:solidFill>
+              <a:srgbClr val="00B050"/>
+            </a:solidFill>
+          </a:ln>
+        </p:spPr>
+        <p:style>
+          <a:lnRef idx="2">
+            <a:schemeClr val="accent1">
+              <a:shade val="50000"/>
+            </a:schemeClr>
+          </a:lnRef>
+          <a:fillRef idx="1">
+            <a:schemeClr val="accent1"/>
+          </a:fillRef>
+          <a:effectRef idx="0">
+            <a:schemeClr val="accent1"/>
+          </a:effectRef>
+          <a:fontRef idx="minor">
+            <a:schemeClr val="lt1"/>
+          </a:fontRef>
+        </p:style>
+        <p:txBody>
+          <a:bodyPr rtlCol="0" anchor="ctr"/>
+          <a:lstStyle/>
+          <a:p>
+            <a:pPr algn="ctr"/>
+            <a:endParaRPr lang="en-US"/>
+          </a:p>
+        </p:txBody>
+      </p:sp>
+      <p:cxnSp>
+        <p:nvCxnSpPr>
+          <p:cNvPr id="61" name="Elbow Connector 60">
+            <a:extLst>
+              <a:ext uri="{FF2B5EF4-FFF2-40B4-BE49-F238E27FC236}">
+                <a16:creationId xmlns:a16="http://schemas.microsoft.com/office/drawing/2014/main" id="{1BC160A3-B636-414F-AB67-E1802B7BB96D}"/>
+              </a:ext>
+            </a:extLst>
+          </p:cNvPr>
+          <p:cNvCxnSpPr>
+            <a:cxnSpLocks/>
+          </p:cNvCxnSpPr>
+          <p:nvPr/>
+        </p:nvCxnSpPr>
+        <p:spPr>
+          <a:xfrm>
+            <a:off x="8118703" y="4336962"/>
+            <a:ext cx="713585" cy="463359"/>
+          </a:xfrm>
+          <a:prstGeom prst="bentConnector2">
+            <a:avLst/>
+          </a:prstGeom>
+          <a:ln>
+            <a:solidFill>
+              <a:srgbClr val="00B050"/>
+            </a:solidFill>
+            <a:headEnd type="none" w="med" len="med"/>
+            <a:tailEnd type="arrow" w="med" len="med"/>
+          </a:ln>
+        </p:spPr>
+        <p:style>
+          <a:lnRef idx="3">
+            <a:schemeClr val="accent1"/>
+          </a:lnRef>
+          <a:fillRef idx="0">
+            <a:schemeClr val="accent1"/>
+          </a:fillRef>
+          <a:effectRef idx="2">
+            <a:schemeClr val="accent1"/>
+          </a:effectRef>
+          <a:fontRef idx="minor">
+            <a:schemeClr val="tx1"/>
+          </a:fontRef>
+        </p:style>
+      </p:cxnSp>
+      <p:sp>
+        <p:nvSpPr>
+          <p:cNvPr id="62" name="TextBox 61">
+            <a:extLst>
+              <a:ext uri="{FF2B5EF4-FFF2-40B4-BE49-F238E27FC236}">
+                <a16:creationId xmlns:a16="http://schemas.microsoft.com/office/drawing/2014/main" id="{44BDF6E8-A21C-4E4D-AAA0-073539E5B908}"/>
+              </a:ext>
+            </a:extLst>
+          </p:cNvPr>
+          <p:cNvSpPr txBox="1"/>
+          <p:nvPr/>
+        </p:nvSpPr>
+        <p:spPr>
+          <a:xfrm>
+            <a:off x="8067694" y="3852488"/>
+            <a:ext cx="952500" cy="461665"/>
+          </a:xfrm>
+          <a:prstGeom prst="rect">
+            <a:avLst/>
+          </a:prstGeom>
+          <a:noFill/>
+        </p:spPr>
+        <p:txBody>
+          <a:bodyPr wrap="square" rtlCol="0">
+            <a:spAutoFit/>
+          </a:bodyPr>
+          <a:lstStyle/>
+          <a:p>
+            <a:pPr algn="ctr"/>
+            <a:r>
+              <a:rPr lang="en-US" sz="2400" dirty="0">
+                <a:solidFill>
+                  <a:srgbClr val="00B050"/>
+                </a:solidFill>
+              </a:rPr>
+              <a:t>True</a:t>
+            </a:r>
+          </a:p>
+        </p:txBody>
+      </p:sp>
+      <p:sp>
+        <p:nvSpPr>
+          <p:cNvPr id="67" name="TextBox 66">
+            <a:extLst>
+              <a:ext uri="{FF2B5EF4-FFF2-40B4-BE49-F238E27FC236}">
+                <a16:creationId xmlns:a16="http://schemas.microsoft.com/office/drawing/2014/main" id="{48266BB9-F9B7-AB49-A09C-B35F6C619189}"/>
+              </a:ext>
+            </a:extLst>
+          </p:cNvPr>
+          <p:cNvSpPr txBox="1"/>
+          <p:nvPr/>
+        </p:nvSpPr>
+        <p:spPr>
+          <a:xfrm>
+            <a:off x="5963247" y="3902501"/>
+            <a:ext cx="726481" cy="584775"/>
+          </a:xfrm>
+          <a:prstGeom prst="rect">
+            <a:avLst/>
+          </a:prstGeom>
+          <a:noFill/>
+        </p:spPr>
+        <p:txBody>
+          <a:bodyPr wrap="none" rtlCol="0">
+            <a:spAutoFit/>
+          </a:bodyPr>
+          <a:lstStyle/>
+          <a:p>
+            <a:r>
+              <a:rPr lang="en-US" sz="3200" dirty="0" err="1">
+                <a:solidFill>
+                  <a:srgbClr val="FFFF00"/>
+                </a:solidFill>
+              </a:rPr>
+              <a:t>elif</a:t>
+            </a:r>
+            <a:endParaRPr lang="en-US" sz="3200" dirty="0">
+              <a:solidFill>
+                <a:srgbClr val="FFFF00"/>
+              </a:solidFill>
+            </a:endParaRPr>
+          </a:p>
+        </p:txBody>
+      </p:sp>
+      <p:sp>
+        <p:nvSpPr>
+          <p:cNvPr id="68" name="Bent Up Arrow 67">
+            <a:extLst>
+              <a:ext uri="{FF2B5EF4-FFF2-40B4-BE49-F238E27FC236}">
+                <a16:creationId xmlns:a16="http://schemas.microsoft.com/office/drawing/2014/main" id="{AADBD4B3-82BF-3C43-B75F-F9753B00CB46}"/>
+              </a:ext>
+            </a:extLst>
+          </p:cNvPr>
+          <p:cNvSpPr/>
+          <p:nvPr/>
+        </p:nvSpPr>
+        <p:spPr>
+          <a:xfrm rot="16200000" flipH="1">
+            <a:off x="7501897" y="5183088"/>
+            <a:ext cx="1313561" cy="1349291"/>
+          </a:xfrm>
+          <a:prstGeom prst="bentUpArrow">
+            <a:avLst>
+              <a:gd name="adj1" fmla="val 2246"/>
+              <a:gd name="adj2" fmla="val 5924"/>
+              <a:gd name="adj3" fmla="val 8051"/>
+            </a:avLst>
+          </a:prstGeom>
+          <a:solidFill>
+            <a:srgbClr val="00B050"/>
+          </a:solidFill>
+          <a:ln>
+            <a:solidFill>
+              <a:srgbClr val="00B050"/>
+            </a:solidFill>
+          </a:ln>
+        </p:spPr>
+        <p:style>
+          <a:lnRef idx="2">
+            <a:schemeClr val="accent1">
+              <a:shade val="50000"/>
+            </a:schemeClr>
+          </a:lnRef>
+          <a:fillRef idx="1">
+            <a:schemeClr val="accent1"/>
+          </a:fillRef>
+          <a:effectRef idx="0">
+            <a:schemeClr val="accent1"/>
+          </a:effectRef>
+          <a:fontRef idx="minor">
+            <a:schemeClr val="lt1"/>
+          </a:fontRef>
+        </p:style>
+        <p:txBody>
+          <a:bodyPr rtlCol="0" anchor="ctr"/>
+          <a:lstStyle/>
+          <a:p>
+            <a:pPr algn="ctr"/>
+            <a:endParaRPr lang="en-US"/>
           </a:p>
         </p:txBody>
       </p:sp>
     </p:spTree>
     <p:extLst>
       <p:ext uri="{BB962C8B-B14F-4D97-AF65-F5344CB8AC3E}">
-        <p14:creationId xmlns:p14="http://schemas.microsoft.com/office/powerpoint/2010/main" val="1185206340"/>
+        <p14:creationId xmlns:p14="http://schemas.microsoft.com/office/powerpoint/2010/main" val="190460469"/>
       </p:ext>
     </p:extLst>
   </p:cSld>
@@ -2331,10 +4428,10 @@
       </p:grpSpPr>
       <p:sp>
         <p:nvSpPr>
-          <p:cNvPr id="2" name="Title 1">
-            <a:extLst>
-              <a:ext uri="{FF2B5EF4-FFF2-40B4-BE49-F238E27FC236}">
-                <a16:creationId xmlns:a16="http://schemas.microsoft.com/office/drawing/2014/main" id="{844849AA-E622-4F7D-8941-71C937456B82}"/>
+          <p:cNvPr id="4" name="Title 3">
+            <a:extLst>
+              <a:ext uri="{FF2B5EF4-FFF2-40B4-BE49-F238E27FC236}">
+                <a16:creationId xmlns:a16="http://schemas.microsoft.com/office/drawing/2014/main" id="{0EB27ED3-99BE-43B6-86FA-80909274D493}"/>
               </a:ext>
             </a:extLst>
           </p:cNvPr>
@@ -2354,400 +4451,18 @@
           <a:p>
             <a:r>
               <a:rPr lang="en-US" b="1" dirty="0"/>
-              <a:t>Input</a:t>
-            </a:r>
-          </a:p>
-        </p:txBody>
-      </p:sp>
-      <p:sp>
-        <p:nvSpPr>
-          <p:cNvPr id="3" name="Content Placeholder 2">
-            <a:extLst>
-              <a:ext uri="{FF2B5EF4-FFF2-40B4-BE49-F238E27FC236}">
-                <a16:creationId xmlns:a16="http://schemas.microsoft.com/office/drawing/2014/main" id="{D0254071-BABD-4A6D-965B-5977BB6BD8B0}"/>
-              </a:ext>
-            </a:extLst>
-          </p:cNvPr>
-          <p:cNvSpPr>
-            <a:spLocks noGrp="1"/>
-          </p:cNvSpPr>
-          <p:nvPr>
-            <p:ph idx="1"/>
-          </p:nvPr>
-        </p:nvSpPr>
-        <p:spPr/>
-        <p:txBody>
-          <a:bodyPr>
-            <a:normAutofit fontScale="92500" lnSpcReduction="10000"/>
-          </a:bodyPr>
-          <a:lstStyle/>
-          <a:p>
-            <a:r>
-              <a:rPr lang="en-US" sz="3600" dirty="0"/>
-              <a:t>Python has a built</a:t>
-            </a:r>
-            <a:r>
-              <a:rPr lang="en-US" sz="3600" dirty="0">
-                <a:solidFill>
-                  <a:schemeClr val="accent1"/>
-                </a:solidFill>
-              </a:rPr>
-              <a:t>-</a:t>
-            </a:r>
-            <a:r>
-              <a:rPr lang="en-US" sz="3600" dirty="0"/>
-              <a:t>in function named </a:t>
-            </a:r>
-            <a:r>
-              <a:rPr lang="en-US" sz="3600" b="1" dirty="0">
-                <a:solidFill>
-                  <a:schemeClr val="accent6"/>
-                </a:solidFill>
-              </a:rPr>
-              <a:t>input</a:t>
-            </a:r>
-            <a:r>
-              <a:rPr lang="en-US" sz="3600" dirty="0"/>
-              <a:t> for reading text from the user</a:t>
-            </a:r>
-            <a:r>
-              <a:rPr lang="en-US" sz="3600" dirty="0">
-                <a:solidFill>
-                  <a:schemeClr val="accent2"/>
-                </a:solidFill>
-              </a:rPr>
-              <a:t>.</a:t>
-            </a:r>
-          </a:p>
-          <a:p>
-            <a:r>
-              <a:rPr lang="en-US" sz="3600" dirty="0"/>
-              <a:t>The general form of a </a:t>
-            </a:r>
-            <a:r>
-              <a:rPr lang="en-US" sz="3600" b="1" dirty="0">
-                <a:solidFill>
-                  <a:schemeClr val="accent6"/>
-                </a:solidFill>
-              </a:rPr>
-              <a:t>input</a:t>
-            </a:r>
-            <a:r>
-              <a:rPr lang="en-US" sz="3600" dirty="0"/>
-              <a:t> function call</a:t>
-            </a:r>
-            <a:r>
-              <a:rPr lang="en-US" sz="3600" dirty="0">
-                <a:solidFill>
-                  <a:schemeClr val="accent2"/>
-                </a:solidFill>
-              </a:rPr>
-              <a:t>:</a:t>
-            </a:r>
-          </a:p>
-          <a:p>
-            <a:endParaRPr lang="en-US" sz="3600" dirty="0"/>
-          </a:p>
-          <a:p>
-            <a:endParaRPr lang="en-US" sz="3600" dirty="0"/>
-          </a:p>
-          <a:p>
-            <a:r>
-              <a:rPr lang="en-US" sz="3600" dirty="0"/>
-              <a:t>The </a:t>
-            </a:r>
-            <a:r>
-              <a:rPr lang="en-US" sz="3600" dirty="0">
-                <a:solidFill>
-                  <a:schemeClr val="accent6"/>
-                </a:solidFill>
-              </a:rPr>
-              <a:t>argument</a:t>
-            </a:r>
-            <a:r>
-              <a:rPr lang="en-US" sz="3600" dirty="0"/>
-              <a:t> is the text you want displayed to the user</a:t>
-            </a:r>
-            <a:r>
-              <a:rPr lang="en-US" sz="3600" dirty="0">
-                <a:solidFill>
-                  <a:schemeClr val="accent2"/>
-                </a:solidFill>
-              </a:rPr>
-              <a:t>.</a:t>
-            </a:r>
-          </a:p>
-          <a:p>
-            <a:pPr lvl="1"/>
-            <a:r>
-              <a:rPr lang="en-US" sz="3200" i="1" dirty="0">
-                <a:solidFill>
-                  <a:schemeClr val="accent2"/>
-                </a:solidFill>
-              </a:rPr>
-              <a:t>“</a:t>
-            </a:r>
-            <a:r>
-              <a:rPr lang="en-US" sz="3200" i="1" dirty="0"/>
-              <a:t>What is your name?</a:t>
-            </a:r>
-            <a:r>
-              <a:rPr lang="en-US" sz="3200" i="1" dirty="0">
-                <a:solidFill>
-                  <a:schemeClr val="accent2"/>
-                </a:solidFill>
-              </a:rPr>
-              <a:t>”</a:t>
-            </a:r>
-          </a:p>
-          <a:p>
-            <a:r>
-              <a:rPr lang="en-US" sz="3600" spc="-20" dirty="0">
-                <a:cs typeface="Arial"/>
-              </a:rPr>
-              <a:t>The v</a:t>
-            </a:r>
-            <a:r>
-              <a:rPr lang="en-US" sz="3600" spc="5" dirty="0">
-                <a:cs typeface="Arial"/>
-              </a:rPr>
-              <a:t>a</a:t>
-            </a:r>
-            <a:r>
-              <a:rPr lang="en-US" sz="3600" dirty="0">
-                <a:cs typeface="Arial"/>
-              </a:rPr>
-              <a:t>l</a:t>
-            </a:r>
-            <a:r>
-              <a:rPr lang="en-US" sz="3600" spc="5" dirty="0">
-                <a:cs typeface="Arial"/>
-              </a:rPr>
-              <a:t>u</a:t>
-            </a:r>
-            <a:r>
-              <a:rPr lang="en-US" sz="3600" dirty="0">
-                <a:cs typeface="Arial"/>
-              </a:rPr>
-              <a:t>e </a:t>
-            </a:r>
-            <a:r>
-              <a:rPr lang="en-US" sz="3600" spc="5" dirty="0">
-                <a:cs typeface="Arial"/>
-              </a:rPr>
-              <a:t>re</a:t>
-            </a:r>
-            <a:r>
-              <a:rPr lang="en-US" sz="3600" spc="-15" dirty="0">
-                <a:cs typeface="Arial"/>
-              </a:rPr>
-              <a:t>t</a:t>
-            </a:r>
-            <a:r>
-              <a:rPr lang="en-US" sz="3600" spc="5" dirty="0">
-                <a:cs typeface="Arial"/>
-              </a:rPr>
-              <a:t>urne</a:t>
-            </a:r>
-            <a:r>
-              <a:rPr lang="en-US" sz="3600" dirty="0">
-                <a:cs typeface="Arial"/>
-              </a:rPr>
-              <a:t>d </a:t>
-            </a:r>
-            <a:r>
-              <a:rPr lang="en-US" sz="3600" spc="5" dirty="0">
-                <a:cs typeface="Arial"/>
-              </a:rPr>
-              <a:t>b</a:t>
-            </a:r>
-            <a:r>
-              <a:rPr lang="en-US" sz="3600" dirty="0">
-                <a:cs typeface="Arial"/>
-              </a:rPr>
-              <a:t>y</a:t>
-            </a:r>
-            <a:r>
-              <a:rPr lang="en-US" sz="3600" spc="-5" dirty="0">
-                <a:cs typeface="Arial"/>
-              </a:rPr>
-              <a:t> </a:t>
-            </a:r>
-            <a:r>
-              <a:rPr lang="en-US" sz="3600" spc="-15" dirty="0">
-                <a:cs typeface="Arial"/>
-              </a:rPr>
-              <a:t>t</a:t>
-            </a:r>
-            <a:r>
-              <a:rPr lang="en-US" sz="3600" spc="5" dirty="0">
-                <a:cs typeface="Arial"/>
-              </a:rPr>
-              <a:t>h</a:t>
-            </a:r>
-            <a:r>
-              <a:rPr lang="en-US" sz="3600" dirty="0">
-                <a:cs typeface="Arial"/>
-              </a:rPr>
-              <a:t>e </a:t>
-            </a:r>
-            <a:r>
-              <a:rPr lang="en-US" sz="3600" b="1" spc="-10" dirty="0">
-                <a:solidFill>
-                  <a:schemeClr val="accent6"/>
-                </a:solidFill>
-                <a:cs typeface="Courier New"/>
-              </a:rPr>
-              <a:t>inpu</a:t>
-            </a:r>
-            <a:r>
-              <a:rPr lang="en-US" sz="3600" b="1" dirty="0">
-                <a:solidFill>
-                  <a:schemeClr val="accent6"/>
-                </a:solidFill>
-                <a:cs typeface="Courier New"/>
-              </a:rPr>
-              <a:t>t</a:t>
-            </a:r>
-            <a:r>
-              <a:rPr lang="en-US" sz="3600" spc="-915" dirty="0">
-                <a:cs typeface="Courier New"/>
-              </a:rPr>
-              <a:t> </a:t>
-            </a:r>
-            <a:r>
-              <a:rPr lang="en-US" sz="3600" spc="-15" dirty="0">
-                <a:cs typeface="Arial"/>
-              </a:rPr>
-              <a:t>f</a:t>
-            </a:r>
-            <a:r>
-              <a:rPr lang="en-US" sz="3600" spc="5" dirty="0">
-                <a:cs typeface="Arial"/>
-              </a:rPr>
-              <a:t>un</a:t>
-            </a:r>
-            <a:r>
-              <a:rPr lang="en-US" sz="3600" spc="-15" dirty="0">
-                <a:cs typeface="Arial"/>
-              </a:rPr>
-              <a:t>ct</a:t>
-            </a:r>
-            <a:r>
-              <a:rPr lang="en-US" sz="3600" dirty="0">
-                <a:cs typeface="Arial"/>
-              </a:rPr>
-              <a:t>i</a:t>
-            </a:r>
-            <a:r>
-              <a:rPr lang="en-US" sz="3600" spc="5" dirty="0">
-                <a:cs typeface="Arial"/>
-              </a:rPr>
-              <a:t>o</a:t>
-            </a:r>
-            <a:r>
-              <a:rPr lang="en-US" sz="3600" dirty="0">
-                <a:cs typeface="Arial"/>
-              </a:rPr>
-              <a:t>n is</a:t>
-            </a:r>
-            <a:r>
-              <a:rPr lang="en-US" sz="3600" spc="-5" dirty="0">
-                <a:cs typeface="Arial"/>
-              </a:rPr>
-              <a:t> </a:t>
-            </a:r>
-            <a:r>
-              <a:rPr lang="en-US" sz="3600" spc="5" dirty="0">
-                <a:cs typeface="Arial"/>
-              </a:rPr>
-              <a:t>a</a:t>
-            </a:r>
-            <a:r>
-              <a:rPr lang="en-US" sz="3600" dirty="0">
-                <a:cs typeface="Arial"/>
-              </a:rPr>
-              <a:t>lw</a:t>
-            </a:r>
-            <a:r>
-              <a:rPr lang="en-US" sz="3600" spc="5" dirty="0">
-                <a:cs typeface="Arial"/>
-              </a:rPr>
-              <a:t>a</a:t>
-            </a:r>
-            <a:r>
-              <a:rPr lang="en-US" sz="3600" dirty="0">
-                <a:cs typeface="Arial"/>
-              </a:rPr>
-              <a:t>ys</a:t>
-            </a:r>
-            <a:r>
-              <a:rPr lang="en-US" sz="3600" spc="-5" dirty="0">
-                <a:cs typeface="Arial"/>
-              </a:rPr>
-              <a:t> </a:t>
-            </a:r>
-            <a:r>
-              <a:rPr lang="en-US" sz="3600" dirty="0">
-                <a:cs typeface="Arial"/>
-              </a:rPr>
-              <a:t>a </a:t>
-            </a:r>
-            <a:r>
-              <a:rPr lang="en-US" sz="3600" spc="-15" dirty="0">
-                <a:cs typeface="Arial"/>
-              </a:rPr>
-              <a:t>st</a:t>
-            </a:r>
-            <a:r>
-              <a:rPr lang="en-US" sz="3600" spc="5" dirty="0">
-                <a:cs typeface="Arial"/>
-              </a:rPr>
-              <a:t>r</a:t>
-            </a:r>
-            <a:r>
-              <a:rPr lang="en-US" sz="3600" dirty="0">
-                <a:cs typeface="Arial"/>
-              </a:rPr>
-              <a:t>i</a:t>
-            </a:r>
-            <a:r>
-              <a:rPr lang="en-US" sz="3600" spc="5" dirty="0">
-                <a:cs typeface="Arial"/>
-              </a:rPr>
-              <a:t>n</a:t>
-            </a:r>
-            <a:r>
-              <a:rPr lang="en-US" sz="3600" dirty="0">
-                <a:cs typeface="Arial"/>
-              </a:rPr>
-              <a:t>g</a:t>
-            </a:r>
-            <a:r>
-              <a:rPr lang="en-US" sz="3600" dirty="0">
-                <a:solidFill>
-                  <a:schemeClr val="accent6"/>
-                </a:solidFill>
-                <a:cs typeface="Arial"/>
-              </a:rPr>
-              <a:t>.</a:t>
-            </a:r>
-          </a:p>
-          <a:p>
-            <a:endParaRPr lang="en-US" sz="3600" dirty="0">
-              <a:solidFill>
-                <a:schemeClr val="accent2"/>
-              </a:solidFill>
-            </a:endParaRPr>
-          </a:p>
-        </p:txBody>
-      </p:sp>
-      <p:sp>
-        <p:nvSpPr>
-          <p:cNvPr id="8" name="TextBox 7">
-            <a:extLst>
-              <a:ext uri="{FF2B5EF4-FFF2-40B4-BE49-F238E27FC236}">
-                <a16:creationId xmlns:a16="http://schemas.microsoft.com/office/drawing/2014/main" id="{EB29E47D-B930-4A54-B144-1C7894E46C69}"/>
+              <a:t>Function Definitions</a:t>
+            </a:r>
+            <a:endParaRPr lang="en-US" dirty="0"/>
+          </a:p>
+        </p:txBody>
+      </p:sp>
+      <p:sp>
+        <p:nvSpPr>
+          <p:cNvPr id="6" name="TextBox 5">
+            <a:extLst>
+              <a:ext uri="{FF2B5EF4-FFF2-40B4-BE49-F238E27FC236}">
+                <a16:creationId xmlns:a16="http://schemas.microsoft.com/office/drawing/2014/main" id="{7D79B1C4-D919-469A-8797-07B7F6DC5475}"/>
               </a:ext>
             </a:extLst>
           </p:cNvPr>
@@ -2756,8 +4471,8 @@
         </p:nvSpPr>
         <p:spPr>
           <a:xfrm>
-            <a:off x="1120344" y="3786165"/>
-            <a:ext cx="4344459" cy="646331"/>
+            <a:off x="2189362" y="3325211"/>
+            <a:ext cx="8023350" cy="1138773"/>
           </a:xfrm>
           <a:prstGeom prst="rect">
             <a:avLst/>
@@ -2771,22 +4486,558 @@
           <a:lstStyle/>
           <a:p>
             <a:r>
-              <a:rPr lang="en-US" sz="3600" b="1" dirty="0">
+              <a:rPr lang="en-US" sz="3400" b="1" dirty="0">
                 <a:solidFill>
                   <a:srgbClr val="00FF00"/>
                 </a:solidFill>
                 <a:latin typeface="Courier New" panose="02070309020205020404" pitchFamily="49" charset="0"/>
                 <a:cs typeface="Courier New" panose="02070309020205020404" pitchFamily="49" charset="0"/>
               </a:rPr>
-              <a:t>input(argument)</a:t>
-            </a:r>
+              <a:t>def function_body(parameters):</a:t>
+            </a:r>
+          </a:p>
+          <a:p>
+            <a:r>
+              <a:rPr lang="en-US" sz="3400" b="1" dirty="0">
+                <a:solidFill>
+                  <a:srgbClr val="00FF00"/>
+                </a:solidFill>
+                <a:latin typeface="Courier New" panose="02070309020205020404" pitchFamily="49" charset="0"/>
+                <a:cs typeface="Courier New" panose="02070309020205020404" pitchFamily="49" charset="0"/>
+              </a:rPr>
+              <a:t>    body</a:t>
+            </a:r>
+          </a:p>
+        </p:txBody>
+      </p:sp>
+      <p:sp>
+        <p:nvSpPr>
+          <p:cNvPr id="7" name="TextBox 6">
+            <a:extLst>
+              <a:ext uri="{FF2B5EF4-FFF2-40B4-BE49-F238E27FC236}">
+                <a16:creationId xmlns:a16="http://schemas.microsoft.com/office/drawing/2014/main" id="{7F12323C-2FFA-4040-B623-0EE9D4B14E9C}"/>
+              </a:ext>
+            </a:extLst>
+          </p:cNvPr>
+          <p:cNvSpPr txBox="1"/>
+          <p:nvPr/>
+        </p:nvSpPr>
+        <p:spPr>
+          <a:xfrm>
+            <a:off x="266950" y="3835260"/>
+            <a:ext cx="1290738" cy="523220"/>
+          </a:xfrm>
+          <a:prstGeom prst="rect">
+            <a:avLst/>
+          </a:prstGeom>
+          <a:noFill/>
+        </p:spPr>
+        <p:txBody>
+          <a:bodyPr wrap="none" rtlCol="0">
+            <a:spAutoFit/>
+          </a:bodyPr>
+          <a:lstStyle/>
+          <a:p>
+            <a:r>
+              <a:rPr lang="en-US" sz="2800" b="1" dirty="0">
+                <a:solidFill>
+                  <a:schemeClr val="accent6"/>
+                </a:solidFill>
+              </a:rPr>
+              <a:t>Indent</a:t>
+            </a:r>
+          </a:p>
+        </p:txBody>
+      </p:sp>
+      <p:sp>
+        <p:nvSpPr>
+          <p:cNvPr id="9" name="TextBox 8">
+            <a:extLst>
+              <a:ext uri="{FF2B5EF4-FFF2-40B4-BE49-F238E27FC236}">
+                <a16:creationId xmlns:a16="http://schemas.microsoft.com/office/drawing/2014/main" id="{A4687857-F0AB-4311-A958-03F4FCAC74A9}"/>
+              </a:ext>
+            </a:extLst>
+          </p:cNvPr>
+          <p:cNvSpPr txBox="1"/>
+          <p:nvPr/>
+        </p:nvSpPr>
+        <p:spPr>
+          <a:xfrm>
+            <a:off x="9326612" y="1729256"/>
+            <a:ext cx="1168910" cy="523220"/>
+          </a:xfrm>
+          <a:prstGeom prst="rect">
+            <a:avLst/>
+          </a:prstGeom>
+          <a:noFill/>
+        </p:spPr>
+        <p:txBody>
+          <a:bodyPr wrap="none" rtlCol="0">
+            <a:spAutoFit/>
+          </a:bodyPr>
+          <a:lstStyle/>
+          <a:p>
+            <a:r>
+              <a:rPr lang="en-US" sz="2800" b="1" dirty="0">
+                <a:solidFill>
+                  <a:schemeClr val="accent6"/>
+                </a:solidFill>
+              </a:rPr>
+              <a:t>Colon</a:t>
+            </a:r>
+          </a:p>
+        </p:txBody>
+      </p:sp>
+      <p:sp>
+        <p:nvSpPr>
+          <p:cNvPr id="10" name="Arrow: Right 9">
+            <a:extLst>
+              <a:ext uri="{FF2B5EF4-FFF2-40B4-BE49-F238E27FC236}">
+                <a16:creationId xmlns:a16="http://schemas.microsoft.com/office/drawing/2014/main" id="{F0D5E9A7-4256-460A-8761-796AD25700C5}"/>
+              </a:ext>
+            </a:extLst>
+          </p:cNvPr>
+          <p:cNvSpPr/>
+          <p:nvPr/>
+        </p:nvSpPr>
+        <p:spPr>
+          <a:xfrm rot="16200000" flipH="1">
+            <a:off x="9327536" y="2678689"/>
+            <a:ext cx="1167063" cy="318519"/>
+          </a:xfrm>
+          <a:prstGeom prst="rightArrow">
+            <a:avLst/>
+          </a:prstGeom>
+        </p:spPr>
+        <p:style>
+          <a:lnRef idx="2">
+            <a:schemeClr val="accent1">
+              <a:shade val="50000"/>
+            </a:schemeClr>
+          </a:lnRef>
+          <a:fillRef idx="1">
+            <a:schemeClr val="accent1"/>
+          </a:fillRef>
+          <a:effectRef idx="0">
+            <a:schemeClr val="accent1"/>
+          </a:effectRef>
+          <a:fontRef idx="minor">
+            <a:schemeClr val="lt1"/>
+          </a:fontRef>
+        </p:style>
+        <p:txBody>
+          <a:bodyPr rtlCol="0" anchor="ctr"/>
+          <a:lstStyle/>
+          <a:p>
+            <a:pPr algn="ctr"/>
+            <a:endParaRPr lang="en-US"/>
+          </a:p>
+        </p:txBody>
+      </p:sp>
+      <p:sp>
+        <p:nvSpPr>
+          <p:cNvPr id="12" name="TextBox 11">
+            <a:extLst>
+              <a:ext uri="{FF2B5EF4-FFF2-40B4-BE49-F238E27FC236}">
+                <a16:creationId xmlns:a16="http://schemas.microsoft.com/office/drawing/2014/main" id="{6C69617A-CEF8-4ADD-B763-0669DABE071A}"/>
+              </a:ext>
+            </a:extLst>
+          </p:cNvPr>
+          <p:cNvSpPr txBox="1"/>
+          <p:nvPr/>
+        </p:nvSpPr>
+        <p:spPr>
+          <a:xfrm>
+            <a:off x="1790644" y="1735114"/>
+            <a:ext cx="1883849" cy="523220"/>
+          </a:xfrm>
+          <a:prstGeom prst="rect">
+            <a:avLst/>
+          </a:prstGeom>
+          <a:noFill/>
+        </p:spPr>
+        <p:txBody>
+          <a:bodyPr wrap="none" rtlCol="0">
+            <a:spAutoFit/>
+          </a:bodyPr>
+          <a:lstStyle/>
+          <a:p>
+            <a:r>
+              <a:rPr lang="en-US" sz="2800" b="1" dirty="0">
+                <a:solidFill>
+                  <a:schemeClr val="accent6"/>
+                </a:solidFill>
+              </a:rPr>
+              <a:t>Definition</a:t>
+            </a:r>
+          </a:p>
+        </p:txBody>
+      </p:sp>
+      <p:sp>
+        <p:nvSpPr>
+          <p:cNvPr id="13" name="Arrow: Right 12">
+            <a:extLst>
+              <a:ext uri="{FF2B5EF4-FFF2-40B4-BE49-F238E27FC236}">
+                <a16:creationId xmlns:a16="http://schemas.microsoft.com/office/drawing/2014/main" id="{33840CED-EE2F-440E-96FA-9E37C87732A2}"/>
+              </a:ext>
+            </a:extLst>
+          </p:cNvPr>
+          <p:cNvSpPr/>
+          <p:nvPr/>
+        </p:nvSpPr>
+        <p:spPr>
+          <a:xfrm rot="16200000" flipH="1">
+            <a:off x="2134378" y="2691596"/>
+            <a:ext cx="1167063" cy="318519"/>
+          </a:xfrm>
+          <a:prstGeom prst="rightArrow">
+            <a:avLst/>
+          </a:prstGeom>
+        </p:spPr>
+        <p:style>
+          <a:lnRef idx="2">
+            <a:schemeClr val="accent1">
+              <a:shade val="50000"/>
+            </a:schemeClr>
+          </a:lnRef>
+          <a:fillRef idx="1">
+            <a:schemeClr val="accent1"/>
+          </a:fillRef>
+          <a:effectRef idx="0">
+            <a:schemeClr val="accent1"/>
+          </a:effectRef>
+          <a:fontRef idx="minor">
+            <a:schemeClr val="lt1"/>
+          </a:fontRef>
+        </p:style>
+        <p:txBody>
+          <a:bodyPr rtlCol="0" anchor="ctr"/>
+          <a:lstStyle/>
+          <a:p>
+            <a:pPr algn="ctr"/>
+            <a:endParaRPr lang="en-US"/>
+          </a:p>
+        </p:txBody>
+      </p:sp>
+      <p:sp>
+        <p:nvSpPr>
+          <p:cNvPr id="14" name="Arrow: Bent-Up 13">
+            <a:extLst>
+              <a:ext uri="{FF2B5EF4-FFF2-40B4-BE49-F238E27FC236}">
+                <a16:creationId xmlns:a16="http://schemas.microsoft.com/office/drawing/2014/main" id="{7D2B7045-1DA7-4134-8766-FEE26F01A905}"/>
+              </a:ext>
+            </a:extLst>
+          </p:cNvPr>
+          <p:cNvSpPr/>
+          <p:nvPr/>
+        </p:nvSpPr>
+        <p:spPr>
+          <a:xfrm flipH="1">
+            <a:off x="7681568" y="3961675"/>
+            <a:ext cx="1189481" cy="1004617"/>
+          </a:xfrm>
+          <a:prstGeom prst="bentUpArrow">
+            <a:avLst>
+              <a:gd name="adj1" fmla="val 14745"/>
+              <a:gd name="adj2" fmla="val 17675"/>
+              <a:gd name="adj3" fmla="val 25000"/>
+            </a:avLst>
+          </a:prstGeom>
+        </p:spPr>
+        <p:style>
+          <a:lnRef idx="2">
+            <a:schemeClr val="accent1">
+              <a:shade val="50000"/>
+            </a:schemeClr>
+          </a:lnRef>
+          <a:fillRef idx="1">
+            <a:schemeClr val="accent1"/>
+          </a:fillRef>
+          <a:effectRef idx="0">
+            <a:schemeClr val="accent1"/>
+          </a:effectRef>
+          <a:fontRef idx="minor">
+            <a:schemeClr val="lt1"/>
+          </a:fontRef>
+        </p:style>
+        <p:txBody>
+          <a:bodyPr rtlCol="0" anchor="ctr"/>
+          <a:lstStyle/>
+          <a:p>
+            <a:pPr algn="ctr"/>
+            <a:endParaRPr lang="en-US"/>
+          </a:p>
+        </p:txBody>
+      </p:sp>
+      <p:sp>
+        <p:nvSpPr>
+          <p:cNvPr id="15" name="TextBox 14">
+            <a:extLst>
+              <a:ext uri="{FF2B5EF4-FFF2-40B4-BE49-F238E27FC236}">
+                <a16:creationId xmlns:a16="http://schemas.microsoft.com/office/drawing/2014/main" id="{810CD0EB-7997-4DF1-9EAA-A66C9B1A3AEA}"/>
+              </a:ext>
+            </a:extLst>
+          </p:cNvPr>
+          <p:cNvSpPr txBox="1"/>
+          <p:nvPr/>
+        </p:nvSpPr>
+        <p:spPr>
+          <a:xfrm>
+            <a:off x="8979536" y="4579796"/>
+            <a:ext cx="2795830" cy="954107"/>
+          </a:xfrm>
+          <a:prstGeom prst="rect">
+            <a:avLst/>
+          </a:prstGeom>
+          <a:noFill/>
+        </p:spPr>
+        <p:txBody>
+          <a:bodyPr wrap="none" rtlCol="0">
+            <a:spAutoFit/>
+          </a:bodyPr>
+          <a:lstStyle/>
+          <a:p>
+            <a:r>
+              <a:rPr lang="en-US" sz="2800" b="1" dirty="0">
+                <a:solidFill>
+                  <a:schemeClr val="accent6"/>
+                </a:solidFill>
+              </a:rPr>
+              <a:t>(parameter1, </a:t>
+            </a:r>
+          </a:p>
+          <a:p>
+            <a:r>
+              <a:rPr lang="en-US" sz="2800" b="1" dirty="0">
+                <a:solidFill>
+                  <a:schemeClr val="accent6"/>
+                </a:solidFill>
+              </a:rPr>
+              <a:t>parameter2, …)</a:t>
+            </a:r>
+          </a:p>
+        </p:txBody>
+      </p:sp>
+      <p:sp>
+        <p:nvSpPr>
+          <p:cNvPr id="16" name="TextBox 15">
+            <a:extLst>
+              <a:ext uri="{FF2B5EF4-FFF2-40B4-BE49-F238E27FC236}">
+                <a16:creationId xmlns:a16="http://schemas.microsoft.com/office/drawing/2014/main" id="{27D5C05D-8F60-4E0A-A782-BE83C295388E}"/>
+              </a:ext>
+            </a:extLst>
+          </p:cNvPr>
+          <p:cNvSpPr txBox="1"/>
+          <p:nvPr/>
+        </p:nvSpPr>
+        <p:spPr>
+          <a:xfrm>
+            <a:off x="4085793" y="1728678"/>
+            <a:ext cx="2759089" cy="523220"/>
+          </a:xfrm>
+          <a:prstGeom prst="rect">
+            <a:avLst/>
+          </a:prstGeom>
+          <a:noFill/>
+        </p:spPr>
+        <p:txBody>
+          <a:bodyPr wrap="none" rtlCol="0">
+            <a:spAutoFit/>
+          </a:bodyPr>
+          <a:lstStyle/>
+          <a:p>
+            <a:r>
+              <a:rPr lang="en-US" sz="2800" b="1" dirty="0">
+                <a:solidFill>
+                  <a:schemeClr val="accent6"/>
+                </a:solidFill>
+              </a:rPr>
+              <a:t>Function Name</a:t>
+            </a:r>
+          </a:p>
+        </p:txBody>
+      </p:sp>
+      <p:sp>
+        <p:nvSpPr>
+          <p:cNvPr id="17" name="Arrow: Right 16">
+            <a:extLst>
+              <a:ext uri="{FF2B5EF4-FFF2-40B4-BE49-F238E27FC236}">
+                <a16:creationId xmlns:a16="http://schemas.microsoft.com/office/drawing/2014/main" id="{137CE59F-6893-4F72-85BB-211646130AAE}"/>
+              </a:ext>
+            </a:extLst>
+          </p:cNvPr>
+          <p:cNvSpPr/>
+          <p:nvPr/>
+        </p:nvSpPr>
+        <p:spPr>
+          <a:xfrm rot="16200000" flipH="1">
+            <a:off x="4881807" y="2691596"/>
+            <a:ext cx="1167063" cy="318519"/>
+          </a:xfrm>
+          <a:prstGeom prst="rightArrow">
+            <a:avLst/>
+          </a:prstGeom>
+        </p:spPr>
+        <p:style>
+          <a:lnRef idx="2">
+            <a:schemeClr val="accent1">
+              <a:shade val="50000"/>
+            </a:schemeClr>
+          </a:lnRef>
+          <a:fillRef idx="1">
+            <a:schemeClr val="accent1"/>
+          </a:fillRef>
+          <a:effectRef idx="0">
+            <a:schemeClr val="accent1"/>
+          </a:effectRef>
+          <a:fontRef idx="minor">
+            <a:schemeClr val="lt1"/>
+          </a:fontRef>
+        </p:style>
+        <p:txBody>
+          <a:bodyPr rtlCol="0" anchor="ctr"/>
+          <a:lstStyle/>
+          <a:p>
+            <a:pPr algn="ctr"/>
+            <a:endParaRPr lang="en-US"/>
+          </a:p>
+        </p:txBody>
+      </p:sp>
+      <p:sp>
+        <p:nvSpPr>
+          <p:cNvPr id="2" name="TextBox 1">
+            <a:extLst>
+              <a:ext uri="{FF2B5EF4-FFF2-40B4-BE49-F238E27FC236}">
+                <a16:creationId xmlns:a16="http://schemas.microsoft.com/office/drawing/2014/main" id="{20E38086-E06D-42AA-B72F-5F3175B75621}"/>
+              </a:ext>
+            </a:extLst>
+          </p:cNvPr>
+          <p:cNvSpPr txBox="1"/>
+          <p:nvPr/>
+        </p:nvSpPr>
+        <p:spPr>
+          <a:xfrm>
+            <a:off x="3649861" y="5978065"/>
+            <a:ext cx="3641061" cy="523220"/>
+          </a:xfrm>
+          <a:prstGeom prst="rect">
+            <a:avLst/>
+          </a:prstGeom>
+          <a:noFill/>
+        </p:spPr>
+        <p:txBody>
+          <a:bodyPr wrap="none" rtlCol="0">
+            <a:spAutoFit/>
+          </a:bodyPr>
+          <a:lstStyle/>
+          <a:p>
+            <a:r>
+              <a:rPr lang="en-US" sz="2800" b="1" dirty="0">
+                <a:solidFill>
+                  <a:srgbClr val="FFFFFF"/>
+                </a:solidFill>
+              </a:rPr>
+              <a:t>What is in the body?</a:t>
+            </a:r>
+          </a:p>
+        </p:txBody>
+      </p:sp>
+      <p:sp>
+        <p:nvSpPr>
+          <p:cNvPr id="18" name="Arrow: Right 17">
+            <a:extLst>
+              <a:ext uri="{FF2B5EF4-FFF2-40B4-BE49-F238E27FC236}">
+                <a16:creationId xmlns:a16="http://schemas.microsoft.com/office/drawing/2014/main" id="{C16A563C-A74F-45CA-99B3-DF977C57BC5D}"/>
+              </a:ext>
+            </a:extLst>
+          </p:cNvPr>
+          <p:cNvSpPr/>
+          <p:nvPr/>
+        </p:nvSpPr>
+        <p:spPr>
+          <a:xfrm rot="16200000">
+            <a:off x="3044527" y="5037119"/>
+            <a:ext cx="1529189" cy="318519"/>
+          </a:xfrm>
+          <a:prstGeom prst="rightArrow">
+            <a:avLst/>
+          </a:prstGeom>
+        </p:spPr>
+        <p:style>
+          <a:lnRef idx="2">
+            <a:schemeClr val="accent1">
+              <a:shade val="50000"/>
+            </a:schemeClr>
+          </a:lnRef>
+          <a:fillRef idx="1">
+            <a:schemeClr val="accent1"/>
+          </a:fillRef>
+          <a:effectRef idx="0">
+            <a:schemeClr val="accent1"/>
+          </a:effectRef>
+          <a:fontRef idx="minor">
+            <a:schemeClr val="lt1"/>
+          </a:fontRef>
+        </p:style>
+        <p:txBody>
+          <a:bodyPr rtlCol="0" anchor="ctr"/>
+          <a:lstStyle/>
+          <a:p>
+            <a:pPr algn="ctr"/>
+            <a:endParaRPr lang="en-US"/>
+          </a:p>
+        </p:txBody>
+      </p:sp>
+      <p:sp>
+        <p:nvSpPr>
+          <p:cNvPr id="19" name="Arrow: Right 18">
+            <a:extLst>
+              <a:ext uri="{FF2B5EF4-FFF2-40B4-BE49-F238E27FC236}">
+                <a16:creationId xmlns:a16="http://schemas.microsoft.com/office/drawing/2014/main" id="{6C8AADCE-37DE-487B-845B-B08E97811B42}"/>
+              </a:ext>
+            </a:extLst>
+          </p:cNvPr>
+          <p:cNvSpPr/>
+          <p:nvPr/>
+        </p:nvSpPr>
+        <p:spPr>
+          <a:xfrm>
+            <a:off x="1617848" y="3985739"/>
+            <a:ext cx="1479131" cy="318519"/>
+          </a:xfrm>
+          <a:prstGeom prst="rightArrow">
+            <a:avLst/>
+          </a:prstGeom>
+        </p:spPr>
+        <p:style>
+          <a:lnRef idx="2">
+            <a:schemeClr val="accent1">
+              <a:shade val="50000"/>
+            </a:schemeClr>
+          </a:lnRef>
+          <a:fillRef idx="1">
+            <a:schemeClr val="accent1"/>
+          </a:fillRef>
+          <a:effectRef idx="0">
+            <a:schemeClr val="accent1"/>
+          </a:effectRef>
+          <a:fontRef idx="minor">
+            <a:schemeClr val="lt1"/>
+          </a:fontRef>
+        </p:style>
+        <p:txBody>
+          <a:bodyPr rtlCol="0" anchor="ctr"/>
+          <a:lstStyle/>
+          <a:p>
+            <a:pPr algn="ctr"/>
+            <a:endParaRPr lang="en-US"/>
           </a:p>
         </p:txBody>
       </p:sp>
     </p:spTree>
     <p:extLst>
       <p:ext uri="{BB962C8B-B14F-4D97-AF65-F5344CB8AC3E}">
-        <p14:creationId xmlns:p14="http://schemas.microsoft.com/office/powerpoint/2010/main" val="2264978724"/>
+        <p14:creationId xmlns:p14="http://schemas.microsoft.com/office/powerpoint/2010/main" val="2980881255"/>
       </p:ext>
     </p:extLst>
   </p:cSld>
@@ -2815,6 +5066,1340 @@
       </p:grpSpPr>
       <p:sp>
         <p:nvSpPr>
+          <p:cNvPr id="4" name="Title 3">
+            <a:extLst>
+              <a:ext uri="{FF2B5EF4-FFF2-40B4-BE49-F238E27FC236}">
+                <a16:creationId xmlns:a16="http://schemas.microsoft.com/office/drawing/2014/main" id="{0EB27ED3-99BE-43B6-86FA-80909274D493}"/>
+              </a:ext>
+            </a:extLst>
+          </p:cNvPr>
+          <p:cNvSpPr>
+            <a:spLocks noGrp="1"/>
+          </p:cNvSpPr>
+          <p:nvPr>
+            <p:ph type="title"/>
+          </p:nvPr>
+        </p:nvSpPr>
+        <p:spPr/>
+        <p:txBody>
+          <a:bodyPr>
+            <a:normAutofit fontScale="90000"/>
+          </a:bodyPr>
+          <a:lstStyle/>
+          <a:p>
+            <a:r>
+              <a:rPr lang="en-US" b="1" dirty="0"/>
+              <a:t>Function Definitions</a:t>
+            </a:r>
+            <a:endParaRPr lang="en-US" dirty="0"/>
+          </a:p>
+        </p:txBody>
+      </p:sp>
+      <p:sp>
+        <p:nvSpPr>
+          <p:cNvPr id="2" name="Content Placeholder 1">
+            <a:extLst>
+              <a:ext uri="{FF2B5EF4-FFF2-40B4-BE49-F238E27FC236}">
+                <a16:creationId xmlns:a16="http://schemas.microsoft.com/office/drawing/2014/main" id="{54EE2BA1-F634-3F24-3A8A-6D8A5280BCFD}"/>
+              </a:ext>
+            </a:extLst>
+          </p:cNvPr>
+          <p:cNvSpPr>
+            <a:spLocks noGrp="1"/>
+          </p:cNvSpPr>
+          <p:nvPr>
+            <p:ph idx="1"/>
+          </p:nvPr>
+        </p:nvSpPr>
+        <p:spPr/>
+        <p:txBody>
+          <a:bodyPr/>
+          <a:lstStyle/>
+          <a:p>
+            <a:endParaRPr lang="en-US"/>
+          </a:p>
+        </p:txBody>
+      </p:sp>
+      <p:sp>
+        <p:nvSpPr>
+          <p:cNvPr id="18" name="TextBox 17">
+            <a:extLst>
+              <a:ext uri="{FF2B5EF4-FFF2-40B4-BE49-F238E27FC236}">
+                <a16:creationId xmlns:a16="http://schemas.microsoft.com/office/drawing/2014/main" id="{2D8DCC0B-F25E-4FFA-9CB4-823A8DBF05C9}"/>
+              </a:ext>
+            </a:extLst>
+          </p:cNvPr>
+          <p:cNvSpPr txBox="1"/>
+          <p:nvPr/>
+        </p:nvSpPr>
+        <p:spPr>
+          <a:xfrm>
+            <a:off x="244637" y="1742379"/>
+            <a:ext cx="7371347" cy="5693866"/>
+          </a:xfrm>
+          <a:prstGeom prst="rect">
+            <a:avLst/>
+          </a:prstGeom>
+          <a:noFill/>
+        </p:spPr>
+        <p:txBody>
+          <a:bodyPr wrap="square" rtlCol="0">
+            <a:spAutoFit/>
+          </a:bodyPr>
+          <a:lstStyle/>
+          <a:p>
+            <a:r>
+              <a:rPr lang="en-US" sz="2800" b="1" dirty="0">
+                <a:solidFill>
+                  <a:srgbClr val="00B050"/>
+                </a:solidFill>
+                <a:latin typeface="Courier New" panose="02070309020205020404" pitchFamily="49" charset="0"/>
+                <a:cs typeface="Courier New" panose="02070309020205020404" pitchFamily="49" charset="0"/>
+              </a:rPr>
+              <a:t>d</a:t>
+            </a:r>
+            <a:r>
+              <a:rPr lang="en-US" sz="2800" b="1" dirty="0">
+                <a:solidFill>
+                  <a:srgbClr val="00FF00"/>
+                </a:solidFill>
+                <a:latin typeface="Courier New" panose="02070309020205020404" pitchFamily="49" charset="0"/>
+                <a:cs typeface="Courier New" panose="02070309020205020404" pitchFamily="49" charset="0"/>
+              </a:rPr>
+              <a:t>ef function_body(parameters):</a:t>
+            </a:r>
+          </a:p>
+          <a:p>
+            <a:r>
+              <a:rPr lang="en-US" sz="2800" b="1" dirty="0">
+                <a:solidFill>
+                  <a:schemeClr val="accent6"/>
+                </a:solidFill>
+                <a:latin typeface="Courier New" panose="02070309020205020404" pitchFamily="49" charset="0"/>
+                <a:cs typeface="Courier New" panose="02070309020205020404" pitchFamily="49" charset="0"/>
+              </a:rPr>
+              <a:t>    </a:t>
+            </a:r>
+          </a:p>
+          <a:p>
+            <a:r>
+              <a:rPr lang="en-US" sz="2800" b="1" dirty="0">
+                <a:solidFill>
+                  <a:schemeClr val="accent6"/>
+                </a:solidFill>
+                <a:latin typeface="Courier New" panose="02070309020205020404" pitchFamily="49" charset="0"/>
+                <a:cs typeface="Courier New" panose="02070309020205020404" pitchFamily="49" charset="0"/>
+              </a:rPr>
+              <a:t>	1. </a:t>
+            </a:r>
+            <a:r>
+              <a:rPr lang="en-US" sz="2800" b="1" dirty="0">
+                <a:solidFill>
+                  <a:srgbClr val="FF5050"/>
+                </a:solidFill>
+                <a:latin typeface="Courier New" panose="02070309020205020404" pitchFamily="49" charset="0"/>
+                <a:cs typeface="Courier New" panose="02070309020205020404" pitchFamily="49" charset="0"/>
+              </a:rPr>
+              <a:t>“““DOCSTRING””” (optional)</a:t>
+            </a:r>
+          </a:p>
+          <a:p>
+            <a:endParaRPr lang="en-US" sz="2800" b="1" dirty="0">
+              <a:solidFill>
+                <a:schemeClr val="accent6"/>
+              </a:solidFill>
+              <a:latin typeface="Courier New" panose="02070309020205020404" pitchFamily="49" charset="0"/>
+              <a:cs typeface="Courier New" panose="02070309020205020404" pitchFamily="49" charset="0"/>
+            </a:endParaRPr>
+          </a:p>
+          <a:p>
+            <a:r>
+              <a:rPr lang="en-US" sz="2800" b="1" dirty="0">
+                <a:solidFill>
+                  <a:schemeClr val="accent6"/>
+                </a:solidFill>
+                <a:latin typeface="Courier New" panose="02070309020205020404" pitchFamily="49" charset="0"/>
+                <a:cs typeface="Courier New" panose="02070309020205020404" pitchFamily="49" charset="0"/>
+              </a:rPr>
+              <a:t>	2. </a:t>
+            </a:r>
+            <a:r>
+              <a:rPr lang="en-US" sz="2800" b="1" dirty="0">
+                <a:solidFill>
+                  <a:srgbClr val="FFFFFF"/>
+                </a:solidFill>
+                <a:latin typeface="Courier New" panose="02070309020205020404" pitchFamily="49" charset="0"/>
+                <a:cs typeface="Courier New" panose="02070309020205020404" pitchFamily="49" charset="0"/>
+              </a:rPr>
+              <a:t>Code the does the thing</a:t>
+            </a:r>
+          </a:p>
+          <a:p>
+            <a:endParaRPr lang="en-US" sz="2800" b="1" dirty="0">
+              <a:solidFill>
+                <a:schemeClr val="accent6"/>
+              </a:solidFill>
+              <a:latin typeface="Courier New" panose="02070309020205020404" pitchFamily="49" charset="0"/>
+              <a:cs typeface="Courier New" panose="02070309020205020404" pitchFamily="49" charset="0"/>
+            </a:endParaRPr>
+          </a:p>
+          <a:p>
+            <a:r>
+              <a:rPr lang="en-US" sz="2800" b="1" dirty="0">
+                <a:solidFill>
+                  <a:schemeClr val="accent6"/>
+                </a:solidFill>
+                <a:latin typeface="Courier New" panose="02070309020205020404" pitchFamily="49" charset="0"/>
+                <a:cs typeface="Courier New" panose="02070309020205020404" pitchFamily="49" charset="0"/>
+              </a:rPr>
+              <a:t>	3. </a:t>
+            </a:r>
+            <a:r>
+              <a:rPr lang="en-US" sz="2800" b="1" dirty="0">
+                <a:solidFill>
+                  <a:srgbClr val="00FF00"/>
+                </a:solidFill>
+                <a:latin typeface="Courier New" panose="02070309020205020404" pitchFamily="49" charset="0"/>
+                <a:cs typeface="Courier New" panose="02070309020205020404" pitchFamily="49" charset="0"/>
+              </a:rPr>
+              <a:t>return</a:t>
+            </a:r>
+            <a:r>
+              <a:rPr lang="en-US" sz="2800" b="1" dirty="0">
+                <a:solidFill>
+                  <a:schemeClr val="accent6"/>
+                </a:solidFill>
+                <a:latin typeface="Courier New" panose="02070309020205020404" pitchFamily="49" charset="0"/>
+                <a:cs typeface="Courier New" panose="02070309020205020404" pitchFamily="49" charset="0"/>
+              </a:rPr>
+              <a:t> [expression]</a:t>
+            </a:r>
+          </a:p>
+          <a:p>
+            <a:r>
+              <a:rPr lang="en-US" sz="2800" b="1" dirty="0">
+                <a:solidFill>
+                  <a:schemeClr val="accent6"/>
+                </a:solidFill>
+                <a:latin typeface="Courier New" panose="02070309020205020404" pitchFamily="49" charset="0"/>
+                <a:cs typeface="Courier New" panose="02070309020205020404" pitchFamily="49" charset="0"/>
+              </a:rPr>
+              <a:t>	   </a:t>
+            </a:r>
+            <a:r>
+              <a:rPr lang="en-US" sz="2800" b="1" dirty="0">
+                <a:solidFill>
+                  <a:srgbClr val="FFFFFF"/>
+                </a:solidFill>
+                <a:latin typeface="Courier New" panose="02070309020205020404" pitchFamily="49" charset="0"/>
+                <a:cs typeface="Courier New" panose="02070309020205020404" pitchFamily="49" charset="0"/>
+              </a:rPr>
+              <a:t>The </a:t>
+            </a:r>
+            <a:r>
+              <a:rPr lang="en-US" sz="2800" b="1" dirty="0">
+                <a:solidFill>
+                  <a:srgbClr val="00FF00"/>
+                </a:solidFill>
+                <a:latin typeface="Courier New" panose="02070309020205020404" pitchFamily="49" charset="0"/>
+                <a:cs typeface="Courier New" panose="02070309020205020404" pitchFamily="49" charset="0"/>
+              </a:rPr>
+              <a:t>return</a:t>
+            </a:r>
+            <a:r>
+              <a:rPr lang="en-US" sz="2800" b="1" dirty="0">
+                <a:solidFill>
+                  <a:srgbClr val="FFFFFF"/>
+                </a:solidFill>
+                <a:latin typeface="Courier New" panose="02070309020205020404" pitchFamily="49" charset="0"/>
+                <a:cs typeface="Courier New" panose="02070309020205020404" pitchFamily="49" charset="0"/>
+              </a:rPr>
+              <a:t> statement is 	   options and if it is not 	   included</a:t>
+            </a:r>
+            <a:r>
+              <a:rPr lang="en-US" sz="2800" b="1" dirty="0">
+                <a:solidFill>
+                  <a:schemeClr val="accent2"/>
+                </a:solidFill>
+                <a:latin typeface="Courier New" panose="02070309020205020404" pitchFamily="49" charset="0"/>
+                <a:cs typeface="Courier New" panose="02070309020205020404" pitchFamily="49" charset="0"/>
+              </a:rPr>
+              <a:t>,</a:t>
+            </a:r>
+            <a:r>
+              <a:rPr lang="en-US" sz="2800" b="1" dirty="0">
+                <a:solidFill>
+                  <a:srgbClr val="FFFFFF"/>
+                </a:solidFill>
+                <a:latin typeface="Courier New" panose="02070309020205020404" pitchFamily="49" charset="0"/>
+                <a:cs typeface="Courier New" panose="02070309020205020404" pitchFamily="49" charset="0"/>
+              </a:rPr>
+              <a:t> it</a:t>
+            </a:r>
+            <a:r>
+              <a:rPr lang="en-US" sz="2800" b="1" dirty="0">
+                <a:solidFill>
+                  <a:schemeClr val="accent2"/>
+                </a:solidFill>
+                <a:latin typeface="Courier New" panose="02070309020205020404" pitchFamily="49" charset="0"/>
+                <a:cs typeface="Courier New" panose="02070309020205020404" pitchFamily="49" charset="0"/>
+              </a:rPr>
+              <a:t>’</a:t>
+            </a:r>
+            <a:r>
+              <a:rPr lang="en-US" sz="2800" b="1" dirty="0">
+                <a:solidFill>
+                  <a:srgbClr val="FFFFFF"/>
+                </a:solidFill>
+                <a:latin typeface="Courier New" panose="02070309020205020404" pitchFamily="49" charset="0"/>
+                <a:cs typeface="Courier New" panose="02070309020205020404" pitchFamily="49" charset="0"/>
+              </a:rPr>
+              <a:t>s the same as  	   writing </a:t>
+            </a:r>
+            <a:r>
+              <a:rPr lang="en-US" sz="2800" b="1" dirty="0">
+                <a:solidFill>
+                  <a:srgbClr val="00FF00"/>
+                </a:solidFill>
+                <a:latin typeface="Courier New" panose="02070309020205020404" pitchFamily="49" charset="0"/>
+                <a:cs typeface="Courier New" panose="02070309020205020404" pitchFamily="49" charset="0"/>
+              </a:rPr>
+              <a:t>return</a:t>
+            </a:r>
+            <a:r>
+              <a:rPr lang="en-US" sz="2800" b="1" dirty="0">
+                <a:solidFill>
+                  <a:srgbClr val="00B050"/>
+                </a:solidFill>
+                <a:latin typeface="Courier New" panose="02070309020205020404" pitchFamily="49" charset="0"/>
+                <a:cs typeface="Courier New" panose="02070309020205020404" pitchFamily="49" charset="0"/>
+              </a:rPr>
+              <a:t> </a:t>
+            </a:r>
+            <a:r>
+              <a:rPr lang="en-US" sz="2800" b="1" dirty="0">
+                <a:solidFill>
+                  <a:schemeClr val="accent6"/>
+                </a:solidFill>
+                <a:latin typeface="Courier New" panose="02070309020205020404" pitchFamily="49" charset="0"/>
+                <a:cs typeface="Courier New" panose="02070309020205020404" pitchFamily="49" charset="0"/>
+              </a:rPr>
+              <a:t>None</a:t>
+            </a:r>
+          </a:p>
+          <a:p>
+            <a:endParaRPr lang="en-US" sz="2800" b="1" dirty="0">
+              <a:solidFill>
+                <a:schemeClr val="accent6"/>
+              </a:solidFill>
+              <a:latin typeface="Courier New" panose="02070309020205020404" pitchFamily="49" charset="0"/>
+              <a:cs typeface="Courier New" panose="02070309020205020404" pitchFamily="49" charset="0"/>
+            </a:endParaRPr>
+          </a:p>
+          <a:p>
+            <a:r>
+              <a:rPr lang="en-US" sz="2800" b="1" dirty="0">
+                <a:solidFill>
+                  <a:schemeClr val="accent6"/>
+                </a:solidFill>
+                <a:latin typeface="Courier New" panose="02070309020205020404" pitchFamily="49" charset="0"/>
+                <a:cs typeface="Courier New" panose="02070309020205020404" pitchFamily="49" charset="0"/>
+              </a:rPr>
+              <a:t>	   		</a:t>
+            </a:r>
+          </a:p>
+        </p:txBody>
+      </p:sp>
+    </p:spTree>
+    <p:extLst>
+      <p:ext uri="{BB962C8B-B14F-4D97-AF65-F5344CB8AC3E}">
+        <p14:creationId xmlns:p14="http://schemas.microsoft.com/office/powerpoint/2010/main" val="1454447246"/>
+      </p:ext>
+    </p:extLst>
+  </p:cSld>
+  <p:clrMapOvr>
+    <a:masterClrMapping/>
+  </p:clrMapOvr>
+</p:sld>
+</file>
+
+<file path=ppt/slides/slide14.xml><?xml version="1.0" encoding="utf-8"?>
+<p:sld xmlns:a="http://schemas.openxmlformats.org/drawingml/2006/main" xmlns:r="http://schemas.openxmlformats.org/officeDocument/2006/relationships" xmlns:p="http://schemas.openxmlformats.org/presentationml/2006/main">
+  <p:cSld>
+    <p:spTree>
+      <p:nvGrpSpPr>
+        <p:cNvPr id="1" name=""/>
+        <p:cNvGrpSpPr/>
+        <p:nvPr/>
+      </p:nvGrpSpPr>
+      <p:grpSpPr>
+        <a:xfrm>
+          <a:off x="0" y="0"/>
+          <a:ext cx="0" cy="0"/>
+          <a:chOff x="0" y="0"/>
+          <a:chExt cx="0" cy="0"/>
+        </a:xfrm>
+      </p:grpSpPr>
+      <p:sp>
+        <p:nvSpPr>
+          <p:cNvPr id="2" name="Title 1">
+            <a:extLst>
+              <a:ext uri="{FF2B5EF4-FFF2-40B4-BE49-F238E27FC236}">
+                <a16:creationId xmlns:a16="http://schemas.microsoft.com/office/drawing/2014/main" id="{7A767310-910C-4BA5-A20E-AB3697376448}"/>
+              </a:ext>
+            </a:extLst>
+          </p:cNvPr>
+          <p:cNvSpPr>
+            <a:spLocks noGrp="1"/>
+          </p:cNvSpPr>
+          <p:nvPr>
+            <p:ph type="title"/>
+          </p:nvPr>
+        </p:nvSpPr>
+        <p:spPr/>
+        <p:txBody>
+          <a:bodyPr>
+            <a:normAutofit fontScale="90000"/>
+          </a:bodyPr>
+          <a:lstStyle/>
+          <a:p>
+            <a:r>
+              <a:rPr lang="en-US" dirty="0"/>
+              <a:t>Calling Functions</a:t>
+            </a:r>
+          </a:p>
+        </p:txBody>
+      </p:sp>
+      <p:sp>
+        <p:nvSpPr>
+          <p:cNvPr id="4" name="Content Placeholder 3">
+            <a:extLst>
+              <a:ext uri="{FF2B5EF4-FFF2-40B4-BE49-F238E27FC236}">
+                <a16:creationId xmlns:a16="http://schemas.microsoft.com/office/drawing/2014/main" id="{236E29CA-6C02-44B9-BA97-A472C5522EAD}"/>
+              </a:ext>
+            </a:extLst>
+          </p:cNvPr>
+          <p:cNvSpPr>
+            <a:spLocks noGrp="1"/>
+          </p:cNvSpPr>
+          <p:nvPr>
+            <p:ph idx="1"/>
+          </p:nvPr>
+        </p:nvSpPr>
+        <p:spPr/>
+        <p:txBody>
+          <a:bodyPr>
+            <a:normAutofit/>
+          </a:bodyPr>
+          <a:lstStyle/>
+          <a:p>
+            <a:r>
+              <a:rPr lang="en-US" sz="3200" dirty="0"/>
+              <a:t>The general form of a function call</a:t>
+            </a:r>
+            <a:r>
+              <a:rPr lang="en-US" sz="3200" dirty="0">
+                <a:solidFill>
+                  <a:schemeClr val="accent1"/>
+                </a:solidFill>
+              </a:rPr>
+              <a:t>:</a:t>
+            </a:r>
+          </a:p>
+          <a:p>
+            <a:endParaRPr lang="en-US" sz="3200" dirty="0"/>
+          </a:p>
+          <a:p>
+            <a:endParaRPr lang="en-US" sz="3200" dirty="0"/>
+          </a:p>
+          <a:p>
+            <a:endParaRPr lang="en-US" sz="3200" dirty="0"/>
+          </a:p>
+          <a:p>
+            <a:r>
+              <a:rPr lang="en-US" sz="3200" dirty="0"/>
+              <a:t>Terminology</a:t>
+            </a:r>
+          </a:p>
+          <a:p>
+            <a:pPr lvl="1"/>
+            <a:r>
+              <a:rPr lang="en-US" i="1" dirty="0">
+                <a:solidFill>
+                  <a:schemeClr val="accent6"/>
+                </a:solidFill>
+              </a:rPr>
+              <a:t>argument</a:t>
+            </a:r>
+            <a:r>
+              <a:rPr lang="en-US" dirty="0">
+                <a:solidFill>
+                  <a:schemeClr val="accent2"/>
+                </a:solidFill>
+              </a:rPr>
+              <a:t>:</a:t>
+            </a:r>
+            <a:r>
+              <a:rPr lang="en-US" dirty="0"/>
+              <a:t> a value given to a function</a:t>
+            </a:r>
+            <a:r>
+              <a:rPr lang="en-US" dirty="0">
+                <a:solidFill>
+                  <a:schemeClr val="accent2"/>
+                </a:solidFill>
+              </a:rPr>
+              <a:t>.</a:t>
+            </a:r>
+          </a:p>
+          <a:p>
+            <a:pPr lvl="1"/>
+            <a:r>
+              <a:rPr lang="en-US" i="1" dirty="0">
+                <a:solidFill>
+                  <a:schemeClr val="accent6"/>
+                </a:solidFill>
+              </a:rPr>
+              <a:t>pass</a:t>
+            </a:r>
+            <a:r>
+              <a:rPr lang="en-US" dirty="0">
+                <a:solidFill>
+                  <a:schemeClr val="accent2"/>
+                </a:solidFill>
+              </a:rPr>
+              <a:t>:</a:t>
+            </a:r>
+            <a:r>
+              <a:rPr lang="en-US" dirty="0"/>
+              <a:t> to provide an argument to a function</a:t>
+            </a:r>
+            <a:r>
+              <a:rPr lang="en-US" dirty="0">
+                <a:solidFill>
+                  <a:schemeClr val="accent2"/>
+                </a:solidFill>
+              </a:rPr>
+              <a:t>.</a:t>
+            </a:r>
+          </a:p>
+          <a:p>
+            <a:pPr lvl="1"/>
+            <a:r>
+              <a:rPr lang="en-US" i="1" dirty="0">
+                <a:solidFill>
+                  <a:schemeClr val="accent6"/>
+                </a:solidFill>
+              </a:rPr>
+              <a:t>call</a:t>
+            </a:r>
+            <a:r>
+              <a:rPr lang="en-US" dirty="0">
+                <a:solidFill>
+                  <a:schemeClr val="accent2"/>
+                </a:solidFill>
+              </a:rPr>
+              <a:t>:</a:t>
+            </a:r>
+            <a:r>
+              <a:rPr lang="en-US" dirty="0"/>
+              <a:t> ask Python to execute a function </a:t>
+            </a:r>
+            <a:r>
+              <a:rPr lang="en-US" dirty="0">
+                <a:solidFill>
+                  <a:schemeClr val="accent6"/>
+                </a:solidFill>
+              </a:rPr>
+              <a:t>(</a:t>
+            </a:r>
+            <a:r>
+              <a:rPr lang="en-US" dirty="0"/>
+              <a:t>by name</a:t>
+            </a:r>
+            <a:r>
+              <a:rPr lang="en-US" dirty="0">
+                <a:solidFill>
+                  <a:schemeClr val="accent6"/>
+                </a:solidFill>
+              </a:rPr>
+              <a:t>)</a:t>
+            </a:r>
+            <a:r>
+              <a:rPr lang="en-US" dirty="0">
+                <a:solidFill>
+                  <a:schemeClr val="accent2"/>
+                </a:solidFill>
+              </a:rPr>
+              <a:t>.</a:t>
+            </a:r>
+          </a:p>
+          <a:p>
+            <a:pPr lvl="1"/>
+            <a:r>
+              <a:rPr lang="en-US" i="1" dirty="0">
+                <a:solidFill>
+                  <a:schemeClr val="accent6"/>
+                </a:solidFill>
+              </a:rPr>
+              <a:t>return</a:t>
+            </a:r>
+            <a:r>
+              <a:rPr lang="en-US" dirty="0">
+                <a:solidFill>
+                  <a:schemeClr val="accent2"/>
+                </a:solidFill>
+              </a:rPr>
+              <a:t>:</a:t>
+            </a:r>
+            <a:r>
+              <a:rPr lang="en-US" dirty="0"/>
+              <a:t> give a value back to where the function was called from</a:t>
+            </a:r>
+            <a:r>
+              <a:rPr lang="en-US" dirty="0">
+                <a:solidFill>
+                  <a:schemeClr val="accent2"/>
+                </a:solidFill>
+              </a:rPr>
+              <a:t>.</a:t>
+            </a:r>
+          </a:p>
+        </p:txBody>
+      </p:sp>
+      <p:sp>
+        <p:nvSpPr>
+          <p:cNvPr id="5" name="TextBox 4">
+            <a:extLst>
+              <a:ext uri="{FF2B5EF4-FFF2-40B4-BE49-F238E27FC236}">
+                <a16:creationId xmlns:a16="http://schemas.microsoft.com/office/drawing/2014/main" id="{3D0D1CD2-F639-4E50-AF59-FB755AA99606}"/>
+              </a:ext>
+            </a:extLst>
+          </p:cNvPr>
+          <p:cNvSpPr txBox="1"/>
+          <p:nvPr/>
+        </p:nvSpPr>
+        <p:spPr>
+          <a:xfrm>
+            <a:off x="1070811" y="2899611"/>
+            <a:ext cx="6840334" cy="646331"/>
+          </a:xfrm>
+          <a:prstGeom prst="rect">
+            <a:avLst/>
+          </a:prstGeom>
+          <a:noFill/>
+        </p:spPr>
+        <p:txBody>
+          <a:bodyPr wrap="none" rtlCol="0">
+            <a:spAutoFit/>
+          </a:bodyPr>
+          <a:lstStyle/>
+          <a:p>
+            <a:r>
+              <a:rPr lang="en-US" sz="3600" b="1" dirty="0">
+                <a:solidFill>
+                  <a:srgbClr val="00FF00"/>
+                </a:solidFill>
+                <a:latin typeface="Courier New"/>
+                <a:cs typeface="Courier New"/>
+              </a:rPr>
+              <a:t>function_name(arguments)</a:t>
+            </a:r>
+            <a:endParaRPr lang="en-US" sz="3600" dirty="0">
+              <a:solidFill>
+                <a:srgbClr val="00FF00"/>
+              </a:solidFill>
+              <a:latin typeface="Courier New"/>
+              <a:cs typeface="Courier New"/>
+            </a:endParaRPr>
+          </a:p>
+        </p:txBody>
+      </p:sp>
+      <p:sp>
+        <p:nvSpPr>
+          <p:cNvPr id="6" name="TextBox 5">
+            <a:extLst>
+              <a:ext uri="{FF2B5EF4-FFF2-40B4-BE49-F238E27FC236}">
+                <a16:creationId xmlns:a16="http://schemas.microsoft.com/office/drawing/2014/main" id="{745E91EA-16FE-42A1-BEE6-E4835774F3E9}"/>
+              </a:ext>
+            </a:extLst>
+          </p:cNvPr>
+          <p:cNvSpPr txBox="1"/>
+          <p:nvPr/>
+        </p:nvSpPr>
+        <p:spPr>
+          <a:xfrm>
+            <a:off x="8702271" y="622896"/>
+            <a:ext cx="3333318" cy="4401205"/>
+          </a:xfrm>
+          <a:prstGeom prst="rect">
+            <a:avLst/>
+          </a:prstGeom>
+          <a:noFill/>
+        </p:spPr>
+        <p:txBody>
+          <a:bodyPr wrap="square" rtlCol="0">
+            <a:spAutoFit/>
+          </a:bodyPr>
+          <a:lstStyle/>
+          <a:p>
+            <a:r>
+              <a:rPr lang="en-US" sz="2800" dirty="0">
+                <a:solidFill>
+                  <a:schemeClr val="accent6"/>
+                </a:solidFill>
+              </a:rPr>
+              <a:t>In </a:t>
+            </a:r>
+            <a:r>
+              <a:rPr lang="en-US" sz="2800" b="1" dirty="0">
+                <a:solidFill>
+                  <a:schemeClr val="accent1"/>
+                </a:solidFill>
+              </a:rPr>
+              <a:t>Python</a:t>
+            </a:r>
+            <a:r>
+              <a:rPr lang="en-US" sz="2800" dirty="0">
+                <a:solidFill>
+                  <a:schemeClr val="accent6"/>
+                </a:solidFill>
+              </a:rPr>
+              <a:t> names of variables and functions use low case and underscores</a:t>
+            </a:r>
+            <a:r>
+              <a:rPr lang="en-US" sz="2800" dirty="0">
+                <a:solidFill>
+                  <a:schemeClr val="accent1"/>
+                </a:solidFill>
+              </a:rPr>
+              <a:t>.</a:t>
+            </a:r>
+          </a:p>
+          <a:p>
+            <a:endParaRPr lang="en-US" sz="2800" dirty="0">
+              <a:solidFill>
+                <a:srgbClr val="FFFFFF"/>
+              </a:solidFill>
+            </a:endParaRPr>
+          </a:p>
+          <a:p>
+            <a:endParaRPr lang="en-US" sz="2800" dirty="0">
+              <a:solidFill>
+                <a:srgbClr val="FFFFFF"/>
+              </a:solidFill>
+            </a:endParaRPr>
+          </a:p>
+          <a:p>
+            <a:r>
+              <a:rPr lang="en-US" sz="2800" b="1" dirty="0">
+                <a:solidFill>
+                  <a:srgbClr val="00B050"/>
+                </a:solidFill>
+                <a:latin typeface="Courier New"/>
+                <a:cs typeface="Courier New"/>
+              </a:rPr>
+              <a:t>function_name</a:t>
+            </a:r>
+          </a:p>
+          <a:p>
+            <a:r>
+              <a:rPr lang="en-US" sz="2800" b="1" dirty="0">
+                <a:solidFill>
+                  <a:srgbClr val="FF0000"/>
+                </a:solidFill>
+                <a:latin typeface="Courier New"/>
+                <a:cs typeface="Courier New"/>
+              </a:rPr>
+              <a:t>Function_Name</a:t>
+            </a:r>
+            <a:endParaRPr lang="en-US" sz="2800" dirty="0">
+              <a:solidFill>
+                <a:srgbClr val="FF0000"/>
+              </a:solidFill>
+            </a:endParaRPr>
+          </a:p>
+          <a:p>
+            <a:r>
+              <a:rPr lang="en-US" sz="2800" b="1" dirty="0">
+                <a:solidFill>
+                  <a:srgbClr val="FF0000"/>
+                </a:solidFill>
+                <a:latin typeface="Courier New"/>
+                <a:cs typeface="Courier New"/>
+              </a:rPr>
+              <a:t>FunctionName</a:t>
+            </a:r>
+            <a:endParaRPr lang="en-US" sz="2800" dirty="0">
+              <a:solidFill>
+                <a:srgbClr val="FF0000"/>
+              </a:solidFill>
+            </a:endParaRPr>
+          </a:p>
+        </p:txBody>
+      </p:sp>
+      <p:sp>
+        <p:nvSpPr>
+          <p:cNvPr id="8" name="Arrow: Down 7">
+            <a:extLst>
+              <a:ext uri="{FF2B5EF4-FFF2-40B4-BE49-F238E27FC236}">
+                <a16:creationId xmlns:a16="http://schemas.microsoft.com/office/drawing/2014/main" id="{36FA454D-78F3-4652-8EFF-7C48FEBEB96A}"/>
+              </a:ext>
+            </a:extLst>
+          </p:cNvPr>
+          <p:cNvSpPr/>
+          <p:nvPr/>
+        </p:nvSpPr>
+        <p:spPr>
+          <a:xfrm>
+            <a:off x="9464842" y="2899611"/>
+            <a:ext cx="376991" cy="700839"/>
+          </a:xfrm>
+          <a:prstGeom prst="downArrow">
+            <a:avLst/>
+          </a:prstGeom>
+        </p:spPr>
+        <p:style>
+          <a:lnRef idx="2">
+            <a:schemeClr val="accent1">
+              <a:shade val="50000"/>
+            </a:schemeClr>
+          </a:lnRef>
+          <a:fillRef idx="1">
+            <a:schemeClr val="accent1"/>
+          </a:fillRef>
+          <a:effectRef idx="0">
+            <a:schemeClr val="accent1"/>
+          </a:effectRef>
+          <a:fontRef idx="minor">
+            <a:schemeClr val="lt1"/>
+          </a:fontRef>
+        </p:style>
+        <p:txBody>
+          <a:bodyPr rtlCol="0" anchor="ctr"/>
+          <a:lstStyle/>
+          <a:p>
+            <a:pPr algn="ctr"/>
+            <a:endParaRPr lang="en-US" sz="2000"/>
+          </a:p>
+        </p:txBody>
+      </p:sp>
+    </p:spTree>
+    <p:extLst>
+      <p:ext uri="{BB962C8B-B14F-4D97-AF65-F5344CB8AC3E}">
+        <p14:creationId xmlns:p14="http://schemas.microsoft.com/office/powerpoint/2010/main" val="1185206340"/>
+      </p:ext>
+    </p:extLst>
+  </p:cSld>
+  <p:clrMapOvr>
+    <a:masterClrMapping/>
+  </p:clrMapOvr>
+</p:sld>
+</file>
+
+<file path=ppt/slides/slide15.xml><?xml version="1.0" encoding="utf-8"?>
+<p:sld xmlns:a="http://schemas.openxmlformats.org/drawingml/2006/main" xmlns:r="http://schemas.openxmlformats.org/officeDocument/2006/relationships" xmlns:p="http://schemas.openxmlformats.org/presentationml/2006/main">
+  <p:cSld>
+    <p:spTree>
+      <p:nvGrpSpPr>
+        <p:cNvPr id="1" name=""/>
+        <p:cNvGrpSpPr/>
+        <p:nvPr/>
+      </p:nvGrpSpPr>
+      <p:grpSpPr>
+        <a:xfrm>
+          <a:off x="0" y="0"/>
+          <a:ext cx="0" cy="0"/>
+          <a:chOff x="0" y="0"/>
+          <a:chExt cx="0" cy="0"/>
+        </a:xfrm>
+      </p:grpSpPr>
+      <p:sp>
+        <p:nvSpPr>
+          <p:cNvPr id="2" name="Title 1">
+            <a:extLst>
+              <a:ext uri="{FF2B5EF4-FFF2-40B4-BE49-F238E27FC236}">
+                <a16:creationId xmlns:a16="http://schemas.microsoft.com/office/drawing/2014/main" id="{844849AA-E622-4F7D-8941-71C937456B82}"/>
+              </a:ext>
+            </a:extLst>
+          </p:cNvPr>
+          <p:cNvSpPr>
+            <a:spLocks noGrp="1"/>
+          </p:cNvSpPr>
+          <p:nvPr>
+            <p:ph type="title"/>
+          </p:nvPr>
+        </p:nvSpPr>
+        <p:spPr/>
+        <p:txBody>
+          <a:bodyPr>
+            <a:normAutofit fontScale="90000"/>
+          </a:bodyPr>
+          <a:lstStyle/>
+          <a:p>
+            <a:r>
+              <a:rPr lang="en-US" b="1" dirty="0"/>
+              <a:t>Input</a:t>
+            </a:r>
+          </a:p>
+        </p:txBody>
+      </p:sp>
+      <p:sp>
+        <p:nvSpPr>
+          <p:cNvPr id="3" name="Content Placeholder 2">
+            <a:extLst>
+              <a:ext uri="{FF2B5EF4-FFF2-40B4-BE49-F238E27FC236}">
+                <a16:creationId xmlns:a16="http://schemas.microsoft.com/office/drawing/2014/main" id="{D0254071-BABD-4A6D-965B-5977BB6BD8B0}"/>
+              </a:ext>
+            </a:extLst>
+          </p:cNvPr>
+          <p:cNvSpPr>
+            <a:spLocks noGrp="1"/>
+          </p:cNvSpPr>
+          <p:nvPr>
+            <p:ph idx="1"/>
+          </p:nvPr>
+        </p:nvSpPr>
+        <p:spPr/>
+        <p:txBody>
+          <a:bodyPr>
+            <a:normAutofit fontScale="92500" lnSpcReduction="10000"/>
+          </a:bodyPr>
+          <a:lstStyle/>
+          <a:p>
+            <a:r>
+              <a:rPr lang="en-US" sz="3600" dirty="0"/>
+              <a:t>Python has a built</a:t>
+            </a:r>
+            <a:r>
+              <a:rPr lang="en-US" sz="3600" dirty="0">
+                <a:solidFill>
+                  <a:schemeClr val="accent1"/>
+                </a:solidFill>
+              </a:rPr>
+              <a:t>-</a:t>
+            </a:r>
+            <a:r>
+              <a:rPr lang="en-US" sz="3600" dirty="0"/>
+              <a:t>in function named </a:t>
+            </a:r>
+            <a:r>
+              <a:rPr lang="en-US" sz="3600" b="1" dirty="0">
+                <a:solidFill>
+                  <a:schemeClr val="accent6"/>
+                </a:solidFill>
+              </a:rPr>
+              <a:t>input</a:t>
+            </a:r>
+            <a:r>
+              <a:rPr lang="en-US" sz="3600" dirty="0"/>
+              <a:t> for reading text from the user</a:t>
+            </a:r>
+            <a:r>
+              <a:rPr lang="en-US" sz="3600" dirty="0">
+                <a:solidFill>
+                  <a:schemeClr val="accent2"/>
+                </a:solidFill>
+              </a:rPr>
+              <a:t>.</a:t>
+            </a:r>
+          </a:p>
+          <a:p>
+            <a:r>
+              <a:rPr lang="en-US" sz="3600" dirty="0"/>
+              <a:t>The general form of a </a:t>
+            </a:r>
+            <a:r>
+              <a:rPr lang="en-US" sz="3600" b="1" dirty="0">
+                <a:solidFill>
+                  <a:schemeClr val="accent6"/>
+                </a:solidFill>
+              </a:rPr>
+              <a:t>input</a:t>
+            </a:r>
+            <a:r>
+              <a:rPr lang="en-US" sz="3600" dirty="0"/>
+              <a:t> function call</a:t>
+            </a:r>
+            <a:r>
+              <a:rPr lang="en-US" sz="3600" dirty="0">
+                <a:solidFill>
+                  <a:schemeClr val="accent2"/>
+                </a:solidFill>
+              </a:rPr>
+              <a:t>:</a:t>
+            </a:r>
+          </a:p>
+          <a:p>
+            <a:endParaRPr lang="en-US" sz="3600" dirty="0"/>
+          </a:p>
+          <a:p>
+            <a:endParaRPr lang="en-US" sz="3600" dirty="0"/>
+          </a:p>
+          <a:p>
+            <a:r>
+              <a:rPr lang="en-US" sz="3600" dirty="0"/>
+              <a:t>The </a:t>
+            </a:r>
+            <a:r>
+              <a:rPr lang="en-US" sz="3600" dirty="0">
+                <a:solidFill>
+                  <a:schemeClr val="accent6"/>
+                </a:solidFill>
+              </a:rPr>
+              <a:t>argument</a:t>
+            </a:r>
+            <a:r>
+              <a:rPr lang="en-US" sz="3600" dirty="0"/>
+              <a:t> is the text you want displayed to the user</a:t>
+            </a:r>
+            <a:r>
+              <a:rPr lang="en-US" sz="3600" dirty="0">
+                <a:solidFill>
+                  <a:schemeClr val="accent2"/>
+                </a:solidFill>
+              </a:rPr>
+              <a:t>.</a:t>
+            </a:r>
+          </a:p>
+          <a:p>
+            <a:pPr lvl="1"/>
+            <a:r>
+              <a:rPr lang="en-US" sz="3200" i="1" dirty="0">
+                <a:solidFill>
+                  <a:schemeClr val="accent2"/>
+                </a:solidFill>
+              </a:rPr>
+              <a:t>“</a:t>
+            </a:r>
+            <a:r>
+              <a:rPr lang="en-US" sz="3200" i="1" dirty="0"/>
+              <a:t>What is your name?</a:t>
+            </a:r>
+            <a:r>
+              <a:rPr lang="en-US" sz="3200" i="1" dirty="0">
+                <a:solidFill>
+                  <a:schemeClr val="accent2"/>
+                </a:solidFill>
+              </a:rPr>
+              <a:t>”</a:t>
+            </a:r>
+          </a:p>
+          <a:p>
+            <a:r>
+              <a:rPr lang="en-US" sz="3600" spc="-20" dirty="0">
+                <a:cs typeface="Arial"/>
+              </a:rPr>
+              <a:t>The v</a:t>
+            </a:r>
+            <a:r>
+              <a:rPr lang="en-US" sz="3600" spc="5" dirty="0">
+                <a:cs typeface="Arial"/>
+              </a:rPr>
+              <a:t>a</a:t>
+            </a:r>
+            <a:r>
+              <a:rPr lang="en-US" sz="3600" dirty="0">
+                <a:cs typeface="Arial"/>
+              </a:rPr>
+              <a:t>l</a:t>
+            </a:r>
+            <a:r>
+              <a:rPr lang="en-US" sz="3600" spc="5" dirty="0">
+                <a:cs typeface="Arial"/>
+              </a:rPr>
+              <a:t>u</a:t>
+            </a:r>
+            <a:r>
+              <a:rPr lang="en-US" sz="3600" dirty="0">
+                <a:cs typeface="Arial"/>
+              </a:rPr>
+              <a:t>e </a:t>
+            </a:r>
+            <a:r>
+              <a:rPr lang="en-US" sz="3600" spc="5" dirty="0">
+                <a:cs typeface="Arial"/>
+              </a:rPr>
+              <a:t>re</a:t>
+            </a:r>
+            <a:r>
+              <a:rPr lang="en-US" sz="3600" spc="-15" dirty="0">
+                <a:cs typeface="Arial"/>
+              </a:rPr>
+              <a:t>t</a:t>
+            </a:r>
+            <a:r>
+              <a:rPr lang="en-US" sz="3600" spc="5" dirty="0">
+                <a:cs typeface="Arial"/>
+              </a:rPr>
+              <a:t>urne</a:t>
+            </a:r>
+            <a:r>
+              <a:rPr lang="en-US" sz="3600" dirty="0">
+                <a:cs typeface="Arial"/>
+              </a:rPr>
+              <a:t>d </a:t>
+            </a:r>
+            <a:r>
+              <a:rPr lang="en-US" sz="3600" spc="5" dirty="0">
+                <a:cs typeface="Arial"/>
+              </a:rPr>
+              <a:t>b</a:t>
+            </a:r>
+            <a:r>
+              <a:rPr lang="en-US" sz="3600" dirty="0">
+                <a:cs typeface="Arial"/>
+              </a:rPr>
+              <a:t>y</a:t>
+            </a:r>
+            <a:r>
+              <a:rPr lang="en-US" sz="3600" spc="-5" dirty="0">
+                <a:cs typeface="Arial"/>
+              </a:rPr>
+              <a:t> </a:t>
+            </a:r>
+            <a:r>
+              <a:rPr lang="en-US" sz="3600" spc="-15" dirty="0">
+                <a:cs typeface="Arial"/>
+              </a:rPr>
+              <a:t>t</a:t>
+            </a:r>
+            <a:r>
+              <a:rPr lang="en-US" sz="3600" spc="5" dirty="0">
+                <a:cs typeface="Arial"/>
+              </a:rPr>
+              <a:t>h</a:t>
+            </a:r>
+            <a:r>
+              <a:rPr lang="en-US" sz="3600" dirty="0">
+                <a:cs typeface="Arial"/>
+              </a:rPr>
+              <a:t>e </a:t>
+            </a:r>
+            <a:r>
+              <a:rPr lang="en-US" sz="3600" b="1" spc="-10" dirty="0">
+                <a:solidFill>
+                  <a:schemeClr val="accent6"/>
+                </a:solidFill>
+                <a:cs typeface="Courier New"/>
+              </a:rPr>
+              <a:t>inpu</a:t>
+            </a:r>
+            <a:r>
+              <a:rPr lang="en-US" sz="3600" b="1" dirty="0">
+                <a:solidFill>
+                  <a:schemeClr val="accent6"/>
+                </a:solidFill>
+                <a:cs typeface="Courier New"/>
+              </a:rPr>
+              <a:t>t</a:t>
+            </a:r>
+            <a:r>
+              <a:rPr lang="en-US" sz="3600" spc="-915" dirty="0">
+                <a:cs typeface="Courier New"/>
+              </a:rPr>
+              <a:t> </a:t>
+            </a:r>
+            <a:r>
+              <a:rPr lang="en-US" sz="3600" spc="-15" dirty="0">
+                <a:cs typeface="Arial"/>
+              </a:rPr>
+              <a:t>f</a:t>
+            </a:r>
+            <a:r>
+              <a:rPr lang="en-US" sz="3600" spc="5" dirty="0">
+                <a:cs typeface="Arial"/>
+              </a:rPr>
+              <a:t>un</a:t>
+            </a:r>
+            <a:r>
+              <a:rPr lang="en-US" sz="3600" spc="-15" dirty="0">
+                <a:cs typeface="Arial"/>
+              </a:rPr>
+              <a:t>ct</a:t>
+            </a:r>
+            <a:r>
+              <a:rPr lang="en-US" sz="3600" dirty="0">
+                <a:cs typeface="Arial"/>
+              </a:rPr>
+              <a:t>i</a:t>
+            </a:r>
+            <a:r>
+              <a:rPr lang="en-US" sz="3600" spc="5" dirty="0">
+                <a:cs typeface="Arial"/>
+              </a:rPr>
+              <a:t>o</a:t>
+            </a:r>
+            <a:r>
+              <a:rPr lang="en-US" sz="3600" dirty="0">
+                <a:cs typeface="Arial"/>
+              </a:rPr>
+              <a:t>n is</a:t>
+            </a:r>
+            <a:r>
+              <a:rPr lang="en-US" sz="3600" spc="-5" dirty="0">
+                <a:cs typeface="Arial"/>
+              </a:rPr>
+              <a:t> </a:t>
+            </a:r>
+            <a:r>
+              <a:rPr lang="en-US" sz="3600" spc="5" dirty="0">
+                <a:cs typeface="Arial"/>
+              </a:rPr>
+              <a:t>a</a:t>
+            </a:r>
+            <a:r>
+              <a:rPr lang="en-US" sz="3600" dirty="0">
+                <a:cs typeface="Arial"/>
+              </a:rPr>
+              <a:t>lw</a:t>
+            </a:r>
+            <a:r>
+              <a:rPr lang="en-US" sz="3600" spc="5" dirty="0">
+                <a:cs typeface="Arial"/>
+              </a:rPr>
+              <a:t>a</a:t>
+            </a:r>
+            <a:r>
+              <a:rPr lang="en-US" sz="3600" dirty="0">
+                <a:cs typeface="Arial"/>
+              </a:rPr>
+              <a:t>ys</a:t>
+            </a:r>
+            <a:r>
+              <a:rPr lang="en-US" sz="3600" spc="-5" dirty="0">
+                <a:cs typeface="Arial"/>
+              </a:rPr>
+              <a:t> </a:t>
+            </a:r>
+            <a:r>
+              <a:rPr lang="en-US" sz="3600" dirty="0">
+                <a:cs typeface="Arial"/>
+              </a:rPr>
+              <a:t>a </a:t>
+            </a:r>
+            <a:r>
+              <a:rPr lang="en-US" sz="3600" spc="-15" dirty="0">
+                <a:cs typeface="Arial"/>
+              </a:rPr>
+              <a:t>st</a:t>
+            </a:r>
+            <a:r>
+              <a:rPr lang="en-US" sz="3600" spc="5" dirty="0">
+                <a:cs typeface="Arial"/>
+              </a:rPr>
+              <a:t>r</a:t>
+            </a:r>
+            <a:r>
+              <a:rPr lang="en-US" sz="3600" dirty="0">
+                <a:cs typeface="Arial"/>
+              </a:rPr>
+              <a:t>i</a:t>
+            </a:r>
+            <a:r>
+              <a:rPr lang="en-US" sz="3600" spc="5" dirty="0">
+                <a:cs typeface="Arial"/>
+              </a:rPr>
+              <a:t>n</a:t>
+            </a:r>
+            <a:r>
+              <a:rPr lang="en-US" sz="3600" dirty="0">
+                <a:cs typeface="Arial"/>
+              </a:rPr>
+              <a:t>g</a:t>
+            </a:r>
+            <a:r>
+              <a:rPr lang="en-US" sz="3600" dirty="0">
+                <a:solidFill>
+                  <a:schemeClr val="accent6"/>
+                </a:solidFill>
+                <a:cs typeface="Arial"/>
+              </a:rPr>
+              <a:t>.</a:t>
+            </a:r>
+          </a:p>
+          <a:p>
+            <a:endParaRPr lang="en-US" sz="3600" dirty="0">
+              <a:solidFill>
+                <a:schemeClr val="accent2"/>
+              </a:solidFill>
+            </a:endParaRPr>
+          </a:p>
+        </p:txBody>
+      </p:sp>
+      <p:sp>
+        <p:nvSpPr>
+          <p:cNvPr id="8" name="TextBox 7">
+            <a:extLst>
+              <a:ext uri="{FF2B5EF4-FFF2-40B4-BE49-F238E27FC236}">
+                <a16:creationId xmlns:a16="http://schemas.microsoft.com/office/drawing/2014/main" id="{EB29E47D-B930-4A54-B144-1C7894E46C69}"/>
+              </a:ext>
+            </a:extLst>
+          </p:cNvPr>
+          <p:cNvSpPr txBox="1"/>
+          <p:nvPr/>
+        </p:nvSpPr>
+        <p:spPr>
+          <a:xfrm>
+            <a:off x="1120344" y="3786165"/>
+            <a:ext cx="4344459" cy="646331"/>
+          </a:xfrm>
+          <a:prstGeom prst="rect">
+            <a:avLst/>
+          </a:prstGeom>
+          <a:noFill/>
+        </p:spPr>
+        <p:txBody>
+          <a:bodyPr wrap="none" rtlCol="0">
+            <a:spAutoFit/>
+          </a:bodyPr>
+          <a:lstStyle/>
+          <a:p>
+            <a:r>
+              <a:rPr lang="en-US" sz="3600" b="1" dirty="0">
+                <a:solidFill>
+                  <a:srgbClr val="00FF00"/>
+                </a:solidFill>
+                <a:latin typeface="Courier New" panose="02070309020205020404" pitchFamily="49" charset="0"/>
+                <a:cs typeface="Courier New" panose="02070309020205020404" pitchFamily="49" charset="0"/>
+              </a:rPr>
+              <a:t>input(argument)</a:t>
+            </a:r>
+          </a:p>
+        </p:txBody>
+      </p:sp>
+    </p:spTree>
+    <p:extLst>
+      <p:ext uri="{BB962C8B-B14F-4D97-AF65-F5344CB8AC3E}">
+        <p14:creationId xmlns:p14="http://schemas.microsoft.com/office/powerpoint/2010/main" val="2264978724"/>
+      </p:ext>
+    </p:extLst>
+  </p:cSld>
+  <p:clrMapOvr>
+    <a:masterClrMapping/>
+  </p:clrMapOvr>
+</p:sld>
+</file>
+
+<file path=ppt/slides/slide16.xml><?xml version="1.0" encoding="utf-8"?>
+<p:sld xmlns:a="http://schemas.openxmlformats.org/drawingml/2006/main" xmlns:r="http://schemas.openxmlformats.org/officeDocument/2006/relationships" xmlns:p="http://schemas.openxmlformats.org/presentationml/2006/main">
+  <p:cSld>
+    <p:spTree>
+      <p:nvGrpSpPr>
+        <p:cNvPr id="1" name=""/>
+        <p:cNvGrpSpPr/>
+        <p:nvPr/>
+      </p:nvGrpSpPr>
+      <p:grpSpPr>
+        <a:xfrm>
+          <a:off x="0" y="0"/>
+          <a:ext cx="0" cy="0"/>
+          <a:chOff x="0" y="0"/>
+          <a:chExt cx="0" cy="0"/>
+        </a:xfrm>
+      </p:grpSpPr>
+      <p:sp>
+        <p:nvSpPr>
           <p:cNvPr id="2" name="Title 1">
             <a:extLst>
               <a:ext uri="{FF2B5EF4-FFF2-40B4-BE49-F238E27FC236}">
@@ -2966,7 +6551,7 @@
 </p:sld>
 </file>
 
-<file path=ppt/slides/slide14.xml><?xml version="1.0" encoding="utf-8"?>
+<file path=ppt/slides/slide17.xml><?xml version="1.0" encoding="utf-8"?>
 <p:sld xmlns:a="http://schemas.openxmlformats.org/drawingml/2006/main" xmlns:r="http://schemas.openxmlformats.org/officeDocument/2006/relationships" xmlns:p="http://schemas.openxmlformats.org/presentationml/2006/main">
   <p:cSld>
     <p:spTree>
@@ -4268,10 +7853,10 @@
       </p:grpSpPr>
       <p:sp>
         <p:nvSpPr>
-          <p:cNvPr id="4" name="Title 3">
-            <a:extLst>
-              <a:ext uri="{FF2B5EF4-FFF2-40B4-BE49-F238E27FC236}">
-                <a16:creationId xmlns:a16="http://schemas.microsoft.com/office/drawing/2014/main" id="{0EB27ED3-99BE-43B6-86FA-80909274D493}"/>
+          <p:cNvPr id="2" name="Title 1">
+            <a:extLst>
+              <a:ext uri="{FF2B5EF4-FFF2-40B4-BE49-F238E27FC236}">
+                <a16:creationId xmlns:a16="http://schemas.microsoft.com/office/drawing/2014/main" id="{B5FCE616-8301-CE4C-861F-244C5FBB788F}"/>
               </a:ext>
             </a:extLst>
           </p:cNvPr>
@@ -4290,19 +7875,18 @@
           <a:lstStyle/>
           <a:p>
             <a:r>
-              <a:rPr lang="en-US" b="1" dirty="0"/>
-              <a:t>Function Definitions</a:t>
-            </a:r>
-            <a:endParaRPr lang="en-US" dirty="0"/>
-          </a:p>
-        </p:txBody>
-      </p:sp>
-      <p:sp>
-        <p:nvSpPr>
-          <p:cNvPr id="6" name="TextBox 5">
-            <a:extLst>
-              <a:ext uri="{FF2B5EF4-FFF2-40B4-BE49-F238E27FC236}">
-                <a16:creationId xmlns:a16="http://schemas.microsoft.com/office/drawing/2014/main" id="{7D79B1C4-D919-469A-8797-07B7F6DC5475}"/>
+              <a:rPr lang="en-US" dirty="0"/>
+              <a:t>RECAP: Making Choices</a:t>
+            </a:r>
+          </a:p>
+        </p:txBody>
+      </p:sp>
+      <p:sp>
+        <p:nvSpPr>
+          <p:cNvPr id="18" name="TextBox 17">
+            <a:extLst>
+              <a:ext uri="{FF2B5EF4-FFF2-40B4-BE49-F238E27FC236}">
+                <a16:creationId xmlns:a16="http://schemas.microsoft.com/office/drawing/2014/main" id="{6210C64F-0446-8345-A8F7-DCF8270F3A69}"/>
               </a:ext>
             </a:extLst>
           </p:cNvPr>
@@ -4311,51 +7895,43 @@
         </p:nvSpPr>
         <p:spPr>
           <a:xfrm>
-            <a:off x="2189362" y="3325211"/>
-            <a:ext cx="8023350" cy="1138773"/>
+            <a:off x="2006600" y="2472517"/>
+            <a:ext cx="1803400" cy="461665"/>
           </a:xfrm>
           <a:prstGeom prst="rect">
             <a:avLst/>
           </a:prstGeom>
           <a:noFill/>
+          <a:ln>
+            <a:solidFill>
+              <a:srgbClr val="FFFFFF"/>
+            </a:solidFill>
+          </a:ln>
         </p:spPr>
         <p:txBody>
-          <a:bodyPr wrap="none" rtlCol="0">
+          <a:bodyPr wrap="square" rtlCol="0">
             <a:spAutoFit/>
           </a:bodyPr>
           <a:lstStyle/>
           <a:p>
-            <a:r>
-              <a:rPr lang="en-US" sz="3400" b="1" dirty="0">
-                <a:solidFill>
-                  <a:srgbClr val="00FF00"/>
-                </a:solidFill>
-                <a:latin typeface="Courier New" panose="02070309020205020404" pitchFamily="49" charset="0"/>
-                <a:cs typeface="Courier New" panose="02070309020205020404" pitchFamily="49" charset="0"/>
-              </a:rPr>
-              <a:t>def function_body(parameters):</a:t>
-            </a:r>
-          </a:p>
-          <a:p>
-            <a:r>
-              <a:rPr lang="en-US" sz="3400" b="1" dirty="0">
-                <a:solidFill>
-                  <a:srgbClr val="00FF00"/>
-                </a:solidFill>
-                <a:latin typeface="Courier New" panose="02070309020205020404" pitchFamily="49" charset="0"/>
-                <a:cs typeface="Courier New" panose="02070309020205020404" pitchFamily="49" charset="0"/>
-              </a:rPr>
-              <a:t>    body</a:t>
-            </a:r>
-          </a:p>
-        </p:txBody>
-      </p:sp>
-      <p:sp>
-        <p:nvSpPr>
-          <p:cNvPr id="7" name="TextBox 6">
-            <a:extLst>
-              <a:ext uri="{FF2B5EF4-FFF2-40B4-BE49-F238E27FC236}">
-                <a16:creationId xmlns:a16="http://schemas.microsoft.com/office/drawing/2014/main" id="{7F12323C-2FFA-4040-B623-0EE9D4B14E9C}"/>
+            <a:pPr algn="ctr"/>
+            <a:r>
+              <a:rPr lang="en-US" sz="2400" dirty="0">
+                <a:solidFill>
+                  <a:srgbClr val="FFFFFF"/>
+                </a:solidFill>
+              </a:rPr>
+              <a:t>statements</a:t>
+            </a:r>
+          </a:p>
+        </p:txBody>
+      </p:sp>
+      <p:sp>
+        <p:nvSpPr>
+          <p:cNvPr id="22" name="TextBox 21">
+            <a:extLst>
+              <a:ext uri="{FF2B5EF4-FFF2-40B4-BE49-F238E27FC236}">
+                <a16:creationId xmlns:a16="http://schemas.microsoft.com/office/drawing/2014/main" id="{EFF7D38B-4010-4C4B-AA5D-5219DD07E24E}"/>
               </a:ext>
             </a:extLst>
           </p:cNvPr>
@@ -4364,37 +7940,43 @@
         </p:nvSpPr>
         <p:spPr>
           <a:xfrm>
-            <a:off x="266950" y="3835260"/>
-            <a:ext cx="1290738" cy="523220"/>
+            <a:off x="2006600" y="3592965"/>
+            <a:ext cx="1803400" cy="461665"/>
           </a:xfrm>
           <a:prstGeom prst="rect">
             <a:avLst/>
           </a:prstGeom>
           <a:noFill/>
+          <a:ln>
+            <a:solidFill>
+              <a:srgbClr val="FFFFFF"/>
+            </a:solidFill>
+          </a:ln>
         </p:spPr>
         <p:txBody>
-          <a:bodyPr wrap="none" rtlCol="0">
+          <a:bodyPr wrap="square" rtlCol="0">
             <a:spAutoFit/>
           </a:bodyPr>
           <a:lstStyle/>
           <a:p>
-            <a:r>
-              <a:rPr lang="en-US" sz="2800" b="1" dirty="0">
-                <a:solidFill>
-                  <a:schemeClr val="accent6"/>
-                </a:solidFill>
-              </a:rPr>
-              <a:t>Indent</a:t>
-            </a:r>
-          </a:p>
-        </p:txBody>
-      </p:sp>
-      <p:sp>
-        <p:nvSpPr>
-          <p:cNvPr id="9" name="TextBox 8">
-            <a:extLst>
-              <a:ext uri="{FF2B5EF4-FFF2-40B4-BE49-F238E27FC236}">
-                <a16:creationId xmlns:a16="http://schemas.microsoft.com/office/drawing/2014/main" id="{A4687857-F0AB-4311-A958-03F4FCAC74A9}"/>
+            <a:pPr algn="ctr"/>
+            <a:r>
+              <a:rPr lang="en-US" sz="2400" dirty="0">
+                <a:solidFill>
+                  <a:srgbClr val="FFFFFF"/>
+                </a:solidFill>
+              </a:rPr>
+              <a:t>statements</a:t>
+            </a:r>
+          </a:p>
+        </p:txBody>
+      </p:sp>
+      <p:sp>
+        <p:nvSpPr>
+          <p:cNvPr id="23" name="TextBox 22">
+            <a:extLst>
+              <a:ext uri="{FF2B5EF4-FFF2-40B4-BE49-F238E27FC236}">
+                <a16:creationId xmlns:a16="http://schemas.microsoft.com/office/drawing/2014/main" id="{77DB9E66-DD17-C44F-A288-5DAFB7C33AD5}"/>
               </a:ext>
             </a:extLst>
           </p:cNvPr>
@@ -4403,37 +7985,133 @@
         </p:nvSpPr>
         <p:spPr>
           <a:xfrm>
-            <a:off x="9326612" y="1729256"/>
-            <a:ext cx="1168910" cy="523220"/>
+            <a:off x="2006600" y="4602134"/>
+            <a:ext cx="1803400" cy="461665"/>
           </a:xfrm>
           <a:prstGeom prst="rect">
             <a:avLst/>
           </a:prstGeom>
           <a:noFill/>
+          <a:ln>
+            <a:solidFill>
+              <a:srgbClr val="FFFFFF"/>
+            </a:solidFill>
+          </a:ln>
         </p:spPr>
         <p:txBody>
-          <a:bodyPr wrap="none" rtlCol="0">
+          <a:bodyPr wrap="square" rtlCol="0">
             <a:spAutoFit/>
           </a:bodyPr>
           <a:lstStyle/>
           <a:p>
-            <a:r>
-              <a:rPr lang="en-US" sz="2800" b="1" dirty="0">
-                <a:solidFill>
-                  <a:schemeClr val="accent6"/>
-                </a:solidFill>
-              </a:rPr>
-              <a:t>Colon</a:t>
-            </a:r>
-          </a:p>
-        </p:txBody>
-      </p:sp>
-      <p:sp>
-        <p:nvSpPr>
-          <p:cNvPr id="10" name="Arrow: Right 9">
-            <a:extLst>
-              <a:ext uri="{FF2B5EF4-FFF2-40B4-BE49-F238E27FC236}">
-                <a16:creationId xmlns:a16="http://schemas.microsoft.com/office/drawing/2014/main" id="{F0D5E9A7-4256-460A-8761-796AD25700C5}"/>
+            <a:pPr algn="ctr"/>
+            <a:r>
+              <a:rPr lang="en-US" sz="2400" dirty="0">
+                <a:solidFill>
+                  <a:srgbClr val="FFFFFF"/>
+                </a:solidFill>
+              </a:rPr>
+              <a:t>statements</a:t>
+            </a:r>
+          </a:p>
+        </p:txBody>
+      </p:sp>
+      <p:sp>
+        <p:nvSpPr>
+          <p:cNvPr id="25" name="TextBox 24">
+            <a:extLst>
+              <a:ext uri="{FF2B5EF4-FFF2-40B4-BE49-F238E27FC236}">
+                <a16:creationId xmlns:a16="http://schemas.microsoft.com/office/drawing/2014/main" id="{22A6A1F5-2E35-6D45-AD1D-76EA7D492BEF}"/>
+              </a:ext>
+            </a:extLst>
+          </p:cNvPr>
+          <p:cNvSpPr txBox="1"/>
+          <p:nvPr/>
+        </p:nvSpPr>
+        <p:spPr>
+          <a:xfrm>
+            <a:off x="6578602" y="5568118"/>
+            <a:ext cx="1803400" cy="461665"/>
+          </a:xfrm>
+          <a:prstGeom prst="rect">
+            <a:avLst/>
+          </a:prstGeom>
+          <a:noFill/>
+          <a:ln>
+            <a:solidFill>
+              <a:srgbClr val="FFFFFF"/>
+            </a:solidFill>
+          </a:ln>
+        </p:spPr>
+        <p:txBody>
+          <a:bodyPr wrap="square" rtlCol="0">
+            <a:spAutoFit/>
+          </a:bodyPr>
+          <a:lstStyle/>
+          <a:p>
+            <a:pPr algn="ctr"/>
+            <a:r>
+              <a:rPr lang="en-US" sz="2400" dirty="0">
+                <a:solidFill>
+                  <a:srgbClr val="FFFFFF"/>
+                </a:solidFill>
+              </a:rPr>
+              <a:t>statements</a:t>
+            </a:r>
+          </a:p>
+        </p:txBody>
+      </p:sp>
+      <p:sp>
+        <p:nvSpPr>
+          <p:cNvPr id="26" name="TextBox 25">
+            <a:extLst>
+              <a:ext uri="{FF2B5EF4-FFF2-40B4-BE49-F238E27FC236}">
+                <a16:creationId xmlns:a16="http://schemas.microsoft.com/office/drawing/2014/main" id="{5075C6E8-B4F8-3A43-9514-9889DC5BA4EF}"/>
+              </a:ext>
+            </a:extLst>
+          </p:cNvPr>
+          <p:cNvSpPr txBox="1"/>
+          <p:nvPr/>
+        </p:nvSpPr>
+        <p:spPr>
+          <a:xfrm>
+            <a:off x="6559554" y="1839820"/>
+            <a:ext cx="1803400" cy="461665"/>
+          </a:xfrm>
+          <a:prstGeom prst="rect">
+            <a:avLst/>
+          </a:prstGeom>
+          <a:noFill/>
+          <a:ln>
+            <a:solidFill>
+              <a:srgbClr val="FFFFFF"/>
+            </a:solidFill>
+          </a:ln>
+        </p:spPr>
+        <p:txBody>
+          <a:bodyPr wrap="square" rtlCol="0">
+            <a:spAutoFit/>
+          </a:bodyPr>
+          <a:lstStyle/>
+          <a:p>
+            <a:pPr algn="ctr"/>
+            <a:r>
+              <a:rPr lang="en-US" sz="2400" dirty="0">
+                <a:solidFill>
+                  <a:srgbClr val="FFFFFF"/>
+                </a:solidFill>
+              </a:rPr>
+              <a:t>statements</a:t>
+            </a:r>
+          </a:p>
+        </p:txBody>
+      </p:sp>
+      <p:sp>
+        <p:nvSpPr>
+          <p:cNvPr id="27" name="Rectangle 26">
+            <a:extLst>
+              <a:ext uri="{FF2B5EF4-FFF2-40B4-BE49-F238E27FC236}">
+                <a16:creationId xmlns:a16="http://schemas.microsoft.com/office/drawing/2014/main" id="{7B2D2B1D-F53B-B84C-8B2D-80AB8E5C5177}"/>
               </a:ext>
             </a:extLst>
           </p:cNvPr>
@@ -4441,13 +8119,21 @@
           <p:nvPr/>
         </p:nvSpPr>
         <p:spPr>
-          <a:xfrm rot="16200000" flipH="1">
-            <a:off x="9327536" y="2678689"/>
-            <a:ext cx="1167063" cy="318519"/>
+          <a:xfrm rot="2700000">
+            <a:off x="6781803" y="3005855"/>
+            <a:ext cx="1396998" cy="1401734"/>
           </a:xfrm>
-          <a:prstGeom prst="rightArrow">
+          <a:prstGeom prst="rect">
             <a:avLst/>
           </a:prstGeom>
+          <a:solidFill>
+            <a:srgbClr val="000000"/>
+          </a:solidFill>
+          <a:ln>
+            <a:solidFill>
+              <a:srgbClr val="FFFFFF"/>
+            </a:solidFill>
+          </a:ln>
         </p:spPr>
         <p:style>
           <a:lnRef idx="2">
@@ -4470,16 +8156,16 @@
           <a:lstStyle/>
           <a:p>
             <a:pPr algn="ctr"/>
-            <a:endParaRPr lang="en-US"/>
-          </a:p>
-        </p:txBody>
-      </p:sp>
-      <p:sp>
-        <p:nvSpPr>
-          <p:cNvPr id="12" name="TextBox 11">
-            <a:extLst>
-              <a:ext uri="{FF2B5EF4-FFF2-40B4-BE49-F238E27FC236}">
-                <a16:creationId xmlns:a16="http://schemas.microsoft.com/office/drawing/2014/main" id="{6C69617A-CEF8-4ADD-B763-0669DABE071A}"/>
+            <a:endParaRPr lang="en-US" dirty="0"/>
+          </a:p>
+        </p:txBody>
+      </p:sp>
+      <p:sp>
+        <p:nvSpPr>
+          <p:cNvPr id="28" name="TextBox 27">
+            <a:extLst>
+              <a:ext uri="{FF2B5EF4-FFF2-40B4-BE49-F238E27FC236}">
+                <a16:creationId xmlns:a16="http://schemas.microsoft.com/office/drawing/2014/main" id="{D87E2DD6-D7EF-294E-9B5E-0669ADDA08BE}"/>
               </a:ext>
             </a:extLst>
           </p:cNvPr>
@@ -4488,8 +8174,8 @@
         </p:nvSpPr>
         <p:spPr>
           <a:xfrm>
-            <a:off x="1790644" y="1735114"/>
-            <a:ext cx="1883849" cy="523220"/>
+            <a:off x="6724103" y="3452370"/>
+            <a:ext cx="1512398" cy="461665"/>
           </a:xfrm>
           <a:prstGeom prst="rect">
             <a:avLst/>
@@ -4497,28 +8183,471 @@
           <a:noFill/>
         </p:spPr>
         <p:txBody>
-          <a:bodyPr wrap="none" rtlCol="0">
+          <a:bodyPr wrap="square" rtlCol="0">
             <a:spAutoFit/>
           </a:bodyPr>
           <a:lstStyle/>
           <a:p>
-            <a:r>
-              <a:rPr lang="en-US" sz="2800" b="1" dirty="0">
-                <a:solidFill>
-                  <a:schemeClr val="accent6"/>
-                </a:solidFill>
-              </a:rPr>
-              <a:t>Definition</a:t>
-            </a:r>
-          </a:p>
-        </p:txBody>
-      </p:sp>
-      <p:sp>
-        <p:nvSpPr>
-          <p:cNvPr id="13" name="Arrow: Right 12">
-            <a:extLst>
-              <a:ext uri="{FF2B5EF4-FFF2-40B4-BE49-F238E27FC236}">
-                <a16:creationId xmlns:a16="http://schemas.microsoft.com/office/drawing/2014/main" id="{33840CED-EE2F-440E-96FA-9E37C87732A2}"/>
+            <a:pPr algn="ctr"/>
+            <a:r>
+              <a:rPr lang="en-US" sz="2400" dirty="0">
+                <a:solidFill>
+                  <a:srgbClr val="FFFFFF"/>
+                </a:solidFill>
+              </a:rPr>
+              <a:t>condition</a:t>
+            </a:r>
+          </a:p>
+        </p:txBody>
+      </p:sp>
+      <p:sp>
+        <p:nvSpPr>
+          <p:cNvPr id="29" name="TextBox 28">
+            <a:extLst>
+              <a:ext uri="{FF2B5EF4-FFF2-40B4-BE49-F238E27FC236}">
+                <a16:creationId xmlns:a16="http://schemas.microsoft.com/office/drawing/2014/main" id="{A3552518-E90E-8A46-A142-F01E3236A3D1}"/>
+              </a:ext>
+            </a:extLst>
+          </p:cNvPr>
+          <p:cNvSpPr txBox="1"/>
+          <p:nvPr/>
+        </p:nvSpPr>
+        <p:spPr>
+          <a:xfrm>
+            <a:off x="9010650" y="4559481"/>
+            <a:ext cx="1803400" cy="461665"/>
+          </a:xfrm>
+          <a:prstGeom prst="rect">
+            <a:avLst/>
+          </a:prstGeom>
+          <a:noFill/>
+          <a:ln>
+            <a:solidFill>
+              <a:srgbClr val="FFFFFF"/>
+            </a:solidFill>
+          </a:ln>
+        </p:spPr>
+        <p:txBody>
+          <a:bodyPr wrap="square" rtlCol="0">
+            <a:spAutoFit/>
+          </a:bodyPr>
+          <a:lstStyle/>
+          <a:p>
+            <a:pPr algn="ctr"/>
+            <a:r>
+              <a:rPr lang="en-US" sz="2400" dirty="0">
+                <a:solidFill>
+                  <a:srgbClr val="FFFFFF"/>
+                </a:solidFill>
+              </a:rPr>
+              <a:t>statements</a:t>
+            </a:r>
+          </a:p>
+        </p:txBody>
+      </p:sp>
+      <p:cxnSp>
+        <p:nvCxnSpPr>
+          <p:cNvPr id="31" name="Elbow Connector 30">
+            <a:extLst>
+              <a:ext uri="{FF2B5EF4-FFF2-40B4-BE49-F238E27FC236}">
+                <a16:creationId xmlns:a16="http://schemas.microsoft.com/office/drawing/2014/main" id="{B2EA2159-824D-2D49-9E82-4C7240A1A0A6}"/>
+              </a:ext>
+            </a:extLst>
+          </p:cNvPr>
+          <p:cNvCxnSpPr>
+            <a:endCxn id="29" idx="0"/>
+          </p:cNvCxnSpPr>
+          <p:nvPr/>
+        </p:nvCxnSpPr>
+        <p:spPr>
+          <a:xfrm>
+            <a:off x="8469804" y="3683202"/>
+            <a:ext cx="1442546" cy="876279"/>
+          </a:xfrm>
+          <a:prstGeom prst="bentConnector2">
+            <a:avLst/>
+          </a:prstGeom>
+          <a:ln>
+            <a:solidFill>
+              <a:srgbClr val="00B050"/>
+            </a:solidFill>
+            <a:headEnd type="none" w="med" len="med"/>
+            <a:tailEnd type="arrow" w="med" len="med"/>
+          </a:ln>
+        </p:spPr>
+        <p:style>
+          <a:lnRef idx="3">
+            <a:schemeClr val="accent1"/>
+          </a:lnRef>
+          <a:fillRef idx="0">
+            <a:schemeClr val="accent1"/>
+          </a:fillRef>
+          <a:effectRef idx="2">
+            <a:schemeClr val="accent1"/>
+          </a:effectRef>
+          <a:fontRef idx="minor">
+            <a:schemeClr val="tx1"/>
+          </a:fontRef>
+        </p:style>
+      </p:cxnSp>
+      <p:cxnSp>
+        <p:nvCxnSpPr>
+          <p:cNvPr id="35" name="Elbow Connector 34">
+            <a:extLst>
+              <a:ext uri="{FF2B5EF4-FFF2-40B4-BE49-F238E27FC236}">
+                <a16:creationId xmlns:a16="http://schemas.microsoft.com/office/drawing/2014/main" id="{83BFC922-9159-1947-AC26-280C16336D8C}"/>
+              </a:ext>
+            </a:extLst>
+          </p:cNvPr>
+          <p:cNvCxnSpPr>
+            <a:stCxn id="29" idx="2"/>
+            <a:endCxn id="25" idx="3"/>
+          </p:cNvCxnSpPr>
+          <p:nvPr/>
+        </p:nvCxnSpPr>
+        <p:spPr>
+          <a:xfrm rot="5400000">
+            <a:off x="8758274" y="4644874"/>
+            <a:ext cx="777805" cy="1530348"/>
+          </a:xfrm>
+          <a:prstGeom prst="bentConnector2">
+            <a:avLst/>
+          </a:prstGeom>
+          <a:ln w="9525" cap="flat" cmpd="sng" algn="ctr">
+            <a:solidFill>
+              <a:srgbClr val="00B050"/>
+            </a:solidFill>
+            <a:prstDash val="solid"/>
+            <a:round/>
+            <a:headEnd type="none" w="med" len="med"/>
+            <a:tailEnd type="arrow" w="med" len="med"/>
+          </a:ln>
+        </p:spPr>
+        <p:style>
+          <a:lnRef idx="0">
+            <a:scrgbClr r="0" g="0" b="0"/>
+          </a:lnRef>
+          <a:fillRef idx="0">
+            <a:scrgbClr r="0" g="0" b="0"/>
+          </a:fillRef>
+          <a:effectRef idx="0">
+            <a:scrgbClr r="0" g="0" b="0"/>
+          </a:effectRef>
+          <a:fontRef idx="minor">
+            <a:schemeClr val="tx1"/>
+          </a:fontRef>
+        </p:style>
+      </p:cxnSp>
+      <p:cxnSp>
+        <p:nvCxnSpPr>
+          <p:cNvPr id="37" name="Straight Arrow Connector 36">
+            <a:extLst>
+              <a:ext uri="{FF2B5EF4-FFF2-40B4-BE49-F238E27FC236}">
+                <a16:creationId xmlns:a16="http://schemas.microsoft.com/office/drawing/2014/main" id="{57F86FB5-87B3-5842-847A-12B656AE313D}"/>
+              </a:ext>
+            </a:extLst>
+          </p:cNvPr>
+          <p:cNvCxnSpPr>
+            <a:cxnSpLocks/>
+            <a:stCxn id="26" idx="2"/>
+          </p:cNvCxnSpPr>
+          <p:nvPr/>
+        </p:nvCxnSpPr>
+        <p:spPr>
+          <a:xfrm>
+            <a:off x="7461254" y="2301485"/>
+            <a:ext cx="0" cy="410229"/>
+          </a:xfrm>
+          <a:prstGeom prst="straightConnector1">
+            <a:avLst/>
+          </a:prstGeom>
+          <a:ln>
+            <a:headEnd type="none" w="med" len="med"/>
+            <a:tailEnd type="arrow" w="med" len="med"/>
+          </a:ln>
+        </p:spPr>
+        <p:style>
+          <a:lnRef idx="3">
+            <a:schemeClr val="accent3"/>
+          </a:lnRef>
+          <a:fillRef idx="0">
+            <a:schemeClr val="accent3"/>
+          </a:fillRef>
+          <a:effectRef idx="2">
+            <a:schemeClr val="accent3"/>
+          </a:effectRef>
+          <a:fontRef idx="minor">
+            <a:schemeClr val="tx1"/>
+          </a:fontRef>
+        </p:style>
+      </p:cxnSp>
+      <p:cxnSp>
+        <p:nvCxnSpPr>
+          <p:cNvPr id="41" name="Straight Arrow Connector 40">
+            <a:extLst>
+              <a:ext uri="{FF2B5EF4-FFF2-40B4-BE49-F238E27FC236}">
+                <a16:creationId xmlns:a16="http://schemas.microsoft.com/office/drawing/2014/main" id="{1BEEEE5F-8CDF-5048-8F83-F3CDB82F4890}"/>
+              </a:ext>
+            </a:extLst>
+          </p:cNvPr>
+          <p:cNvCxnSpPr>
+            <a:cxnSpLocks/>
+          </p:cNvCxnSpPr>
+          <p:nvPr/>
+        </p:nvCxnSpPr>
+        <p:spPr>
+          <a:xfrm>
+            <a:off x="7461254" y="4696224"/>
+            <a:ext cx="0" cy="849158"/>
+          </a:xfrm>
+          <a:prstGeom prst="straightConnector1">
+            <a:avLst/>
+          </a:prstGeom>
+          <a:ln>
+            <a:solidFill>
+              <a:srgbClr val="FF0000"/>
+            </a:solidFill>
+            <a:headEnd type="none" w="med" len="med"/>
+            <a:tailEnd type="arrow" w="med" len="med"/>
+          </a:ln>
+        </p:spPr>
+        <p:style>
+          <a:lnRef idx="3">
+            <a:schemeClr val="accent3"/>
+          </a:lnRef>
+          <a:fillRef idx="0">
+            <a:schemeClr val="accent3"/>
+          </a:fillRef>
+          <a:effectRef idx="2">
+            <a:schemeClr val="accent3"/>
+          </a:effectRef>
+          <a:fontRef idx="minor">
+            <a:schemeClr val="tx1"/>
+          </a:fontRef>
+        </p:style>
+      </p:cxnSp>
+      <p:cxnSp>
+        <p:nvCxnSpPr>
+          <p:cNvPr id="42" name="Straight Arrow Connector 41">
+            <a:extLst>
+              <a:ext uri="{FF2B5EF4-FFF2-40B4-BE49-F238E27FC236}">
+                <a16:creationId xmlns:a16="http://schemas.microsoft.com/office/drawing/2014/main" id="{24B5DCDE-7ADB-844D-96BE-0288819D358D}"/>
+              </a:ext>
+            </a:extLst>
+          </p:cNvPr>
+          <p:cNvCxnSpPr>
+            <a:cxnSpLocks/>
+            <a:endCxn id="18" idx="0"/>
+          </p:cNvCxnSpPr>
+          <p:nvPr/>
+        </p:nvCxnSpPr>
+        <p:spPr>
+          <a:xfrm>
+            <a:off x="2908300" y="1845327"/>
+            <a:ext cx="0" cy="627190"/>
+          </a:xfrm>
+          <a:prstGeom prst="straightConnector1">
+            <a:avLst/>
+          </a:prstGeom>
+          <a:ln>
+            <a:headEnd type="none" w="med" len="med"/>
+            <a:tailEnd type="arrow" w="med" len="med"/>
+          </a:ln>
+        </p:spPr>
+        <p:style>
+          <a:lnRef idx="3">
+            <a:schemeClr val="accent3"/>
+          </a:lnRef>
+          <a:fillRef idx="0">
+            <a:schemeClr val="accent3"/>
+          </a:fillRef>
+          <a:effectRef idx="2">
+            <a:schemeClr val="accent3"/>
+          </a:effectRef>
+          <a:fontRef idx="minor">
+            <a:schemeClr val="tx1"/>
+          </a:fontRef>
+        </p:style>
+      </p:cxnSp>
+      <p:cxnSp>
+        <p:nvCxnSpPr>
+          <p:cNvPr id="43" name="Straight Arrow Connector 42">
+            <a:extLst>
+              <a:ext uri="{FF2B5EF4-FFF2-40B4-BE49-F238E27FC236}">
+                <a16:creationId xmlns:a16="http://schemas.microsoft.com/office/drawing/2014/main" id="{0E7D35EE-68CC-1D40-99AD-41E163F41A88}"/>
+              </a:ext>
+            </a:extLst>
+          </p:cNvPr>
+          <p:cNvCxnSpPr>
+            <a:cxnSpLocks/>
+            <a:stCxn id="18" idx="2"/>
+            <a:endCxn id="22" idx="0"/>
+          </p:cNvCxnSpPr>
+          <p:nvPr/>
+        </p:nvCxnSpPr>
+        <p:spPr>
+          <a:xfrm>
+            <a:off x="2908300" y="2934182"/>
+            <a:ext cx="0" cy="658783"/>
+          </a:xfrm>
+          <a:prstGeom prst="straightConnector1">
+            <a:avLst/>
+          </a:prstGeom>
+          <a:ln>
+            <a:headEnd type="none" w="med" len="med"/>
+            <a:tailEnd type="arrow" w="med" len="med"/>
+          </a:ln>
+        </p:spPr>
+        <p:style>
+          <a:lnRef idx="3">
+            <a:schemeClr val="accent3"/>
+          </a:lnRef>
+          <a:fillRef idx="0">
+            <a:schemeClr val="accent3"/>
+          </a:fillRef>
+          <a:effectRef idx="2">
+            <a:schemeClr val="accent3"/>
+          </a:effectRef>
+          <a:fontRef idx="minor">
+            <a:schemeClr val="tx1"/>
+          </a:fontRef>
+        </p:style>
+      </p:cxnSp>
+      <p:cxnSp>
+        <p:nvCxnSpPr>
+          <p:cNvPr id="44" name="Straight Arrow Connector 43">
+            <a:extLst>
+              <a:ext uri="{FF2B5EF4-FFF2-40B4-BE49-F238E27FC236}">
+                <a16:creationId xmlns:a16="http://schemas.microsoft.com/office/drawing/2014/main" id="{2714CD12-1629-7D43-8FF3-EE5451134EFE}"/>
+              </a:ext>
+            </a:extLst>
+          </p:cNvPr>
+          <p:cNvCxnSpPr>
+            <a:cxnSpLocks/>
+            <a:stCxn id="22" idx="2"/>
+            <a:endCxn id="23" idx="0"/>
+          </p:cNvCxnSpPr>
+          <p:nvPr/>
+        </p:nvCxnSpPr>
+        <p:spPr>
+          <a:xfrm>
+            <a:off x="2908300" y="4054630"/>
+            <a:ext cx="0" cy="547504"/>
+          </a:xfrm>
+          <a:prstGeom prst="straightConnector1">
+            <a:avLst/>
+          </a:prstGeom>
+          <a:ln>
+            <a:headEnd type="none" w="med" len="med"/>
+            <a:tailEnd type="arrow" w="med" len="med"/>
+          </a:ln>
+        </p:spPr>
+        <p:style>
+          <a:lnRef idx="3">
+            <a:schemeClr val="accent3"/>
+          </a:lnRef>
+          <a:fillRef idx="0">
+            <a:schemeClr val="accent3"/>
+          </a:fillRef>
+          <a:effectRef idx="2">
+            <a:schemeClr val="accent3"/>
+          </a:effectRef>
+          <a:fontRef idx="minor">
+            <a:schemeClr val="tx1"/>
+          </a:fontRef>
+        </p:style>
+      </p:cxnSp>
+      <p:cxnSp>
+        <p:nvCxnSpPr>
+          <p:cNvPr id="52" name="Straight Arrow Connector 51">
+            <a:extLst>
+              <a:ext uri="{FF2B5EF4-FFF2-40B4-BE49-F238E27FC236}">
+                <a16:creationId xmlns:a16="http://schemas.microsoft.com/office/drawing/2014/main" id="{3D3F845A-FACC-C043-BB56-6315261E2BF2}"/>
+              </a:ext>
+            </a:extLst>
+          </p:cNvPr>
+          <p:cNvCxnSpPr>
+            <a:cxnSpLocks/>
+            <a:stCxn id="23" idx="2"/>
+          </p:cNvCxnSpPr>
+          <p:nvPr/>
+        </p:nvCxnSpPr>
+        <p:spPr>
+          <a:xfrm>
+            <a:off x="2908300" y="5063799"/>
+            <a:ext cx="0" cy="742606"/>
+          </a:xfrm>
+          <a:prstGeom prst="straightConnector1">
+            <a:avLst/>
+          </a:prstGeom>
+          <a:ln>
+            <a:headEnd type="none" w="med" len="med"/>
+            <a:tailEnd type="arrow" w="med" len="med"/>
+          </a:ln>
+        </p:spPr>
+        <p:style>
+          <a:lnRef idx="3">
+            <a:schemeClr val="accent3"/>
+          </a:lnRef>
+          <a:fillRef idx="0">
+            <a:schemeClr val="accent3"/>
+          </a:fillRef>
+          <a:effectRef idx="2">
+            <a:schemeClr val="accent3"/>
+          </a:effectRef>
+          <a:fontRef idx="minor">
+            <a:schemeClr val="tx1"/>
+          </a:fontRef>
+        </p:style>
+      </p:cxnSp>
+      <p:cxnSp>
+        <p:nvCxnSpPr>
+          <p:cNvPr id="56" name="Straight Arrow Connector 55">
+            <a:extLst>
+              <a:ext uri="{FF2B5EF4-FFF2-40B4-BE49-F238E27FC236}">
+                <a16:creationId xmlns:a16="http://schemas.microsoft.com/office/drawing/2014/main" id="{92EDBB97-73DB-8340-A26B-F8D3DF4ADFF3}"/>
+              </a:ext>
+            </a:extLst>
+          </p:cNvPr>
+          <p:cNvCxnSpPr>
+            <a:cxnSpLocks/>
+          </p:cNvCxnSpPr>
+          <p:nvPr/>
+        </p:nvCxnSpPr>
+        <p:spPr>
+          <a:xfrm>
+            <a:off x="7461254" y="6029783"/>
+            <a:ext cx="0" cy="485317"/>
+          </a:xfrm>
+          <a:prstGeom prst="straightConnector1">
+            <a:avLst/>
+          </a:prstGeom>
+          <a:ln>
+            <a:headEnd type="none" w="med" len="med"/>
+            <a:tailEnd type="arrow" w="med" len="med"/>
+          </a:ln>
+        </p:spPr>
+        <p:style>
+          <a:lnRef idx="3">
+            <a:schemeClr val="accent3"/>
+          </a:lnRef>
+          <a:fillRef idx="0">
+            <a:schemeClr val="accent3"/>
+          </a:fillRef>
+          <a:effectRef idx="2">
+            <a:schemeClr val="accent3"/>
+          </a:effectRef>
+          <a:fontRef idx="minor">
+            <a:schemeClr val="tx1"/>
+          </a:fontRef>
+        </p:style>
+      </p:cxnSp>
+      <p:sp>
+        <p:nvSpPr>
+          <p:cNvPr id="59" name="object 12">
+            <a:extLst>
+              <a:ext uri="{FF2B5EF4-FFF2-40B4-BE49-F238E27FC236}">
+                <a16:creationId xmlns:a16="http://schemas.microsoft.com/office/drawing/2014/main" id="{FECEC483-DA95-7D49-8F86-D882FF7D6612}"/>
               </a:ext>
             </a:extLst>
           </p:cNvPr>
@@ -4526,13 +8655,591 @@
           <p:nvPr/>
         </p:nvSpPr>
         <p:spPr>
-          <a:xfrm rot="16200000" flipH="1">
-            <a:off x="2134378" y="2691596"/>
-            <a:ext cx="1167063" cy="318519"/>
+          <a:xfrm>
+            <a:off x="10791238" y="2557413"/>
+            <a:ext cx="412175" cy="3362102"/>
           </a:xfrm>
-          <a:prstGeom prst="rightArrow">
+          <a:custGeom>
+            <a:avLst/>
+            <a:gdLst/>
+            <a:ahLst/>
+            <a:cxnLst/>
+            <a:rect l="l" t="t" r="r" b="b"/>
+            <a:pathLst>
+              <a:path w="327659" h="2672715">
+                <a:moveTo>
+                  <a:pt x="0" y="2672286"/>
+                </a:moveTo>
+                <a:lnTo>
+                  <a:pt x="40148" y="2671482"/>
+                </a:lnTo>
+                <a:lnTo>
+                  <a:pt x="93472" y="2667559"/>
+                </a:lnTo>
+                <a:lnTo>
+                  <a:pt x="135077" y="2660948"/>
+                </a:lnTo>
+                <a:lnTo>
+                  <a:pt x="168091" y="1364139"/>
+                </a:lnTo>
+                <a:lnTo>
+                  <a:pt x="169321" y="1360733"/>
+                </a:lnTo>
+                <a:lnTo>
+                  <a:pt x="208076" y="1346001"/>
+                </a:lnTo>
+                <a:lnTo>
+                  <a:pt x="252257" y="1339861"/>
+                </a:lnTo>
+                <a:lnTo>
+                  <a:pt x="307406" y="1336534"/>
+                </a:lnTo>
+                <a:lnTo>
+                  <a:pt x="327557" y="1336162"/>
+                </a:lnTo>
+                <a:lnTo>
+                  <a:pt x="307939" y="1335927"/>
+                </a:lnTo>
+                <a:lnTo>
+                  <a:pt x="252988" y="1332730"/>
+                </a:lnTo>
+                <a:lnTo>
+                  <a:pt x="207921" y="1326376"/>
+                </a:lnTo>
+                <a:lnTo>
+                  <a:pt x="168857" y="1310806"/>
+                </a:lnTo>
+                <a:lnTo>
+                  <a:pt x="168091" y="27978"/>
+                </a:lnTo>
+                <a:lnTo>
+                  <a:pt x="166860" y="24572"/>
+                </a:lnTo>
+                <a:lnTo>
+                  <a:pt x="128105" y="9839"/>
+                </a:lnTo>
+                <a:lnTo>
+                  <a:pt x="83924" y="3700"/>
+                </a:lnTo>
+                <a:lnTo>
+                  <a:pt x="28776" y="372"/>
+                </a:lnTo>
+                <a:lnTo>
+                  <a:pt x="8624" y="0"/>
+                </a:lnTo>
+              </a:path>
+            </a:pathLst>
+          </a:custGeom>
+          <a:ln w="9525">
+            <a:solidFill>
+              <a:srgbClr val="FFFFFF"/>
+            </a:solidFill>
+          </a:ln>
+        </p:spPr>
+        <p:txBody>
+          <a:bodyPr wrap="square" lIns="0" tIns="0" rIns="0" bIns="0" rtlCol="0"/>
+          <a:lstStyle/>
+          <a:p>
+            <a:endParaRPr>
+              <a:solidFill>
+                <a:srgbClr val="FFFFFF"/>
+              </a:solidFill>
+            </a:endParaRPr>
+          </a:p>
+        </p:txBody>
+      </p:sp>
+      <p:sp>
+        <p:nvSpPr>
+          <p:cNvPr id="60" name="object 15">
+            <a:extLst>
+              <a:ext uri="{FF2B5EF4-FFF2-40B4-BE49-F238E27FC236}">
+                <a16:creationId xmlns:a16="http://schemas.microsoft.com/office/drawing/2014/main" id="{C00452CF-8403-B34C-B018-BD5865938B18}"/>
+              </a:ext>
+            </a:extLst>
+          </p:cNvPr>
+          <p:cNvSpPr txBox="1"/>
+          <p:nvPr/>
+        </p:nvSpPr>
+        <p:spPr>
+          <a:xfrm>
+            <a:off x="11461745" y="2606382"/>
+            <a:ext cx="369332" cy="3122465"/>
+          </a:xfrm>
+          <a:prstGeom prst="rect">
             <a:avLst/>
           </a:prstGeom>
+          <a:ln>
+            <a:solidFill>
+              <a:srgbClr val="FFFFFF"/>
+            </a:solidFill>
+          </a:ln>
+        </p:spPr>
+        <p:txBody>
+          <a:bodyPr vert="vert270" wrap="square" lIns="0" tIns="0" rIns="0" bIns="0" rtlCol="0">
+            <a:spAutoFit/>
+          </a:bodyPr>
+          <a:lstStyle/>
+          <a:p>
+            <a:pPr marL="12700" algn="ctr">
+              <a:lnSpc>
+                <a:spcPct val="100000"/>
+              </a:lnSpc>
+            </a:pPr>
+            <a:r>
+              <a:rPr sz="2400" dirty="0">
+                <a:solidFill>
+                  <a:srgbClr val="FFFFFF"/>
+                </a:solidFill>
+                <a:latin typeface="Arial"/>
+                <a:cs typeface="Arial"/>
+              </a:rPr>
+              <a:t>C</a:t>
+            </a:r>
+            <a:r>
+              <a:rPr sz="2400" spc="-5" dirty="0">
+                <a:solidFill>
+                  <a:srgbClr val="FFFFFF"/>
+                </a:solidFill>
+                <a:latin typeface="Arial"/>
+                <a:cs typeface="Arial"/>
+              </a:rPr>
+              <a:t>ond</a:t>
+            </a:r>
+            <a:r>
+              <a:rPr sz="2400" dirty="0">
+                <a:solidFill>
+                  <a:srgbClr val="FFFFFF"/>
+                </a:solidFill>
+                <a:latin typeface="Arial"/>
+                <a:cs typeface="Arial"/>
+              </a:rPr>
+              <a:t>iti</a:t>
+            </a:r>
+            <a:r>
+              <a:rPr sz="2400" spc="-5" dirty="0">
+                <a:solidFill>
+                  <a:srgbClr val="FFFFFF"/>
+                </a:solidFill>
+                <a:latin typeface="Arial"/>
+                <a:cs typeface="Arial"/>
+              </a:rPr>
+              <a:t>ona</a:t>
+            </a:r>
+            <a:r>
+              <a:rPr sz="2400" dirty="0">
+                <a:solidFill>
+                  <a:srgbClr val="FFFFFF"/>
+                </a:solidFill>
+                <a:latin typeface="Arial"/>
+                <a:cs typeface="Arial"/>
+              </a:rPr>
+              <a:t>l</a:t>
+            </a:r>
+            <a:r>
+              <a:rPr sz="2400" spc="-5" dirty="0">
+                <a:solidFill>
+                  <a:srgbClr val="FFFFFF"/>
+                </a:solidFill>
+                <a:latin typeface="Arial"/>
+                <a:cs typeface="Arial"/>
+              </a:rPr>
+              <a:t> </a:t>
+            </a:r>
+            <a:r>
+              <a:rPr sz="2400" dirty="0">
+                <a:solidFill>
+                  <a:srgbClr val="FFFFFF"/>
+                </a:solidFill>
+                <a:latin typeface="Arial"/>
+                <a:cs typeface="Arial"/>
+              </a:rPr>
+              <a:t>str</a:t>
+            </a:r>
+            <a:r>
+              <a:rPr sz="2400" spc="-5" dirty="0">
+                <a:solidFill>
+                  <a:srgbClr val="FFFFFF"/>
+                </a:solidFill>
+                <a:latin typeface="Arial"/>
+                <a:cs typeface="Arial"/>
+              </a:rPr>
+              <a:t>u</a:t>
+            </a:r>
+            <a:r>
+              <a:rPr sz="2400" dirty="0">
+                <a:solidFill>
+                  <a:srgbClr val="FFFFFF"/>
+                </a:solidFill>
+                <a:latin typeface="Arial"/>
+                <a:cs typeface="Arial"/>
+              </a:rPr>
+              <a:t>ct</a:t>
+            </a:r>
+            <a:r>
+              <a:rPr sz="2400" spc="-5" dirty="0">
+                <a:solidFill>
+                  <a:srgbClr val="FFFFFF"/>
+                </a:solidFill>
+                <a:latin typeface="Arial"/>
+                <a:cs typeface="Arial"/>
+              </a:rPr>
+              <a:t>u</a:t>
+            </a:r>
+            <a:r>
+              <a:rPr sz="2400" dirty="0">
+                <a:solidFill>
+                  <a:srgbClr val="FFFFFF"/>
+                </a:solidFill>
+                <a:latin typeface="Arial"/>
+                <a:cs typeface="Arial"/>
+              </a:rPr>
+              <a:t>re</a:t>
+            </a:r>
+          </a:p>
+        </p:txBody>
+      </p:sp>
+      <p:cxnSp>
+        <p:nvCxnSpPr>
+          <p:cNvPr id="65" name="Straight Arrow Connector 64">
+            <a:extLst>
+              <a:ext uri="{FF2B5EF4-FFF2-40B4-BE49-F238E27FC236}">
+                <a16:creationId xmlns:a16="http://schemas.microsoft.com/office/drawing/2014/main" id="{ED06DEEF-8C68-0A4F-AD49-A1FF4F10B20D}"/>
+              </a:ext>
+            </a:extLst>
+          </p:cNvPr>
+          <p:cNvCxnSpPr>
+            <a:cxnSpLocks/>
+            <a:endCxn id="26" idx="0"/>
+          </p:cNvCxnSpPr>
+          <p:nvPr/>
+        </p:nvCxnSpPr>
+        <p:spPr>
+          <a:xfrm>
+            <a:off x="7461254" y="1391769"/>
+            <a:ext cx="0" cy="448051"/>
+          </a:xfrm>
+          <a:prstGeom prst="straightConnector1">
+            <a:avLst/>
+          </a:prstGeom>
+          <a:ln>
+            <a:headEnd type="none" w="med" len="med"/>
+            <a:tailEnd type="arrow" w="med" len="med"/>
+          </a:ln>
+        </p:spPr>
+        <p:style>
+          <a:lnRef idx="3">
+            <a:schemeClr val="accent3"/>
+          </a:lnRef>
+          <a:fillRef idx="0">
+            <a:schemeClr val="accent3"/>
+          </a:fillRef>
+          <a:effectRef idx="2">
+            <a:schemeClr val="accent3"/>
+          </a:effectRef>
+          <a:fontRef idx="minor">
+            <a:schemeClr val="tx1"/>
+          </a:fontRef>
+        </p:style>
+      </p:cxnSp>
+      <p:sp>
+        <p:nvSpPr>
+          <p:cNvPr id="70" name="object 12">
+            <a:extLst>
+              <a:ext uri="{FF2B5EF4-FFF2-40B4-BE49-F238E27FC236}">
+                <a16:creationId xmlns:a16="http://schemas.microsoft.com/office/drawing/2014/main" id="{1AC8CAF0-E29B-0144-8F69-4F2FD97A89F8}"/>
+              </a:ext>
+            </a:extLst>
+          </p:cNvPr>
+          <p:cNvSpPr/>
+          <p:nvPr/>
+        </p:nvSpPr>
+        <p:spPr>
+          <a:xfrm flipH="1">
+            <a:off x="1162136" y="2206015"/>
+            <a:ext cx="611161" cy="3362102"/>
+          </a:xfrm>
+          <a:custGeom>
+            <a:avLst/>
+            <a:gdLst/>
+            <a:ahLst/>
+            <a:cxnLst/>
+            <a:rect l="l" t="t" r="r" b="b"/>
+            <a:pathLst>
+              <a:path w="327659" h="2672715">
+                <a:moveTo>
+                  <a:pt x="0" y="2672286"/>
+                </a:moveTo>
+                <a:lnTo>
+                  <a:pt x="40148" y="2671482"/>
+                </a:lnTo>
+                <a:lnTo>
+                  <a:pt x="93472" y="2667559"/>
+                </a:lnTo>
+                <a:lnTo>
+                  <a:pt x="135077" y="2660948"/>
+                </a:lnTo>
+                <a:lnTo>
+                  <a:pt x="168091" y="1364139"/>
+                </a:lnTo>
+                <a:lnTo>
+                  <a:pt x="169321" y="1360733"/>
+                </a:lnTo>
+                <a:lnTo>
+                  <a:pt x="208076" y="1346001"/>
+                </a:lnTo>
+                <a:lnTo>
+                  <a:pt x="252257" y="1339861"/>
+                </a:lnTo>
+                <a:lnTo>
+                  <a:pt x="307406" y="1336534"/>
+                </a:lnTo>
+                <a:lnTo>
+                  <a:pt x="327557" y="1336162"/>
+                </a:lnTo>
+                <a:lnTo>
+                  <a:pt x="307939" y="1335927"/>
+                </a:lnTo>
+                <a:lnTo>
+                  <a:pt x="252988" y="1332730"/>
+                </a:lnTo>
+                <a:lnTo>
+                  <a:pt x="207921" y="1326376"/>
+                </a:lnTo>
+                <a:lnTo>
+                  <a:pt x="168857" y="1310806"/>
+                </a:lnTo>
+                <a:lnTo>
+                  <a:pt x="168091" y="27978"/>
+                </a:lnTo>
+                <a:lnTo>
+                  <a:pt x="166860" y="24572"/>
+                </a:lnTo>
+                <a:lnTo>
+                  <a:pt x="128105" y="9839"/>
+                </a:lnTo>
+                <a:lnTo>
+                  <a:pt x="83924" y="3700"/>
+                </a:lnTo>
+                <a:lnTo>
+                  <a:pt x="28776" y="372"/>
+                </a:lnTo>
+                <a:lnTo>
+                  <a:pt x="8624" y="0"/>
+                </a:lnTo>
+              </a:path>
+            </a:pathLst>
+          </a:custGeom>
+          <a:ln w="9525">
+            <a:solidFill>
+              <a:srgbClr val="FFFFFF"/>
+            </a:solidFill>
+          </a:ln>
+        </p:spPr>
+        <p:txBody>
+          <a:bodyPr wrap="square" lIns="0" tIns="0" rIns="0" bIns="0" rtlCol="0"/>
+          <a:lstStyle/>
+          <a:p>
+            <a:endParaRPr>
+              <a:solidFill>
+                <a:srgbClr val="FFFFFF"/>
+              </a:solidFill>
+            </a:endParaRPr>
+          </a:p>
+        </p:txBody>
+      </p:sp>
+      <p:sp>
+        <p:nvSpPr>
+          <p:cNvPr id="71" name="object 15">
+            <a:extLst>
+              <a:ext uri="{FF2B5EF4-FFF2-40B4-BE49-F238E27FC236}">
+                <a16:creationId xmlns:a16="http://schemas.microsoft.com/office/drawing/2014/main" id="{D3EFF445-D24A-CA4E-92EA-E6AEF16803C0}"/>
+              </a:ext>
+            </a:extLst>
+          </p:cNvPr>
+          <p:cNvSpPr txBox="1"/>
+          <p:nvPr/>
+        </p:nvSpPr>
+        <p:spPr>
+          <a:xfrm>
+            <a:off x="621290" y="2325833"/>
+            <a:ext cx="369332" cy="3122465"/>
+          </a:xfrm>
+          <a:prstGeom prst="rect">
+            <a:avLst/>
+          </a:prstGeom>
+          <a:ln>
+            <a:solidFill>
+              <a:srgbClr val="FFFFFF"/>
+            </a:solidFill>
+          </a:ln>
+        </p:spPr>
+        <p:txBody>
+          <a:bodyPr vert="vert270" wrap="square" lIns="0" tIns="0" rIns="0" bIns="0" rtlCol="0">
+            <a:spAutoFit/>
+          </a:bodyPr>
+          <a:lstStyle/>
+          <a:p>
+            <a:pPr marL="12700" algn="ctr">
+              <a:lnSpc>
+                <a:spcPct val="100000"/>
+              </a:lnSpc>
+            </a:pPr>
+            <a:r>
+              <a:rPr lang="en-US" sz="2400" dirty="0">
+                <a:solidFill>
+                  <a:srgbClr val="FFFFFF"/>
+                </a:solidFill>
+                <a:latin typeface="Arial"/>
+                <a:cs typeface="Arial"/>
+              </a:rPr>
+              <a:t>Sequential structure</a:t>
+            </a:r>
+            <a:endParaRPr sz="2400" dirty="0">
+              <a:solidFill>
+                <a:srgbClr val="FFFFFF"/>
+              </a:solidFill>
+              <a:latin typeface="Arial"/>
+              <a:cs typeface="Arial"/>
+            </a:endParaRPr>
+          </a:p>
+        </p:txBody>
+      </p:sp>
+      <p:sp>
+        <p:nvSpPr>
+          <p:cNvPr id="72" name="TextBox 71">
+            <a:extLst>
+              <a:ext uri="{FF2B5EF4-FFF2-40B4-BE49-F238E27FC236}">
+                <a16:creationId xmlns:a16="http://schemas.microsoft.com/office/drawing/2014/main" id="{834BE723-387C-6742-B5F3-6EAE702ABBA0}"/>
+              </a:ext>
+            </a:extLst>
+          </p:cNvPr>
+          <p:cNvSpPr txBox="1"/>
+          <p:nvPr/>
+        </p:nvSpPr>
+        <p:spPr>
+          <a:xfrm>
+            <a:off x="8728136" y="3104326"/>
+            <a:ext cx="952500" cy="461665"/>
+          </a:xfrm>
+          <a:prstGeom prst="rect">
+            <a:avLst/>
+          </a:prstGeom>
+          <a:noFill/>
+        </p:spPr>
+        <p:txBody>
+          <a:bodyPr wrap="square" rtlCol="0">
+            <a:spAutoFit/>
+          </a:bodyPr>
+          <a:lstStyle/>
+          <a:p>
+            <a:pPr algn="ctr"/>
+            <a:r>
+              <a:rPr lang="en-US" sz="2400" dirty="0">
+                <a:solidFill>
+                  <a:srgbClr val="00B050"/>
+                </a:solidFill>
+              </a:rPr>
+              <a:t>True</a:t>
+            </a:r>
+          </a:p>
+        </p:txBody>
+      </p:sp>
+      <p:sp>
+        <p:nvSpPr>
+          <p:cNvPr id="73" name="TextBox 72">
+            <a:extLst>
+              <a:ext uri="{FF2B5EF4-FFF2-40B4-BE49-F238E27FC236}">
+                <a16:creationId xmlns:a16="http://schemas.microsoft.com/office/drawing/2014/main" id="{5BA179B0-68C8-EE48-AD66-76C40879441D}"/>
+              </a:ext>
+            </a:extLst>
+          </p:cNvPr>
+          <p:cNvSpPr txBox="1"/>
+          <p:nvPr/>
+        </p:nvSpPr>
+        <p:spPr>
+          <a:xfrm>
+            <a:off x="6499777" y="4781532"/>
+            <a:ext cx="952500" cy="461665"/>
+          </a:xfrm>
+          <a:prstGeom prst="rect">
+            <a:avLst/>
+          </a:prstGeom>
+          <a:noFill/>
+        </p:spPr>
+        <p:txBody>
+          <a:bodyPr wrap="square" rtlCol="0">
+            <a:spAutoFit/>
+          </a:bodyPr>
+          <a:lstStyle/>
+          <a:p>
+            <a:pPr algn="ctr"/>
+            <a:r>
+              <a:rPr lang="en-US" sz="2400" dirty="0">
+                <a:solidFill>
+                  <a:srgbClr val="FF0000"/>
+                </a:solidFill>
+              </a:rPr>
+              <a:t>False</a:t>
+            </a:r>
+          </a:p>
+        </p:txBody>
+      </p:sp>
+      <p:pic>
+        <p:nvPicPr>
+          <p:cNvPr id="74" name="Picture 73">
+            <a:extLst>
+              <a:ext uri="{FF2B5EF4-FFF2-40B4-BE49-F238E27FC236}">
+                <a16:creationId xmlns:a16="http://schemas.microsoft.com/office/drawing/2014/main" id="{B4792DBB-C7F4-5743-B03B-0F7BF2B57194}"/>
+              </a:ext>
+            </a:extLst>
+          </p:cNvPr>
+          <p:cNvPicPr>
+            <a:picLocks noChangeAspect="1"/>
+          </p:cNvPicPr>
+          <p:nvPr/>
+        </p:nvPicPr>
+        <p:blipFill>
+          <a:blip r:embed="rId3"/>
+          <a:stretch>
+            <a:fillRect/>
+          </a:stretch>
+        </p:blipFill>
+        <p:spPr>
+          <a:xfrm>
+            <a:off x="10181373" y="580905"/>
+            <a:ext cx="1891612" cy="1891612"/>
+          </a:xfrm>
+          <a:prstGeom prst="rect">
+            <a:avLst/>
+          </a:prstGeom>
+        </p:spPr>
+      </p:pic>
+      <p:sp>
+        <p:nvSpPr>
+          <p:cNvPr id="78" name="Oval 77">
+            <a:extLst>
+              <a:ext uri="{FF2B5EF4-FFF2-40B4-BE49-F238E27FC236}">
+                <a16:creationId xmlns:a16="http://schemas.microsoft.com/office/drawing/2014/main" id="{0D12675B-2652-DE45-BB8A-BA68BBE95C57}"/>
+              </a:ext>
+            </a:extLst>
+          </p:cNvPr>
+          <p:cNvSpPr/>
+          <p:nvPr/>
+        </p:nvSpPr>
+        <p:spPr>
+          <a:xfrm>
+            <a:off x="6342090" y="2579487"/>
+            <a:ext cx="2279197" cy="2279197"/>
+          </a:xfrm>
+          <a:prstGeom prst="ellipse">
+            <a:avLst/>
+          </a:prstGeom>
+          <a:noFill/>
+          <a:ln w="76200">
+            <a:solidFill>
+              <a:srgbClr val="FFFF00"/>
+            </a:solidFill>
+          </a:ln>
         </p:spPr>
         <p:style>
           <a:lnRef idx="2">
@@ -4561,60 +9268,10 @@
       </p:sp>
       <p:sp>
         <p:nvSpPr>
-          <p:cNvPr id="14" name="Arrow: Bent-Up 13">
-            <a:extLst>
-              <a:ext uri="{FF2B5EF4-FFF2-40B4-BE49-F238E27FC236}">
-                <a16:creationId xmlns:a16="http://schemas.microsoft.com/office/drawing/2014/main" id="{7D2B7045-1DA7-4134-8766-FEE26F01A905}"/>
-              </a:ext>
-            </a:extLst>
-          </p:cNvPr>
-          <p:cNvSpPr/>
-          <p:nvPr/>
-        </p:nvSpPr>
-        <p:spPr>
-          <a:xfrm flipH="1">
-            <a:off x="7681568" y="3961675"/>
-            <a:ext cx="1189481" cy="1004617"/>
-          </a:xfrm>
-          <a:prstGeom prst="bentUpArrow">
-            <a:avLst>
-              <a:gd name="adj1" fmla="val 14745"/>
-              <a:gd name="adj2" fmla="val 17675"/>
-              <a:gd name="adj3" fmla="val 25000"/>
-            </a:avLst>
-          </a:prstGeom>
-        </p:spPr>
-        <p:style>
-          <a:lnRef idx="2">
-            <a:schemeClr val="accent1">
-              <a:shade val="50000"/>
-            </a:schemeClr>
-          </a:lnRef>
-          <a:fillRef idx="1">
-            <a:schemeClr val="accent1"/>
-          </a:fillRef>
-          <a:effectRef idx="0">
-            <a:schemeClr val="accent1"/>
-          </a:effectRef>
-          <a:fontRef idx="minor">
-            <a:schemeClr val="lt1"/>
-          </a:fontRef>
-        </p:style>
-        <p:txBody>
-          <a:bodyPr rtlCol="0" anchor="ctr"/>
-          <a:lstStyle/>
-          <a:p>
-            <a:pPr algn="ctr"/>
-            <a:endParaRPr lang="en-US"/>
-          </a:p>
-        </p:txBody>
-      </p:sp>
-      <p:sp>
-        <p:nvSpPr>
-          <p:cNvPr id="15" name="TextBox 14">
-            <a:extLst>
-              <a:ext uri="{FF2B5EF4-FFF2-40B4-BE49-F238E27FC236}">
-                <a16:creationId xmlns:a16="http://schemas.microsoft.com/office/drawing/2014/main" id="{810CD0EB-7997-4DF1-9EAA-A66C9B1A3AEA}"/>
+          <p:cNvPr id="79" name="TextBox 78">
+            <a:extLst>
+              <a:ext uri="{FF2B5EF4-FFF2-40B4-BE49-F238E27FC236}">
+                <a16:creationId xmlns:a16="http://schemas.microsoft.com/office/drawing/2014/main" id="{CDA2C1DC-22D5-CB4A-9377-2DD54DA9DA3E}"/>
               </a:ext>
             </a:extLst>
           </p:cNvPr>
@@ -4623,8 +9280,8 @@
         </p:nvSpPr>
         <p:spPr>
           <a:xfrm>
-            <a:off x="8979536" y="4579796"/>
-            <a:ext cx="2795830" cy="954107"/>
+            <a:off x="5813147" y="2981216"/>
+            <a:ext cx="412292" cy="584775"/>
           </a:xfrm>
           <a:prstGeom prst="rect">
             <a:avLst/>
@@ -4638,246 +9295,20 @@
           <a:lstStyle/>
           <a:p>
             <a:r>
-              <a:rPr lang="en-US" sz="2800" b="1" dirty="0">
-                <a:solidFill>
-                  <a:schemeClr val="accent6"/>
-                </a:solidFill>
-              </a:rPr>
-              <a:t>(parameter1, </a:t>
-            </a:r>
-          </a:p>
-          <a:p>
-            <a:r>
-              <a:rPr lang="en-US" sz="2800" b="1" dirty="0">
-                <a:solidFill>
-                  <a:schemeClr val="accent6"/>
-                </a:solidFill>
-              </a:rPr>
-              <a:t>parameter2, …)</a:t>
-            </a:r>
-          </a:p>
-        </p:txBody>
-      </p:sp>
-      <p:sp>
-        <p:nvSpPr>
-          <p:cNvPr id="16" name="TextBox 15">
-            <a:extLst>
-              <a:ext uri="{FF2B5EF4-FFF2-40B4-BE49-F238E27FC236}">
-                <a16:creationId xmlns:a16="http://schemas.microsoft.com/office/drawing/2014/main" id="{27D5C05D-8F60-4E0A-A782-BE83C295388E}"/>
-              </a:ext>
-            </a:extLst>
-          </p:cNvPr>
-          <p:cNvSpPr txBox="1"/>
-          <p:nvPr/>
-        </p:nvSpPr>
-        <p:spPr>
-          <a:xfrm>
-            <a:off x="4085793" y="1728678"/>
-            <a:ext cx="2759089" cy="523220"/>
-          </a:xfrm>
-          <a:prstGeom prst="rect">
-            <a:avLst/>
-          </a:prstGeom>
-          <a:noFill/>
-        </p:spPr>
-        <p:txBody>
-          <a:bodyPr wrap="none" rtlCol="0">
-            <a:spAutoFit/>
-          </a:bodyPr>
-          <a:lstStyle/>
-          <a:p>
-            <a:r>
-              <a:rPr lang="en-US" sz="2800" b="1" dirty="0">
-                <a:solidFill>
-                  <a:schemeClr val="accent6"/>
-                </a:solidFill>
-              </a:rPr>
-              <a:t>Function Name</a:t>
-            </a:r>
-          </a:p>
-        </p:txBody>
-      </p:sp>
-      <p:sp>
-        <p:nvSpPr>
-          <p:cNvPr id="17" name="Arrow: Right 16">
-            <a:extLst>
-              <a:ext uri="{FF2B5EF4-FFF2-40B4-BE49-F238E27FC236}">
-                <a16:creationId xmlns:a16="http://schemas.microsoft.com/office/drawing/2014/main" id="{137CE59F-6893-4F72-85BB-211646130AAE}"/>
-              </a:ext>
-            </a:extLst>
-          </p:cNvPr>
-          <p:cNvSpPr/>
-          <p:nvPr/>
-        </p:nvSpPr>
-        <p:spPr>
-          <a:xfrm rot="16200000" flipH="1">
-            <a:off x="4881807" y="2691596"/>
-            <a:ext cx="1167063" cy="318519"/>
-          </a:xfrm>
-          <a:prstGeom prst="rightArrow">
-            <a:avLst/>
-          </a:prstGeom>
-        </p:spPr>
-        <p:style>
-          <a:lnRef idx="2">
-            <a:schemeClr val="accent1">
-              <a:shade val="50000"/>
-            </a:schemeClr>
-          </a:lnRef>
-          <a:fillRef idx="1">
-            <a:schemeClr val="accent1"/>
-          </a:fillRef>
-          <a:effectRef idx="0">
-            <a:schemeClr val="accent1"/>
-          </a:effectRef>
-          <a:fontRef idx="minor">
-            <a:schemeClr val="lt1"/>
-          </a:fontRef>
-        </p:style>
-        <p:txBody>
-          <a:bodyPr rtlCol="0" anchor="ctr"/>
-          <a:lstStyle/>
-          <a:p>
-            <a:pPr algn="ctr"/>
-            <a:endParaRPr lang="en-US"/>
-          </a:p>
-        </p:txBody>
-      </p:sp>
-      <p:sp>
-        <p:nvSpPr>
-          <p:cNvPr id="2" name="TextBox 1">
-            <a:extLst>
-              <a:ext uri="{FF2B5EF4-FFF2-40B4-BE49-F238E27FC236}">
-                <a16:creationId xmlns:a16="http://schemas.microsoft.com/office/drawing/2014/main" id="{20E38086-E06D-42AA-B72F-5F3175B75621}"/>
-              </a:ext>
-            </a:extLst>
-          </p:cNvPr>
-          <p:cNvSpPr txBox="1"/>
-          <p:nvPr/>
-        </p:nvSpPr>
-        <p:spPr>
-          <a:xfrm>
-            <a:off x="3649861" y="5978065"/>
-            <a:ext cx="3641061" cy="523220"/>
-          </a:xfrm>
-          <a:prstGeom prst="rect">
-            <a:avLst/>
-          </a:prstGeom>
-          <a:noFill/>
-        </p:spPr>
-        <p:txBody>
-          <a:bodyPr wrap="none" rtlCol="0">
-            <a:spAutoFit/>
-          </a:bodyPr>
-          <a:lstStyle/>
-          <a:p>
-            <a:r>
-              <a:rPr lang="en-US" sz="2800" b="1" dirty="0">
-                <a:solidFill>
-                  <a:srgbClr val="FFFFFF"/>
-                </a:solidFill>
-              </a:rPr>
-              <a:t>What is in the body?</a:t>
-            </a:r>
-          </a:p>
-        </p:txBody>
-      </p:sp>
-      <p:sp>
-        <p:nvSpPr>
-          <p:cNvPr id="18" name="Arrow: Right 17">
-            <a:extLst>
-              <a:ext uri="{FF2B5EF4-FFF2-40B4-BE49-F238E27FC236}">
-                <a16:creationId xmlns:a16="http://schemas.microsoft.com/office/drawing/2014/main" id="{C16A563C-A74F-45CA-99B3-DF977C57BC5D}"/>
-              </a:ext>
-            </a:extLst>
-          </p:cNvPr>
-          <p:cNvSpPr/>
-          <p:nvPr/>
-        </p:nvSpPr>
-        <p:spPr>
-          <a:xfrm rot="16200000">
-            <a:off x="3044527" y="5037119"/>
-            <a:ext cx="1529189" cy="318519"/>
-          </a:xfrm>
-          <a:prstGeom prst="rightArrow">
-            <a:avLst/>
-          </a:prstGeom>
-        </p:spPr>
-        <p:style>
-          <a:lnRef idx="2">
-            <a:schemeClr val="accent1">
-              <a:shade val="50000"/>
-            </a:schemeClr>
-          </a:lnRef>
-          <a:fillRef idx="1">
-            <a:schemeClr val="accent1"/>
-          </a:fillRef>
-          <a:effectRef idx="0">
-            <a:schemeClr val="accent1"/>
-          </a:effectRef>
-          <a:fontRef idx="minor">
-            <a:schemeClr val="lt1"/>
-          </a:fontRef>
-        </p:style>
-        <p:txBody>
-          <a:bodyPr rtlCol="0" anchor="ctr"/>
-          <a:lstStyle/>
-          <a:p>
-            <a:pPr algn="ctr"/>
-            <a:endParaRPr lang="en-US"/>
-          </a:p>
-        </p:txBody>
-      </p:sp>
-      <p:sp>
-        <p:nvSpPr>
-          <p:cNvPr id="19" name="Arrow: Right 18">
-            <a:extLst>
-              <a:ext uri="{FF2B5EF4-FFF2-40B4-BE49-F238E27FC236}">
-                <a16:creationId xmlns:a16="http://schemas.microsoft.com/office/drawing/2014/main" id="{6C8AADCE-37DE-487B-845B-B08E97811B42}"/>
-              </a:ext>
-            </a:extLst>
-          </p:cNvPr>
-          <p:cNvSpPr/>
-          <p:nvPr/>
-        </p:nvSpPr>
-        <p:spPr>
-          <a:xfrm>
-            <a:off x="1617848" y="3985739"/>
-            <a:ext cx="1479131" cy="318519"/>
-          </a:xfrm>
-          <a:prstGeom prst="rightArrow">
-            <a:avLst/>
-          </a:prstGeom>
-        </p:spPr>
-        <p:style>
-          <a:lnRef idx="2">
-            <a:schemeClr val="accent1">
-              <a:shade val="50000"/>
-            </a:schemeClr>
-          </a:lnRef>
-          <a:fillRef idx="1">
-            <a:schemeClr val="accent1"/>
-          </a:fillRef>
-          <a:effectRef idx="0">
-            <a:schemeClr val="accent1"/>
-          </a:effectRef>
-          <a:fontRef idx="minor">
-            <a:schemeClr val="lt1"/>
-          </a:fontRef>
-        </p:style>
-        <p:txBody>
-          <a:bodyPr rtlCol="0" anchor="ctr"/>
-          <a:lstStyle/>
-          <a:p>
-            <a:pPr algn="ctr"/>
-            <a:endParaRPr lang="en-US"/>
+              <a:rPr lang="en-US" sz="3200" dirty="0">
+                <a:solidFill>
+                  <a:srgbClr val="FFFF00"/>
+                </a:solidFill>
+              </a:rPr>
+              <a:t>if</a:t>
+            </a:r>
           </a:p>
         </p:txBody>
       </p:sp>
     </p:spTree>
     <p:extLst>
       <p:ext uri="{BB962C8B-B14F-4D97-AF65-F5344CB8AC3E}">
-        <p14:creationId xmlns:p14="http://schemas.microsoft.com/office/powerpoint/2010/main" val="2980881255"/>
+        <p14:creationId xmlns:p14="http://schemas.microsoft.com/office/powerpoint/2010/main" val="2414783737"/>
       </p:ext>
     </p:extLst>
   </p:cSld>
@@ -5086,4 +9517,299 @@
     </a:ext>
   </a:extLst>
 </a:theme>
+</file>
+
+<file path=ppt/theme/theme2.xml><?xml version="1.0" encoding="utf-8"?>
+<a:theme xmlns:a="http://schemas.openxmlformats.org/drawingml/2006/main" name="Office Theme">
+  <a:themeElements>
+    <a:clrScheme name="Office">
+      <a:dk1>
+        <a:sysClr val="windowText" lastClr="000000"/>
+      </a:dk1>
+      <a:lt1>
+        <a:sysClr val="window" lastClr="FFFFFF"/>
+      </a:lt1>
+      <a:dk2>
+        <a:srgbClr val="44546A"/>
+      </a:dk2>
+      <a:lt2>
+        <a:srgbClr val="E7E6E6"/>
+      </a:lt2>
+      <a:accent1>
+        <a:srgbClr val="4472C4"/>
+      </a:accent1>
+      <a:accent2>
+        <a:srgbClr val="ED7D31"/>
+      </a:accent2>
+      <a:accent3>
+        <a:srgbClr val="A5A5A5"/>
+      </a:accent3>
+      <a:accent4>
+        <a:srgbClr val="FFC000"/>
+      </a:accent4>
+      <a:accent5>
+        <a:srgbClr val="5B9BD5"/>
+      </a:accent5>
+      <a:accent6>
+        <a:srgbClr val="70AD47"/>
+      </a:accent6>
+      <a:hlink>
+        <a:srgbClr val="0563C1"/>
+      </a:hlink>
+      <a:folHlink>
+        <a:srgbClr val="954F72"/>
+      </a:folHlink>
+    </a:clrScheme>
+    <a:fontScheme name="Office">
+      <a:majorFont>
+        <a:latin typeface="Calibri Light" panose="020F0302020204030204"/>
+        <a:ea typeface=""/>
+        <a:cs typeface=""/>
+        <a:font script="Jpan" typeface="游ゴシック Light"/>
+        <a:font script="Hang" typeface="맑은 고딕"/>
+        <a:font script="Hans" typeface="等线 Light"/>
+        <a:font script="Hant" typeface="新細明體"/>
+        <a:font script="Arab" typeface="Times New Roman"/>
+        <a:font script="Hebr" typeface="Times New Roman"/>
+        <a:font script="Thai" typeface="Angsana New"/>
+        <a:font script="Ethi" typeface="Nyala"/>
+        <a:font script="Beng" typeface="Vrinda"/>
+        <a:font script="Gujr" typeface="Shruti"/>
+        <a:font script="Khmr" typeface="MoolBoran"/>
+        <a:font script="Knda" typeface="Tunga"/>
+        <a:font script="Guru" typeface="Raavi"/>
+        <a:font script="Cans" typeface="Euphemia"/>
+        <a:font script="Cher" typeface="Plantagenet Cherokee"/>
+        <a:font script="Yiii" typeface="Microsoft Yi Baiti"/>
+        <a:font script="Tibt" typeface="Microsoft Himalaya"/>
+        <a:font script="Thaa" typeface="MV Boli"/>
+        <a:font script="Deva" typeface="Mangal"/>
+        <a:font script="Telu" typeface="Gautami"/>
+        <a:font script="Taml" typeface="Latha"/>
+        <a:font script="Syrc" typeface="Estrangelo Edessa"/>
+        <a:font script="Orya" typeface="Kalinga"/>
+        <a:font script="Mlym" typeface="Kartika"/>
+        <a:font script="Laoo" typeface="DokChampa"/>
+        <a:font script="Sinh" typeface="Iskoola Pota"/>
+        <a:font script="Mong" typeface="Mongolian Baiti"/>
+        <a:font script="Viet" typeface="Times New Roman"/>
+        <a:font script="Uigh" typeface="Microsoft Uighur"/>
+        <a:font script="Geor" typeface="Sylfaen"/>
+        <a:font script="Armn" typeface="Arial"/>
+        <a:font script="Bugi" typeface="Leelawadee UI"/>
+        <a:font script="Bopo" typeface="Microsoft JhengHei"/>
+        <a:font script="Java" typeface="Javanese Text"/>
+        <a:font script="Lisu" typeface="Segoe UI"/>
+        <a:font script="Mymr" typeface="Myanmar Text"/>
+        <a:font script="Nkoo" typeface="Ebrima"/>
+        <a:font script="Olck" typeface="Nirmala UI"/>
+        <a:font script="Osma" typeface="Ebrima"/>
+        <a:font script="Phag" typeface="Phagspa"/>
+        <a:font script="Syrn" typeface="Estrangelo Edessa"/>
+        <a:font script="Syrj" typeface="Estrangelo Edessa"/>
+        <a:font script="Syre" typeface="Estrangelo Edessa"/>
+        <a:font script="Sora" typeface="Nirmala UI"/>
+        <a:font script="Tale" typeface="Microsoft Tai Le"/>
+        <a:font script="Talu" typeface="Microsoft New Tai Lue"/>
+        <a:font script="Tfng" typeface="Ebrima"/>
+      </a:majorFont>
+      <a:minorFont>
+        <a:latin typeface="Calibri" panose="020F0502020204030204"/>
+        <a:ea typeface=""/>
+        <a:cs typeface=""/>
+        <a:font script="Jpan" typeface="游ゴシック"/>
+        <a:font script="Hang" typeface="맑은 고딕"/>
+        <a:font script="Hans" typeface="等线"/>
+        <a:font script="Hant" typeface="新細明體"/>
+        <a:font script="Arab" typeface="Arial"/>
+        <a:font script="Hebr" typeface="Arial"/>
+        <a:font script="Thai" typeface="Cordia New"/>
+        <a:font script="Ethi" typeface="Nyala"/>
+        <a:font script="Beng" typeface="Vrinda"/>
+        <a:font script="Gujr" typeface="Shruti"/>
+        <a:font script="Khmr" typeface="DaunPenh"/>
+        <a:font script="Knda" typeface="Tunga"/>
+        <a:font script="Guru" typeface="Raavi"/>
+        <a:font script="Cans" typeface="Euphemia"/>
+        <a:font script="Cher" typeface="Plantagenet Cherokee"/>
+        <a:font script="Yiii" typeface="Microsoft Yi Baiti"/>
+        <a:font script="Tibt" typeface="Microsoft Himalaya"/>
+        <a:font script="Thaa" typeface="MV Boli"/>
+        <a:font script="Deva" typeface="Mangal"/>
+        <a:font script="Telu" typeface="Gautami"/>
+        <a:font script="Taml" typeface="Latha"/>
+        <a:font script="Syrc" typeface="Estrangelo Edessa"/>
+        <a:font script="Orya" typeface="Kalinga"/>
+        <a:font script="Mlym" typeface="Kartika"/>
+        <a:font script="Laoo" typeface="DokChampa"/>
+        <a:font script="Sinh" typeface="Iskoola Pota"/>
+        <a:font script="Mong" typeface="Mongolian Baiti"/>
+        <a:font script="Viet" typeface="Arial"/>
+        <a:font script="Uigh" typeface="Microsoft Uighur"/>
+        <a:font script="Geor" typeface="Sylfaen"/>
+        <a:font script="Armn" typeface="Arial"/>
+        <a:font script="Bugi" typeface="Leelawadee UI"/>
+        <a:font script="Bopo" typeface="Microsoft JhengHei"/>
+        <a:font script="Java" typeface="Javanese Text"/>
+        <a:font script="Lisu" typeface="Segoe UI"/>
+        <a:font script="Mymr" typeface="Myanmar Text"/>
+        <a:font script="Nkoo" typeface="Ebrima"/>
+        <a:font script="Olck" typeface="Nirmala UI"/>
+        <a:font script="Osma" typeface="Ebrima"/>
+        <a:font script="Phag" typeface="Phagspa"/>
+        <a:font script="Syrn" typeface="Estrangelo Edessa"/>
+        <a:font script="Syrj" typeface="Estrangelo Edessa"/>
+        <a:font script="Syre" typeface="Estrangelo Edessa"/>
+        <a:font script="Sora" typeface="Nirmala UI"/>
+        <a:font script="Tale" typeface="Microsoft Tai Le"/>
+        <a:font script="Talu" typeface="Microsoft New Tai Lue"/>
+        <a:font script="Tfng" typeface="Ebrima"/>
+      </a:minorFont>
+    </a:fontScheme>
+    <a:fmtScheme name="Office">
+      <a:fillStyleLst>
+        <a:solidFill>
+          <a:schemeClr val="phClr"/>
+        </a:solidFill>
+        <a:gradFill rotWithShape="1">
+          <a:gsLst>
+            <a:gs pos="0">
+              <a:schemeClr val="phClr">
+                <a:lumMod val="110000"/>
+                <a:satMod val="105000"/>
+                <a:tint val="67000"/>
+              </a:schemeClr>
+            </a:gs>
+            <a:gs pos="50000">
+              <a:schemeClr val="phClr">
+                <a:lumMod val="105000"/>
+                <a:satMod val="103000"/>
+                <a:tint val="73000"/>
+              </a:schemeClr>
+            </a:gs>
+            <a:gs pos="100000">
+              <a:schemeClr val="phClr">
+                <a:lumMod val="105000"/>
+                <a:satMod val="109000"/>
+                <a:tint val="81000"/>
+              </a:schemeClr>
+            </a:gs>
+          </a:gsLst>
+          <a:lin ang="5400000" scaled="0"/>
+        </a:gradFill>
+        <a:gradFill rotWithShape="1">
+          <a:gsLst>
+            <a:gs pos="0">
+              <a:schemeClr val="phClr">
+                <a:satMod val="103000"/>
+                <a:lumMod val="102000"/>
+                <a:tint val="94000"/>
+              </a:schemeClr>
+            </a:gs>
+            <a:gs pos="50000">
+              <a:schemeClr val="phClr">
+                <a:satMod val="110000"/>
+                <a:lumMod val="100000"/>
+                <a:shade val="100000"/>
+              </a:schemeClr>
+            </a:gs>
+            <a:gs pos="100000">
+              <a:schemeClr val="phClr">
+                <a:lumMod val="99000"/>
+                <a:satMod val="120000"/>
+                <a:shade val="78000"/>
+              </a:schemeClr>
+            </a:gs>
+          </a:gsLst>
+          <a:lin ang="5400000" scaled="0"/>
+        </a:gradFill>
+      </a:fillStyleLst>
+      <a:lnStyleLst>
+        <a:ln w="6350" cap="flat" cmpd="sng" algn="ctr">
+          <a:solidFill>
+            <a:schemeClr val="phClr"/>
+          </a:solidFill>
+          <a:prstDash val="solid"/>
+          <a:miter lim="800000"/>
+        </a:ln>
+        <a:ln w="12700" cap="flat" cmpd="sng" algn="ctr">
+          <a:solidFill>
+            <a:schemeClr val="phClr"/>
+          </a:solidFill>
+          <a:prstDash val="solid"/>
+          <a:miter lim="800000"/>
+        </a:ln>
+        <a:ln w="19050" cap="flat" cmpd="sng" algn="ctr">
+          <a:solidFill>
+            <a:schemeClr val="phClr"/>
+          </a:solidFill>
+          <a:prstDash val="solid"/>
+          <a:miter lim="800000"/>
+        </a:ln>
+      </a:lnStyleLst>
+      <a:effectStyleLst>
+        <a:effectStyle>
+          <a:effectLst/>
+        </a:effectStyle>
+        <a:effectStyle>
+          <a:effectLst/>
+        </a:effectStyle>
+        <a:effectStyle>
+          <a:effectLst>
+            <a:outerShdw blurRad="57150" dist="19050" dir="5400000" algn="ctr" rotWithShape="0">
+              <a:srgbClr val="000000">
+                <a:alpha val="63000"/>
+              </a:srgbClr>
+            </a:outerShdw>
+          </a:effectLst>
+        </a:effectStyle>
+      </a:effectStyleLst>
+      <a:bgFillStyleLst>
+        <a:solidFill>
+          <a:schemeClr val="phClr"/>
+        </a:solidFill>
+        <a:solidFill>
+          <a:schemeClr val="phClr">
+            <a:tint val="95000"/>
+            <a:satMod val="170000"/>
+          </a:schemeClr>
+        </a:solidFill>
+        <a:gradFill rotWithShape="1">
+          <a:gsLst>
+            <a:gs pos="0">
+              <a:schemeClr val="phClr">
+                <a:tint val="93000"/>
+                <a:satMod val="150000"/>
+                <a:shade val="98000"/>
+                <a:lumMod val="102000"/>
+              </a:schemeClr>
+            </a:gs>
+            <a:gs pos="50000">
+              <a:schemeClr val="phClr">
+                <a:tint val="98000"/>
+                <a:satMod val="130000"/>
+                <a:shade val="90000"/>
+                <a:lumMod val="103000"/>
+              </a:schemeClr>
+            </a:gs>
+            <a:gs pos="100000">
+              <a:schemeClr val="phClr">
+                <a:shade val="63000"/>
+                <a:satMod val="120000"/>
+              </a:schemeClr>
+            </a:gs>
+          </a:gsLst>
+          <a:lin ang="5400000" scaled="0"/>
+        </a:gradFill>
+      </a:bgFillStyleLst>
+    </a:fmtScheme>
+  </a:themeElements>
+  <a:objectDefaults/>
+  <a:extraClrSchemeLst/>
+  <a:extLst>
+    <a:ext uri="{05A4C25C-085E-4340-85A3-A5531E510DB2}">
+      <thm15:themeFamily xmlns:thm15="http://schemas.microsoft.com/office/thememl/2012/main" name="Office Theme 2013 - 2022" id="{62F939B6-93AF-4DB8-9C6B-D6C7DFDC589F}" vid="{4A3C46E8-61CC-4603-A589-7422A47A8E4A}"/>
+    </a:ext>
+  </a:extLst>
+</a:theme>
 </file>